--- a/Figure 1/Figure-01-edits.pptx
+++ b/Figure 1/Figure-01-edits.pptx
@@ -6,6 +6,9 @@
   </p:sldMasterIdLst>
   <p:sldIdLst>
     <p:sldId id="256" r:id="rId2"/>
+    <p:sldId id="257" r:id="rId3"/>
+    <p:sldId id="258" r:id="rId4"/>
+    <p:sldId id="259" r:id="rId5"/>
   </p:sldIdLst>
   <p:sldSz cx="12192000" cy="6858000"/>
   <p:notesSz cx="6858000" cy="9144000"/>
@@ -104,13 +107,18 @@
       </a:defRPr>
     </a:lvl9pPr>
   </p:defaultTextStyle>
+  <p:extLst>
+    <p:ext uri="{EFAFB233-063F-42B5-8137-9DF3F51BA10A}">
+      <p15:sldGuideLst xmlns:p15="http://schemas.microsoft.com/office/powerpoint/2012/main"/>
+    </p:ext>
+  </p:extLst>
 </p:presentation>
 </file>
 
 <file path=ppt/revisionInfo.xml><?xml version="1.0" encoding="utf-8"?>
 <p1510:revInfo xmlns:a="http://schemas.openxmlformats.org/drawingml/2006/main" xmlns:r="http://schemas.openxmlformats.org/officeDocument/2006/relationships" xmlns:p1510="http://schemas.microsoft.com/office/powerpoint/2015/10/main">
   <p1510:revLst>
-    <p1510:client id="{E8B76518-974F-4959-B382-89BB5FCDBC0F}" v="37" dt="2024-04-17T11:58:07.148"/>
+    <p1510:client id="{E8B76518-974F-4959-B382-89BB5FCDBC0F}" v="164" dt="2024-04-22T15:02:23.190"/>
   </p1510:revLst>
 </p1510:revInfo>
 </file>
@@ -120,12 +128,12 @@
   <pc:docChgLst>
     <pc:chgData name="John Bennedick Quijano" userId="edb3d445-3dba-4f62-8077-bafdc7822d72" providerId="ADAL" clId="{E8B76518-974F-4959-B382-89BB5FCDBC0F}"/>
     <pc:docChg chg="undo custSel addSld modSld">
-      <pc:chgData name="John Bennedick Quijano" userId="edb3d445-3dba-4f62-8077-bafdc7822d72" providerId="ADAL" clId="{E8B76518-974F-4959-B382-89BB5FCDBC0F}" dt="2024-04-17T11:58:14.411" v="173" actId="14100"/>
+      <pc:chgData name="John Bennedick Quijano" userId="edb3d445-3dba-4f62-8077-bafdc7822d72" providerId="ADAL" clId="{E8B76518-974F-4959-B382-89BB5FCDBC0F}" dt="2024-04-22T15:02:44.667" v="758" actId="478"/>
       <pc:docMkLst>
         <pc:docMk/>
       </pc:docMkLst>
       <pc:sldChg chg="addSp delSp modSp new mod">
-        <pc:chgData name="John Bennedick Quijano" userId="edb3d445-3dba-4f62-8077-bafdc7822d72" providerId="ADAL" clId="{E8B76518-974F-4959-B382-89BB5FCDBC0F}" dt="2024-04-17T11:58:14.411" v="173" actId="14100"/>
+        <pc:chgData name="John Bennedick Quijano" userId="edb3d445-3dba-4f62-8077-bafdc7822d72" providerId="ADAL" clId="{E8B76518-974F-4959-B382-89BB5FCDBC0F}" dt="2024-04-20T11:10:46.185" v="520" actId="478"/>
         <pc:sldMkLst>
           <pc:docMk/>
           <pc:sldMk cId="1248446067" sldId="256"/>
@@ -146,6 +154,22 @@
             <ac:spMk id="3" creationId="{0C9562C4-BB54-A581-6F66-937514C0DD4F}"/>
           </ac:spMkLst>
         </pc:spChg>
+        <pc:spChg chg="add del">
+          <ac:chgData name="John Bennedick Quijano" userId="edb3d445-3dba-4f62-8077-bafdc7822d72" providerId="ADAL" clId="{E8B76518-974F-4959-B382-89BB5FCDBC0F}" dt="2024-04-18T14:42:54.470" v="358" actId="478"/>
+          <ac:spMkLst>
+            <pc:docMk/>
+            <pc:sldMk cId="1248446067" sldId="256"/>
+            <ac:spMk id="176" creationId="{13FFC58B-8F3C-A433-8427-E90376356CB2}"/>
+          </ac:spMkLst>
+        </pc:spChg>
+        <pc:spChg chg="add del mod ord">
+          <ac:chgData name="John Bennedick Quijano" userId="edb3d445-3dba-4f62-8077-bafdc7822d72" providerId="ADAL" clId="{E8B76518-974F-4959-B382-89BB5FCDBC0F}" dt="2024-04-18T14:44:08.379" v="378" actId="478"/>
+          <ac:spMkLst>
+            <pc:docMk/>
+            <pc:sldMk cId="1248446067" sldId="256"/>
+            <ac:spMk id="177" creationId="{EE17ADFB-A68F-08C4-4609-E931288CA9E5}"/>
+          </ac:spMkLst>
+        </pc:spChg>
         <pc:picChg chg="add del mod modCrop">
           <ac:chgData name="John Bennedick Quijano" userId="edb3d445-3dba-4f62-8077-bafdc7822d72" providerId="ADAL" clId="{E8B76518-974F-4959-B382-89BB5FCDBC0F}" dt="2024-04-17T11:36:29.743" v="13" actId="478"/>
           <ac:picMkLst>
@@ -171,29 +195,101 @@
           </ac:picMkLst>
         </pc:picChg>
         <pc:picChg chg="add del mod">
-          <ac:chgData name="John Bennedick Quijano" userId="edb3d445-3dba-4f62-8077-bafdc7822d72" providerId="ADAL" clId="{E8B76518-974F-4959-B382-89BB5FCDBC0F}" dt="2024-04-17T11:50:56.658" v="91" actId="1076"/>
+          <ac:chgData name="John Bennedick Quijano" userId="edb3d445-3dba-4f62-8077-bafdc7822d72" providerId="ADAL" clId="{E8B76518-974F-4959-B382-89BB5FCDBC0F}" dt="2024-04-18T09:18:46.074" v="204" actId="478"/>
           <ac:picMkLst>
             <pc:docMk/>
             <pc:sldMk cId="1248446067" sldId="256"/>
             <ac:picMk id="11" creationId="{034B4DC6-C64A-FBF3-7ADE-A10F3F638676}"/>
           </ac:picMkLst>
         </pc:picChg>
-        <pc:picChg chg="add mod modCrop">
-          <ac:chgData name="John Bennedick Quijano" userId="edb3d445-3dba-4f62-8077-bafdc7822d72" providerId="ADAL" clId="{E8B76518-974F-4959-B382-89BB5FCDBC0F}" dt="2024-04-17T11:50:44.985" v="84" actId="732"/>
+        <pc:picChg chg="add del mod modCrop">
+          <ac:chgData name="John Bennedick Quijano" userId="edb3d445-3dba-4f62-8077-bafdc7822d72" providerId="ADAL" clId="{E8B76518-974F-4959-B382-89BB5FCDBC0F}" dt="2024-04-18T11:32:45.162" v="346" actId="478"/>
           <ac:picMkLst>
             <pc:docMk/>
             <pc:sldMk cId="1248446067" sldId="256"/>
             <ac:picMk id="14" creationId="{1F505099-E957-9C1E-5B68-06FC074069FC}"/>
           </ac:picMkLst>
         </pc:picChg>
-        <pc:picChg chg="add mod modCrop">
-          <ac:chgData name="John Bennedick Quijano" userId="edb3d445-3dba-4f62-8077-bafdc7822d72" providerId="ADAL" clId="{E8B76518-974F-4959-B382-89BB5FCDBC0F}" dt="2024-04-17T11:51:10.770" v="95" actId="1076"/>
+        <pc:picChg chg="add del mod modCrop">
+          <ac:chgData name="John Bennedick Quijano" userId="edb3d445-3dba-4f62-8077-bafdc7822d72" providerId="ADAL" clId="{E8B76518-974F-4959-B382-89BB5FCDBC0F}" dt="2024-04-18T11:32:45.162" v="346" actId="478"/>
           <ac:picMkLst>
             <pc:docMk/>
             <pc:sldMk cId="1248446067" sldId="256"/>
             <ac:picMk id="15" creationId="{0B5E0F06-4A10-05EE-9C5A-D2905DE39CCB}"/>
           </ac:picMkLst>
         </pc:picChg>
+        <pc:picChg chg="add del mod modCrop">
+          <ac:chgData name="John Bennedick Quijano" userId="edb3d445-3dba-4f62-8077-bafdc7822d72" providerId="ADAL" clId="{E8B76518-974F-4959-B382-89BB5FCDBC0F}" dt="2024-04-18T11:32:45.162" v="346" actId="478"/>
+          <ac:picMkLst>
+            <pc:docMk/>
+            <pc:sldMk cId="1248446067" sldId="256"/>
+            <ac:picMk id="38" creationId="{927C7E1F-0055-0EF1-0461-1702A6A7BAA3}"/>
+          </ac:picMkLst>
+        </pc:picChg>
+        <pc:picChg chg="add mod modCrop">
+          <ac:chgData name="John Bennedick Quijano" userId="edb3d445-3dba-4f62-8077-bafdc7822d72" providerId="ADAL" clId="{E8B76518-974F-4959-B382-89BB5FCDBC0F}" dt="2024-04-18T11:34:08.010" v="352" actId="732"/>
+          <ac:picMkLst>
+            <pc:docMk/>
+            <pc:sldMk cId="1248446067" sldId="256"/>
+            <ac:picMk id="173" creationId="{BC47A5D9-6650-0555-DADC-EDDEAD0AE6BA}"/>
+          </ac:picMkLst>
+        </pc:picChg>
+        <pc:picChg chg="add mod">
+          <ac:chgData name="John Bennedick Quijano" userId="edb3d445-3dba-4f62-8077-bafdc7822d72" providerId="ADAL" clId="{E8B76518-974F-4959-B382-89BB5FCDBC0F}" dt="2024-04-18T11:33:54.928" v="350" actId="571"/>
+          <ac:picMkLst>
+            <pc:docMk/>
+            <pc:sldMk cId="1248446067" sldId="256"/>
+            <ac:picMk id="174" creationId="{873AC0F1-1AE3-D76D-96C9-BE7A074B1749}"/>
+          </ac:picMkLst>
+        </pc:picChg>
+        <pc:picChg chg="add mod modCrop">
+          <ac:chgData name="John Bennedick Quijano" userId="edb3d445-3dba-4f62-8077-bafdc7822d72" providerId="ADAL" clId="{E8B76518-974F-4959-B382-89BB5FCDBC0F}" dt="2024-04-18T11:34:27.260" v="356" actId="1076"/>
+          <ac:picMkLst>
+            <pc:docMk/>
+            <pc:sldMk cId="1248446067" sldId="256"/>
+            <ac:picMk id="175" creationId="{5436CA51-27F6-7506-22BD-7A3ED3601650}"/>
+          </ac:picMkLst>
+        </pc:picChg>
+        <pc:cxnChg chg="add del mod">
+          <ac:chgData name="John Bennedick Quijano" userId="edb3d445-3dba-4f62-8077-bafdc7822d72" providerId="ADAL" clId="{E8B76518-974F-4959-B382-89BB5FCDBC0F}" dt="2024-04-18T09:16:32.383" v="177" actId="478"/>
+          <ac:cxnSpMkLst>
+            <pc:docMk/>
+            <pc:sldMk cId="1248446067" sldId="256"/>
+            <ac:cxnSpMk id="2" creationId="{0E872D29-3780-3D39-5CBE-24572B8FAC04}"/>
+          </ac:cxnSpMkLst>
+        </pc:cxnChg>
+        <pc:cxnChg chg="add del mod">
+          <ac:chgData name="John Bennedick Quijano" userId="edb3d445-3dba-4f62-8077-bafdc7822d72" providerId="ADAL" clId="{E8B76518-974F-4959-B382-89BB5FCDBC0F}" dt="2024-04-18T11:32:45.162" v="346" actId="478"/>
+          <ac:cxnSpMkLst>
+            <pc:docMk/>
+            <pc:sldMk cId="1248446067" sldId="256"/>
+            <ac:cxnSpMk id="5" creationId="{75249EA7-93E0-0490-1D74-F5DF666BF783}"/>
+          </ac:cxnSpMkLst>
+        </pc:cxnChg>
+        <pc:cxnChg chg="add del mod">
+          <ac:chgData name="John Bennedick Quijano" userId="edb3d445-3dba-4f62-8077-bafdc7822d72" providerId="ADAL" clId="{E8B76518-974F-4959-B382-89BB5FCDBC0F}" dt="2024-04-18T11:32:45.162" v="346" actId="478"/>
+          <ac:cxnSpMkLst>
+            <pc:docMk/>
+            <pc:sldMk cId="1248446067" sldId="256"/>
+            <ac:cxnSpMk id="6" creationId="{33E080BC-F11E-C4BD-9DFE-2C321EF5946B}"/>
+          </ac:cxnSpMkLst>
+        </pc:cxnChg>
+        <pc:cxnChg chg="add del mod">
+          <ac:chgData name="John Bennedick Quijano" userId="edb3d445-3dba-4f62-8077-bafdc7822d72" providerId="ADAL" clId="{E8B76518-974F-4959-B382-89BB5FCDBC0F}" dt="2024-04-18T11:32:45.162" v="346" actId="478"/>
+          <ac:cxnSpMkLst>
+            <pc:docMk/>
+            <pc:sldMk cId="1248446067" sldId="256"/>
+            <ac:cxnSpMk id="8" creationId="{2C77B730-0C6A-7D44-8A98-AC5303462787}"/>
+          </ac:cxnSpMkLst>
+        </pc:cxnChg>
+        <pc:cxnChg chg="add del mod">
+          <ac:chgData name="John Bennedick Quijano" userId="edb3d445-3dba-4f62-8077-bafdc7822d72" providerId="ADAL" clId="{E8B76518-974F-4959-B382-89BB5FCDBC0F}" dt="2024-04-18T11:32:45.162" v="346" actId="478"/>
+          <ac:cxnSpMkLst>
+            <pc:docMk/>
+            <pc:sldMk cId="1248446067" sldId="256"/>
+            <ac:cxnSpMk id="12" creationId="{8CAA3288-9389-06D1-D1A6-2802068CAD58}"/>
+          </ac:cxnSpMkLst>
+        </pc:cxnChg>
         <pc:cxnChg chg="add del mod">
           <ac:chgData name="John Bennedick Quijano" userId="edb3d445-3dba-4f62-8077-bafdc7822d72" providerId="ADAL" clId="{E8B76518-974F-4959-B382-89BB5FCDBC0F}" dt="2024-04-17T11:50:25.287" v="77" actId="478"/>
           <ac:cxnSpMkLst>
@@ -202,196 +298,348 @@
             <ac:cxnSpMk id="13" creationId="{B7FCF70A-F0B7-4720-2F8F-2016862EFCF4}"/>
           </ac:cxnSpMkLst>
         </pc:cxnChg>
-        <pc:cxnChg chg="add mod">
-          <ac:chgData name="John Bennedick Quijano" userId="edb3d445-3dba-4f62-8077-bafdc7822d72" providerId="ADAL" clId="{E8B76518-974F-4959-B382-89BB5FCDBC0F}" dt="2024-04-17T11:51:49.196" v="100" actId="14100"/>
+        <pc:cxnChg chg="add del mod">
+          <ac:chgData name="John Bennedick Quijano" userId="edb3d445-3dba-4f62-8077-bafdc7822d72" providerId="ADAL" clId="{E8B76518-974F-4959-B382-89BB5FCDBC0F}" dt="2024-04-18T09:17:10.486" v="190" actId="478"/>
+          <ac:cxnSpMkLst>
+            <pc:docMk/>
+            <pc:sldMk cId="1248446067" sldId="256"/>
+            <ac:cxnSpMk id="16" creationId="{3E056D0E-116D-BA2D-5C05-B8BA08C646E3}"/>
+          </ac:cxnSpMkLst>
+        </pc:cxnChg>
+        <pc:cxnChg chg="add del mod">
+          <ac:chgData name="John Bennedick Quijano" userId="edb3d445-3dba-4f62-8077-bafdc7822d72" providerId="ADAL" clId="{E8B76518-974F-4959-B382-89BB5FCDBC0F}" dt="2024-04-18T11:32:45.162" v="346" actId="478"/>
           <ac:cxnSpMkLst>
             <pc:docMk/>
             <pc:sldMk cId="1248446067" sldId="256"/>
             <ac:cxnSpMk id="17" creationId="{E6373361-AE73-E793-57A1-ABA8D69DCD88}"/>
           </ac:cxnSpMkLst>
         </pc:cxnChg>
-        <pc:cxnChg chg="add mod">
-          <ac:chgData name="John Bennedick Quijano" userId="edb3d445-3dba-4f62-8077-bafdc7822d72" providerId="ADAL" clId="{E8B76518-974F-4959-B382-89BB5FCDBC0F}" dt="2024-04-17T11:52:09.567" v="105" actId="14100"/>
+        <pc:cxnChg chg="add del mod">
+          <ac:chgData name="John Bennedick Quijano" userId="edb3d445-3dba-4f62-8077-bafdc7822d72" providerId="ADAL" clId="{E8B76518-974F-4959-B382-89BB5FCDBC0F}" dt="2024-04-18T11:32:45.162" v="346" actId="478"/>
           <ac:cxnSpMkLst>
             <pc:docMk/>
             <pc:sldMk cId="1248446067" sldId="256"/>
             <ac:cxnSpMk id="19" creationId="{709099D4-36D2-B377-9B65-6F1331203871}"/>
           </ac:cxnSpMkLst>
         </pc:cxnChg>
-        <pc:cxnChg chg="add mod">
-          <ac:chgData name="John Bennedick Quijano" userId="edb3d445-3dba-4f62-8077-bafdc7822d72" providerId="ADAL" clId="{E8B76518-974F-4959-B382-89BB5FCDBC0F}" dt="2024-04-17T11:52:26.961" v="107" actId="14100"/>
+        <pc:cxnChg chg="add del mod">
+          <ac:chgData name="John Bennedick Quijano" userId="edb3d445-3dba-4f62-8077-bafdc7822d72" providerId="ADAL" clId="{E8B76518-974F-4959-B382-89BB5FCDBC0F}" dt="2024-04-18T11:32:45.162" v="346" actId="478"/>
+          <ac:cxnSpMkLst>
+            <pc:docMk/>
+            <pc:sldMk cId="1248446067" sldId="256"/>
+            <ac:cxnSpMk id="20" creationId="{BB669475-C751-033C-F610-7E81EEB57FF8}"/>
+          </ac:cxnSpMkLst>
+        </pc:cxnChg>
+        <pc:cxnChg chg="add del mod">
+          <ac:chgData name="John Bennedick Quijano" userId="edb3d445-3dba-4f62-8077-bafdc7822d72" providerId="ADAL" clId="{E8B76518-974F-4959-B382-89BB5FCDBC0F}" dt="2024-04-18T11:32:45.162" v="346" actId="478"/>
+          <ac:cxnSpMkLst>
+            <pc:docMk/>
+            <pc:sldMk cId="1248446067" sldId="256"/>
+            <ac:cxnSpMk id="21" creationId="{E578F0CD-9DBB-A058-6638-5A8D68FCA048}"/>
+          </ac:cxnSpMkLst>
+        </pc:cxnChg>
+        <pc:cxnChg chg="add del mod">
+          <ac:chgData name="John Bennedick Quijano" userId="edb3d445-3dba-4f62-8077-bafdc7822d72" providerId="ADAL" clId="{E8B76518-974F-4959-B382-89BB5FCDBC0F}" dt="2024-04-18T11:32:45.162" v="346" actId="478"/>
           <ac:cxnSpMkLst>
             <pc:docMk/>
             <pc:sldMk cId="1248446067" sldId="256"/>
             <ac:cxnSpMk id="23" creationId="{07626A05-7659-BA8B-19DE-7D39538EA266}"/>
           </ac:cxnSpMkLst>
         </pc:cxnChg>
-        <pc:cxnChg chg="add mod">
-          <ac:chgData name="John Bennedick Quijano" userId="edb3d445-3dba-4f62-8077-bafdc7822d72" providerId="ADAL" clId="{E8B76518-974F-4959-B382-89BB5FCDBC0F}" dt="2024-04-17T11:52:45.108" v="109" actId="14100"/>
+        <pc:cxnChg chg="add del mod">
+          <ac:chgData name="John Bennedick Quijano" userId="edb3d445-3dba-4f62-8077-bafdc7822d72" providerId="ADAL" clId="{E8B76518-974F-4959-B382-89BB5FCDBC0F}" dt="2024-04-18T11:32:45.162" v="346" actId="478"/>
+          <ac:cxnSpMkLst>
+            <pc:docMk/>
+            <pc:sldMk cId="1248446067" sldId="256"/>
+            <ac:cxnSpMk id="24" creationId="{61125A54-D840-8FF1-269A-2C95C241F7F7}"/>
+          </ac:cxnSpMkLst>
+        </pc:cxnChg>
+        <pc:cxnChg chg="add del mod">
+          <ac:chgData name="John Bennedick Quijano" userId="edb3d445-3dba-4f62-8077-bafdc7822d72" providerId="ADAL" clId="{E8B76518-974F-4959-B382-89BB5FCDBC0F}" dt="2024-04-18T11:32:45.162" v="346" actId="478"/>
           <ac:cxnSpMkLst>
             <pc:docMk/>
             <pc:sldMk cId="1248446067" sldId="256"/>
             <ac:cxnSpMk id="25" creationId="{A13A6554-2B58-602F-EA6A-FA44636A3283}"/>
           </ac:cxnSpMkLst>
         </pc:cxnChg>
-        <pc:cxnChg chg="add mod">
-          <ac:chgData name="John Bennedick Quijano" userId="edb3d445-3dba-4f62-8077-bafdc7822d72" providerId="ADAL" clId="{E8B76518-974F-4959-B382-89BB5FCDBC0F}" dt="2024-04-17T11:52:55.477" v="111" actId="14100"/>
+        <pc:cxnChg chg="add del mod">
+          <ac:chgData name="John Bennedick Quijano" userId="edb3d445-3dba-4f62-8077-bafdc7822d72" providerId="ADAL" clId="{E8B76518-974F-4959-B382-89BB5FCDBC0F}" dt="2024-04-18T11:32:45.162" v="346" actId="478"/>
           <ac:cxnSpMkLst>
             <pc:docMk/>
             <pc:sldMk cId="1248446067" sldId="256"/>
             <ac:cxnSpMk id="27" creationId="{7C2F0747-DF7C-0FAE-3862-C39AC839636B}"/>
           </ac:cxnSpMkLst>
         </pc:cxnChg>
-        <pc:cxnChg chg="add mod">
-          <ac:chgData name="John Bennedick Quijano" userId="edb3d445-3dba-4f62-8077-bafdc7822d72" providerId="ADAL" clId="{E8B76518-974F-4959-B382-89BB5FCDBC0F}" dt="2024-04-17T11:53:16.877" v="115" actId="14100"/>
+        <pc:cxnChg chg="add del mod">
+          <ac:chgData name="John Bennedick Quijano" userId="edb3d445-3dba-4f62-8077-bafdc7822d72" providerId="ADAL" clId="{E8B76518-974F-4959-B382-89BB5FCDBC0F}" dt="2024-04-18T11:32:45.162" v="346" actId="478"/>
+          <ac:cxnSpMkLst>
+            <pc:docMk/>
+            <pc:sldMk cId="1248446067" sldId="256"/>
+            <ac:cxnSpMk id="28" creationId="{A21FC20F-AD67-31D6-0B84-125C813D03A0}"/>
+          </ac:cxnSpMkLst>
+        </pc:cxnChg>
+        <pc:cxnChg chg="add del mod">
+          <ac:chgData name="John Bennedick Quijano" userId="edb3d445-3dba-4f62-8077-bafdc7822d72" providerId="ADAL" clId="{E8B76518-974F-4959-B382-89BB5FCDBC0F}" dt="2024-04-18T11:32:45.162" v="346" actId="478"/>
           <ac:cxnSpMkLst>
             <pc:docMk/>
             <pc:sldMk cId="1248446067" sldId="256"/>
             <ac:cxnSpMk id="29" creationId="{310855F2-15D0-8CC8-141E-09EC40BF0770}"/>
           </ac:cxnSpMkLst>
         </pc:cxnChg>
-        <pc:cxnChg chg="add mod">
-          <ac:chgData name="John Bennedick Quijano" userId="edb3d445-3dba-4f62-8077-bafdc7822d72" providerId="ADAL" clId="{E8B76518-974F-4959-B382-89BB5FCDBC0F}" dt="2024-04-17T11:53:33.170" v="117" actId="14100"/>
+        <pc:cxnChg chg="add del mod">
+          <ac:chgData name="John Bennedick Quijano" userId="edb3d445-3dba-4f62-8077-bafdc7822d72" providerId="ADAL" clId="{E8B76518-974F-4959-B382-89BB5FCDBC0F}" dt="2024-04-18T09:17:35.522" v="200" actId="478"/>
+          <ac:cxnSpMkLst>
+            <pc:docMk/>
+            <pc:sldMk cId="1248446067" sldId="256"/>
+            <ac:cxnSpMk id="31" creationId="{3A5F2C72-E584-CAC9-7D8E-D46ED74C4459}"/>
+          </ac:cxnSpMkLst>
+        </pc:cxnChg>
+        <pc:cxnChg chg="add del mod">
+          <ac:chgData name="John Bennedick Quijano" userId="edb3d445-3dba-4f62-8077-bafdc7822d72" providerId="ADAL" clId="{E8B76518-974F-4959-B382-89BB5FCDBC0F}" dt="2024-04-18T11:32:45.162" v="346" actId="478"/>
           <ac:cxnSpMkLst>
             <pc:docMk/>
             <pc:sldMk cId="1248446067" sldId="256"/>
             <ac:cxnSpMk id="33" creationId="{79820573-E394-7371-ED7B-333392CB9D57}"/>
           </ac:cxnSpMkLst>
         </pc:cxnChg>
-        <pc:cxnChg chg="add mod">
-          <ac:chgData name="John Bennedick Quijano" userId="edb3d445-3dba-4f62-8077-bafdc7822d72" providerId="ADAL" clId="{E8B76518-974F-4959-B382-89BB5FCDBC0F}" dt="2024-04-17T11:53:39.409" v="119" actId="14100"/>
+        <pc:cxnChg chg="add del mod">
+          <ac:chgData name="John Bennedick Quijano" userId="edb3d445-3dba-4f62-8077-bafdc7822d72" providerId="ADAL" clId="{E8B76518-974F-4959-B382-89BB5FCDBC0F}" dt="2024-04-18T11:32:45.162" v="346" actId="478"/>
+          <ac:cxnSpMkLst>
+            <pc:docMk/>
+            <pc:sldMk cId="1248446067" sldId="256"/>
+            <ac:cxnSpMk id="34" creationId="{62034D47-22C1-ED78-F39E-78146C9ED2B8}"/>
+          </ac:cxnSpMkLst>
+        </pc:cxnChg>
+        <pc:cxnChg chg="add del mod">
+          <ac:chgData name="John Bennedick Quijano" userId="edb3d445-3dba-4f62-8077-bafdc7822d72" providerId="ADAL" clId="{E8B76518-974F-4959-B382-89BB5FCDBC0F}" dt="2024-04-18T11:32:45.162" v="346" actId="478"/>
           <ac:cxnSpMkLst>
             <pc:docMk/>
             <pc:sldMk cId="1248446067" sldId="256"/>
             <ac:cxnSpMk id="35" creationId="{6C7019B4-4A1B-001D-23FD-1327B7A0B205}"/>
           </ac:cxnSpMkLst>
         </pc:cxnChg>
-        <pc:cxnChg chg="add mod">
-          <ac:chgData name="John Bennedick Quijano" userId="edb3d445-3dba-4f62-8077-bafdc7822d72" providerId="ADAL" clId="{E8B76518-974F-4959-B382-89BB5FCDBC0F}" dt="2024-04-17T11:53:44.292" v="121" actId="14100"/>
+        <pc:cxnChg chg="add del mod">
+          <ac:chgData name="John Bennedick Quijano" userId="edb3d445-3dba-4f62-8077-bafdc7822d72" providerId="ADAL" clId="{E8B76518-974F-4959-B382-89BB5FCDBC0F}" dt="2024-04-18T11:32:45.162" v="346" actId="478"/>
+          <ac:cxnSpMkLst>
+            <pc:docMk/>
+            <pc:sldMk cId="1248446067" sldId="256"/>
+            <ac:cxnSpMk id="36" creationId="{6F2599D3-3FFD-ED39-03BA-507748E6A928}"/>
+          </ac:cxnSpMkLst>
+        </pc:cxnChg>
+        <pc:cxnChg chg="add del mod">
+          <ac:chgData name="John Bennedick Quijano" userId="edb3d445-3dba-4f62-8077-bafdc7822d72" providerId="ADAL" clId="{E8B76518-974F-4959-B382-89BB5FCDBC0F}" dt="2024-04-18T11:32:45.162" v="346" actId="478"/>
           <ac:cxnSpMkLst>
             <pc:docMk/>
             <pc:sldMk cId="1248446067" sldId="256"/>
             <ac:cxnSpMk id="37" creationId="{D7613F2B-F7A5-5EC2-9CDD-7EB0A5841E0A}"/>
           </ac:cxnSpMkLst>
         </pc:cxnChg>
-        <pc:cxnChg chg="add mod">
-          <ac:chgData name="John Bennedick Quijano" userId="edb3d445-3dba-4f62-8077-bafdc7822d72" providerId="ADAL" clId="{E8B76518-974F-4959-B382-89BB5FCDBC0F}" dt="2024-04-17T11:53:52.206" v="123" actId="14100"/>
+        <pc:cxnChg chg="add del mod">
+          <ac:chgData name="John Bennedick Quijano" userId="edb3d445-3dba-4f62-8077-bafdc7822d72" providerId="ADAL" clId="{E8B76518-974F-4959-B382-89BB5FCDBC0F}" dt="2024-04-18T11:32:45.162" v="346" actId="478"/>
           <ac:cxnSpMkLst>
             <pc:docMk/>
             <pc:sldMk cId="1248446067" sldId="256"/>
             <ac:cxnSpMk id="39" creationId="{366E9286-40F2-7C58-4B53-C68B966FAF87}"/>
           </ac:cxnSpMkLst>
         </pc:cxnChg>
-        <pc:cxnChg chg="add mod">
-          <ac:chgData name="John Bennedick Quijano" userId="edb3d445-3dba-4f62-8077-bafdc7822d72" providerId="ADAL" clId="{E8B76518-974F-4959-B382-89BB5FCDBC0F}" dt="2024-04-17T11:54:02.751" v="126" actId="14100"/>
+        <pc:cxnChg chg="add del mod">
+          <ac:chgData name="John Bennedick Quijano" userId="edb3d445-3dba-4f62-8077-bafdc7822d72" providerId="ADAL" clId="{E8B76518-974F-4959-B382-89BB5FCDBC0F}" dt="2024-04-18T11:32:45.162" v="346" actId="478"/>
+          <ac:cxnSpMkLst>
+            <pc:docMk/>
+            <pc:sldMk cId="1248446067" sldId="256"/>
+            <ac:cxnSpMk id="40" creationId="{D8F437DC-82AE-ABD2-FEF9-26C17DA2DB8A}"/>
+          </ac:cxnSpMkLst>
+        </pc:cxnChg>
+        <pc:cxnChg chg="add del mod">
+          <ac:chgData name="John Bennedick Quijano" userId="edb3d445-3dba-4f62-8077-bafdc7822d72" providerId="ADAL" clId="{E8B76518-974F-4959-B382-89BB5FCDBC0F}" dt="2024-04-18T11:32:45.162" v="346" actId="478"/>
           <ac:cxnSpMkLst>
             <pc:docMk/>
             <pc:sldMk cId="1248446067" sldId="256"/>
             <ac:cxnSpMk id="41" creationId="{0E72F47C-3AD0-0FAC-CD1C-8EC91BEFE08F}"/>
           </ac:cxnSpMkLst>
         </pc:cxnChg>
-        <pc:cxnChg chg="add mod">
-          <ac:chgData name="John Bennedick Quijano" userId="edb3d445-3dba-4f62-8077-bafdc7822d72" providerId="ADAL" clId="{E8B76518-974F-4959-B382-89BB5FCDBC0F}" dt="2024-04-17T11:54:10.117" v="128" actId="14100"/>
+        <pc:cxnChg chg="add del mod">
+          <ac:chgData name="John Bennedick Quijano" userId="edb3d445-3dba-4f62-8077-bafdc7822d72" providerId="ADAL" clId="{E8B76518-974F-4959-B382-89BB5FCDBC0F}" dt="2024-04-18T11:32:45.162" v="346" actId="478"/>
+          <ac:cxnSpMkLst>
+            <pc:docMk/>
+            <pc:sldMk cId="1248446067" sldId="256"/>
+            <ac:cxnSpMk id="43" creationId="{16056EDD-56B1-B515-4793-42FFD85BEAEA}"/>
+          </ac:cxnSpMkLst>
+        </pc:cxnChg>
+        <pc:cxnChg chg="add del mod">
+          <ac:chgData name="John Bennedick Quijano" userId="edb3d445-3dba-4f62-8077-bafdc7822d72" providerId="ADAL" clId="{E8B76518-974F-4959-B382-89BB5FCDBC0F}" dt="2024-04-18T11:32:45.162" v="346" actId="478"/>
           <ac:cxnSpMkLst>
             <pc:docMk/>
             <pc:sldMk cId="1248446067" sldId="256"/>
             <ac:cxnSpMk id="44" creationId="{5353C924-C89B-10AD-115C-FC5DA57A1FCF}"/>
           </ac:cxnSpMkLst>
         </pc:cxnChg>
-        <pc:cxnChg chg="add mod">
-          <ac:chgData name="John Bennedick Quijano" userId="edb3d445-3dba-4f62-8077-bafdc7822d72" providerId="ADAL" clId="{E8B76518-974F-4959-B382-89BB5FCDBC0F}" dt="2024-04-17T11:54:22.697" v="132" actId="14100"/>
+        <pc:cxnChg chg="add del mod">
+          <ac:chgData name="John Bennedick Quijano" userId="edb3d445-3dba-4f62-8077-bafdc7822d72" providerId="ADAL" clId="{E8B76518-974F-4959-B382-89BB5FCDBC0F}" dt="2024-04-18T11:32:45.162" v="346" actId="478"/>
           <ac:cxnSpMkLst>
             <pc:docMk/>
             <pc:sldMk cId="1248446067" sldId="256"/>
             <ac:cxnSpMk id="46" creationId="{FE44E624-1F48-EB96-C703-142B857ADA70}"/>
           </ac:cxnSpMkLst>
         </pc:cxnChg>
-        <pc:cxnChg chg="add mod">
-          <ac:chgData name="John Bennedick Quijano" userId="edb3d445-3dba-4f62-8077-bafdc7822d72" providerId="ADAL" clId="{E8B76518-974F-4959-B382-89BB5FCDBC0F}" dt="2024-04-17T11:54:38.387" v="134" actId="14100"/>
+        <pc:cxnChg chg="add del mod">
+          <ac:chgData name="John Bennedick Quijano" userId="edb3d445-3dba-4f62-8077-bafdc7822d72" providerId="ADAL" clId="{E8B76518-974F-4959-B382-89BB5FCDBC0F}" dt="2024-04-18T11:32:45.162" v="346" actId="478"/>
+          <ac:cxnSpMkLst>
+            <pc:docMk/>
+            <pc:sldMk cId="1248446067" sldId="256"/>
+            <ac:cxnSpMk id="47" creationId="{24AC6D1B-F219-1E6C-1BD0-F370679D4054}"/>
+          </ac:cxnSpMkLst>
+        </pc:cxnChg>
+        <pc:cxnChg chg="add del mod">
+          <ac:chgData name="John Bennedick Quijano" userId="edb3d445-3dba-4f62-8077-bafdc7822d72" providerId="ADAL" clId="{E8B76518-974F-4959-B382-89BB5FCDBC0F}" dt="2024-04-18T11:32:45.162" v="346" actId="478"/>
           <ac:cxnSpMkLst>
             <pc:docMk/>
             <pc:sldMk cId="1248446067" sldId="256"/>
             <ac:cxnSpMk id="49" creationId="{6A8BD7C8-C02B-7E75-DB71-E7E254E25355}"/>
           </ac:cxnSpMkLst>
         </pc:cxnChg>
-        <pc:cxnChg chg="add mod">
-          <ac:chgData name="John Bennedick Quijano" userId="edb3d445-3dba-4f62-8077-bafdc7822d72" providerId="ADAL" clId="{E8B76518-974F-4959-B382-89BB5FCDBC0F}" dt="2024-04-17T11:54:42.368" v="135" actId="571"/>
+        <pc:cxnChg chg="add del mod">
+          <ac:chgData name="John Bennedick Quijano" userId="edb3d445-3dba-4f62-8077-bafdc7822d72" providerId="ADAL" clId="{E8B76518-974F-4959-B382-89BB5FCDBC0F}" dt="2024-04-18T11:32:45.162" v="346" actId="478"/>
+          <ac:cxnSpMkLst>
+            <pc:docMk/>
+            <pc:sldMk cId="1248446067" sldId="256"/>
+            <ac:cxnSpMk id="50" creationId="{7F483B69-9A95-A5B2-D875-DAAA7C4099E6}"/>
+          </ac:cxnSpMkLst>
+        </pc:cxnChg>
+        <pc:cxnChg chg="add del mod">
+          <ac:chgData name="John Bennedick Quijano" userId="edb3d445-3dba-4f62-8077-bafdc7822d72" providerId="ADAL" clId="{E8B76518-974F-4959-B382-89BB5FCDBC0F}" dt="2024-04-18T11:32:45.162" v="346" actId="478"/>
           <ac:cxnSpMkLst>
             <pc:docMk/>
             <pc:sldMk cId="1248446067" sldId="256"/>
             <ac:cxnSpMk id="51" creationId="{9434F352-07FD-B94F-AFAA-9681BF913298}"/>
           </ac:cxnSpMkLst>
         </pc:cxnChg>
-        <pc:cxnChg chg="add mod">
-          <ac:chgData name="John Bennedick Quijano" userId="edb3d445-3dba-4f62-8077-bafdc7822d72" providerId="ADAL" clId="{E8B76518-974F-4959-B382-89BB5FCDBC0F}" dt="2024-04-17T11:55:27.014" v="137" actId="14100"/>
+        <pc:cxnChg chg="add del mod">
+          <ac:chgData name="John Bennedick Quijano" userId="edb3d445-3dba-4f62-8077-bafdc7822d72" providerId="ADAL" clId="{E8B76518-974F-4959-B382-89BB5FCDBC0F}" dt="2024-04-18T11:32:45.162" v="346" actId="478"/>
           <ac:cxnSpMkLst>
             <pc:docMk/>
             <pc:sldMk cId="1248446067" sldId="256"/>
             <ac:cxnSpMk id="52" creationId="{E308BADC-CA30-0713-5B4D-DAC16860F345}"/>
           </ac:cxnSpMkLst>
         </pc:cxnChg>
-        <pc:cxnChg chg="add mod">
-          <ac:chgData name="John Bennedick Quijano" userId="edb3d445-3dba-4f62-8077-bafdc7822d72" providerId="ADAL" clId="{E8B76518-974F-4959-B382-89BB5FCDBC0F}" dt="2024-04-17T11:55:35.830" v="139" actId="14100"/>
+        <pc:cxnChg chg="add del mod">
+          <ac:chgData name="John Bennedick Quijano" userId="edb3d445-3dba-4f62-8077-bafdc7822d72" providerId="ADAL" clId="{E8B76518-974F-4959-B382-89BB5FCDBC0F}" dt="2024-04-18T11:32:45.162" v="346" actId="478"/>
           <ac:cxnSpMkLst>
             <pc:docMk/>
             <pc:sldMk cId="1248446067" sldId="256"/>
             <ac:cxnSpMk id="54" creationId="{D6FCFA72-EF72-C1EE-03F9-0133F8FDEB32}"/>
           </ac:cxnSpMkLst>
         </pc:cxnChg>
-        <pc:cxnChg chg="add mod">
-          <ac:chgData name="John Bennedick Quijano" userId="edb3d445-3dba-4f62-8077-bafdc7822d72" providerId="ADAL" clId="{E8B76518-974F-4959-B382-89BB5FCDBC0F}" dt="2024-04-17T11:55:41.670" v="141" actId="14100"/>
+        <pc:cxnChg chg="add del mod">
+          <ac:chgData name="John Bennedick Quijano" userId="edb3d445-3dba-4f62-8077-bafdc7822d72" providerId="ADAL" clId="{E8B76518-974F-4959-B382-89BB5FCDBC0F}" dt="2024-04-18T11:32:45.162" v="346" actId="478"/>
+          <ac:cxnSpMkLst>
+            <pc:docMk/>
+            <pc:sldMk cId="1248446067" sldId="256"/>
+            <ac:cxnSpMk id="55" creationId="{690EA55C-DBED-3E9E-A06D-D17AE04BE553}"/>
+          </ac:cxnSpMkLst>
+        </pc:cxnChg>
+        <pc:cxnChg chg="add del mod">
+          <ac:chgData name="John Bennedick Quijano" userId="edb3d445-3dba-4f62-8077-bafdc7822d72" providerId="ADAL" clId="{E8B76518-974F-4959-B382-89BB5FCDBC0F}" dt="2024-04-18T11:32:45.162" v="346" actId="478"/>
           <ac:cxnSpMkLst>
             <pc:docMk/>
             <pc:sldMk cId="1248446067" sldId="256"/>
             <ac:cxnSpMk id="56" creationId="{169820B9-A207-438A-4892-F9F8CB3DBDA3}"/>
           </ac:cxnSpMkLst>
         </pc:cxnChg>
-        <pc:cxnChg chg="add mod">
-          <ac:chgData name="John Bennedick Quijano" userId="edb3d445-3dba-4f62-8077-bafdc7822d72" providerId="ADAL" clId="{E8B76518-974F-4959-B382-89BB5FCDBC0F}" dt="2024-04-17T11:55:49.634" v="143" actId="14100"/>
+        <pc:cxnChg chg="add del mod">
+          <ac:chgData name="John Bennedick Quijano" userId="edb3d445-3dba-4f62-8077-bafdc7822d72" providerId="ADAL" clId="{E8B76518-974F-4959-B382-89BB5FCDBC0F}" dt="2024-04-18T11:32:45.162" v="346" actId="478"/>
           <ac:cxnSpMkLst>
             <pc:docMk/>
             <pc:sldMk cId="1248446067" sldId="256"/>
             <ac:cxnSpMk id="58" creationId="{5FCD0BAF-3530-BA23-C2B9-03948F281815}"/>
           </ac:cxnSpMkLst>
         </pc:cxnChg>
-        <pc:cxnChg chg="add mod">
-          <ac:chgData name="John Bennedick Quijano" userId="edb3d445-3dba-4f62-8077-bafdc7822d72" providerId="ADAL" clId="{E8B76518-974F-4959-B382-89BB5FCDBC0F}" dt="2024-04-17T11:55:57.943" v="145" actId="14100"/>
+        <pc:cxnChg chg="add del mod">
+          <ac:chgData name="John Bennedick Quijano" userId="edb3d445-3dba-4f62-8077-bafdc7822d72" providerId="ADAL" clId="{E8B76518-974F-4959-B382-89BB5FCDBC0F}" dt="2024-04-18T11:32:45.162" v="346" actId="478"/>
+          <ac:cxnSpMkLst>
+            <pc:docMk/>
+            <pc:sldMk cId="1248446067" sldId="256"/>
+            <ac:cxnSpMk id="59" creationId="{24C65CAA-131B-4548-8EC4-61C3043D6796}"/>
+          </ac:cxnSpMkLst>
+        </pc:cxnChg>
+        <pc:cxnChg chg="add del mod">
+          <ac:chgData name="John Bennedick Quijano" userId="edb3d445-3dba-4f62-8077-bafdc7822d72" providerId="ADAL" clId="{E8B76518-974F-4959-B382-89BB5FCDBC0F}" dt="2024-04-18T11:32:45.162" v="346" actId="478"/>
           <ac:cxnSpMkLst>
             <pc:docMk/>
             <pc:sldMk cId="1248446067" sldId="256"/>
             <ac:cxnSpMk id="60" creationId="{B0C8C860-6E5C-D61D-DEB3-AAC24C6F3828}"/>
           </ac:cxnSpMkLst>
         </pc:cxnChg>
-        <pc:cxnChg chg="add mod">
-          <ac:chgData name="John Bennedick Quijano" userId="edb3d445-3dba-4f62-8077-bafdc7822d72" providerId="ADAL" clId="{E8B76518-974F-4959-B382-89BB5FCDBC0F}" dt="2024-04-17T11:57:54.601" v="169" actId="14100"/>
+        <pc:cxnChg chg="add del mod">
+          <ac:chgData name="John Bennedick Quijano" userId="edb3d445-3dba-4f62-8077-bafdc7822d72" providerId="ADAL" clId="{E8B76518-974F-4959-B382-89BB5FCDBC0F}" dt="2024-04-18T11:32:45.162" v="346" actId="478"/>
           <ac:cxnSpMkLst>
             <pc:docMk/>
             <pc:sldMk cId="1248446067" sldId="256"/>
             <ac:cxnSpMk id="62" creationId="{DD4B06E9-27A5-18D7-3EAA-B7912E4F8329}"/>
           </ac:cxnSpMkLst>
         </pc:cxnChg>
-        <pc:cxnChg chg="add mod">
-          <ac:chgData name="John Bennedick Quijano" userId="edb3d445-3dba-4f62-8077-bafdc7822d72" providerId="ADAL" clId="{E8B76518-974F-4959-B382-89BB5FCDBC0F}" dt="2024-04-17T11:56:27.152" v="150" actId="14100"/>
+        <pc:cxnChg chg="add del mod">
+          <ac:chgData name="John Bennedick Quijano" userId="edb3d445-3dba-4f62-8077-bafdc7822d72" providerId="ADAL" clId="{E8B76518-974F-4959-B382-89BB5FCDBC0F}" dt="2024-04-18T11:32:45.162" v="346" actId="478"/>
+          <ac:cxnSpMkLst>
+            <pc:docMk/>
+            <pc:sldMk cId="1248446067" sldId="256"/>
+            <ac:cxnSpMk id="63" creationId="{5212D0BE-F8E4-00C7-76C2-42DE24692E36}"/>
+          </ac:cxnSpMkLst>
+        </pc:cxnChg>
+        <pc:cxnChg chg="add del mod">
+          <ac:chgData name="John Bennedick Quijano" userId="edb3d445-3dba-4f62-8077-bafdc7822d72" providerId="ADAL" clId="{E8B76518-974F-4959-B382-89BB5FCDBC0F}" dt="2024-04-18T11:32:45.162" v="346" actId="478"/>
           <ac:cxnSpMkLst>
             <pc:docMk/>
             <pc:sldMk cId="1248446067" sldId="256"/>
             <ac:cxnSpMk id="65" creationId="{4EE9EBE1-EC61-E8C8-479A-29854997CBA6}"/>
           </ac:cxnSpMkLst>
         </pc:cxnChg>
-        <pc:cxnChg chg="add mod">
-          <ac:chgData name="John Bennedick Quijano" userId="edb3d445-3dba-4f62-8077-bafdc7822d72" providerId="ADAL" clId="{E8B76518-974F-4959-B382-89BB5FCDBC0F}" dt="2024-04-17T11:56:46.429" v="154" actId="14100"/>
+        <pc:cxnChg chg="add del mod">
+          <ac:chgData name="John Bennedick Quijano" userId="edb3d445-3dba-4f62-8077-bafdc7822d72" providerId="ADAL" clId="{E8B76518-974F-4959-B382-89BB5FCDBC0F}" dt="2024-04-18T11:32:45.162" v="346" actId="478"/>
+          <ac:cxnSpMkLst>
+            <pc:docMk/>
+            <pc:sldMk cId="1248446067" sldId="256"/>
+            <ac:cxnSpMk id="66" creationId="{FBBD1AEA-81C2-353D-B10C-B8146DFBE075}"/>
+          </ac:cxnSpMkLst>
+        </pc:cxnChg>
+        <pc:cxnChg chg="add del mod">
+          <ac:chgData name="John Bennedick Quijano" userId="edb3d445-3dba-4f62-8077-bafdc7822d72" providerId="ADAL" clId="{E8B76518-974F-4959-B382-89BB5FCDBC0F}" dt="2024-04-18T11:32:45.162" v="346" actId="478"/>
           <ac:cxnSpMkLst>
             <pc:docMk/>
             <pc:sldMk cId="1248446067" sldId="256"/>
             <ac:cxnSpMk id="67" creationId="{2C5784F0-2238-05F8-37E3-23191485825E}"/>
           </ac:cxnSpMkLst>
         </pc:cxnChg>
-        <pc:cxnChg chg="add mod">
-          <ac:chgData name="John Bennedick Quijano" userId="edb3d445-3dba-4f62-8077-bafdc7822d72" providerId="ADAL" clId="{E8B76518-974F-4959-B382-89BB5FCDBC0F}" dt="2024-04-17T11:56:56.703" v="156" actId="14100"/>
+        <pc:cxnChg chg="add del mod">
+          <ac:chgData name="John Bennedick Quijano" userId="edb3d445-3dba-4f62-8077-bafdc7822d72" providerId="ADAL" clId="{E8B76518-974F-4959-B382-89BB5FCDBC0F}" dt="2024-04-18T11:32:45.162" v="346" actId="478"/>
+          <ac:cxnSpMkLst>
+            <pc:docMk/>
+            <pc:sldMk cId="1248446067" sldId="256"/>
+            <ac:cxnSpMk id="68" creationId="{BE44C510-EA41-4F1B-E37A-313A0E37854A}"/>
+          </ac:cxnSpMkLst>
+        </pc:cxnChg>
+        <pc:cxnChg chg="add del mod">
+          <ac:chgData name="John Bennedick Quijano" userId="edb3d445-3dba-4f62-8077-bafdc7822d72" providerId="ADAL" clId="{E8B76518-974F-4959-B382-89BB5FCDBC0F}" dt="2024-04-18T11:32:45.162" v="346" actId="478"/>
           <ac:cxnSpMkLst>
             <pc:docMk/>
             <pc:sldMk cId="1248446067" sldId="256"/>
             <ac:cxnSpMk id="70" creationId="{621FE3EB-2BCE-B990-3AF7-FE82A1FF00E3}"/>
+          </ac:cxnSpMkLst>
+        </pc:cxnChg>
+        <pc:cxnChg chg="add del mod">
+          <ac:chgData name="John Bennedick Quijano" userId="edb3d445-3dba-4f62-8077-bafdc7822d72" providerId="ADAL" clId="{E8B76518-974F-4959-B382-89BB5FCDBC0F}" dt="2024-04-18T11:32:45.162" v="346" actId="478"/>
+          <ac:cxnSpMkLst>
+            <pc:docMk/>
+            <pc:sldMk cId="1248446067" sldId="256"/>
+            <ac:cxnSpMk id="71" creationId="{A8C54439-D87D-85E2-E40C-F75C6D55BE5C}"/>
+          </ac:cxnSpMkLst>
+        </pc:cxnChg>
+        <pc:cxnChg chg="add del mod">
+          <ac:chgData name="John Bennedick Quijano" userId="edb3d445-3dba-4f62-8077-bafdc7822d72" providerId="ADAL" clId="{E8B76518-974F-4959-B382-89BB5FCDBC0F}" dt="2024-04-18T11:32:45.162" v="346" actId="478"/>
+          <ac:cxnSpMkLst>
+            <pc:docMk/>
+            <pc:sldMk cId="1248446067" sldId="256"/>
+            <ac:cxnSpMk id="72" creationId="{4AB34015-B51C-B756-6989-920DB367B207}"/>
           </ac:cxnSpMkLst>
         </pc:cxnChg>
         <pc:cxnChg chg="add mod">
@@ -402,54 +650,947 @@
             <ac:cxnSpMk id="72" creationId="{C084F57F-C045-8938-AA69-7FD84D62BDC6}"/>
           </ac:cxnSpMkLst>
         </pc:cxnChg>
-        <pc:cxnChg chg="add mod">
-          <ac:chgData name="John Bennedick Quijano" userId="edb3d445-3dba-4f62-8077-bafdc7822d72" providerId="ADAL" clId="{E8B76518-974F-4959-B382-89BB5FCDBC0F}" dt="2024-04-17T11:57:23.482" v="162" actId="1076"/>
+        <pc:cxnChg chg="add del mod">
+          <ac:chgData name="John Bennedick Quijano" userId="edb3d445-3dba-4f62-8077-bafdc7822d72" providerId="ADAL" clId="{E8B76518-974F-4959-B382-89BB5FCDBC0F}" dt="2024-04-18T11:32:45.162" v="346" actId="478"/>
           <ac:cxnSpMkLst>
             <pc:docMk/>
             <pc:sldMk cId="1248446067" sldId="256"/>
             <ac:cxnSpMk id="74" creationId="{96E1C318-1615-1A0B-14AE-E826C5271B80}"/>
           </ac:cxnSpMkLst>
         </pc:cxnChg>
-        <pc:cxnChg chg="add mod">
-          <ac:chgData name="John Bennedick Quijano" userId="edb3d445-3dba-4f62-8077-bafdc7822d72" providerId="ADAL" clId="{E8B76518-974F-4959-B382-89BB5FCDBC0F}" dt="2024-04-17T11:57:29.594" v="163" actId="571"/>
+        <pc:cxnChg chg="add del mod">
+          <ac:chgData name="John Bennedick Quijano" userId="edb3d445-3dba-4f62-8077-bafdc7822d72" providerId="ADAL" clId="{E8B76518-974F-4959-B382-89BB5FCDBC0F}" dt="2024-04-18T11:32:45.162" v="346" actId="478"/>
           <ac:cxnSpMkLst>
             <pc:docMk/>
             <pc:sldMk cId="1248446067" sldId="256"/>
             <ac:cxnSpMk id="75" creationId="{C2AC8A50-103B-518D-A0C9-AC37BAA730DA}"/>
           </ac:cxnSpMkLst>
         </pc:cxnChg>
-        <pc:cxnChg chg="add mod">
-          <ac:chgData name="John Bennedick Quijano" userId="edb3d445-3dba-4f62-8077-bafdc7822d72" providerId="ADAL" clId="{E8B76518-974F-4959-B382-89BB5FCDBC0F}" dt="2024-04-17T11:57:42.150" v="166" actId="14100"/>
+        <pc:cxnChg chg="add del mod">
+          <ac:chgData name="John Bennedick Quijano" userId="edb3d445-3dba-4f62-8077-bafdc7822d72" providerId="ADAL" clId="{E8B76518-974F-4959-B382-89BB5FCDBC0F}" dt="2024-04-18T11:32:45.162" v="346" actId="478"/>
           <ac:cxnSpMkLst>
             <pc:docMk/>
             <pc:sldMk cId="1248446067" sldId="256"/>
             <ac:cxnSpMk id="76" creationId="{384E317A-4666-FED7-18E9-45D23F881B4E}"/>
           </ac:cxnSpMkLst>
         </pc:cxnChg>
-        <pc:cxnChg chg="add mod">
-          <ac:chgData name="John Bennedick Quijano" userId="edb3d445-3dba-4f62-8077-bafdc7822d72" providerId="ADAL" clId="{E8B76518-974F-4959-B382-89BB5FCDBC0F}" dt="2024-04-17T11:57:51.321" v="168" actId="14100"/>
+        <pc:cxnChg chg="add del mod">
+          <ac:chgData name="John Bennedick Quijano" userId="edb3d445-3dba-4f62-8077-bafdc7822d72" providerId="ADAL" clId="{E8B76518-974F-4959-B382-89BB5FCDBC0F}" dt="2024-04-18T11:32:45.162" v="346" actId="478"/>
+          <ac:cxnSpMkLst>
+            <pc:docMk/>
+            <pc:sldMk cId="1248446067" sldId="256"/>
+            <ac:cxnSpMk id="77" creationId="{4DFA388D-6AD7-EF6B-FC71-39DDF5C014B4}"/>
+          </ac:cxnSpMkLst>
+        </pc:cxnChg>
+        <pc:cxnChg chg="add del mod">
+          <ac:chgData name="John Bennedick Quijano" userId="edb3d445-3dba-4f62-8077-bafdc7822d72" providerId="ADAL" clId="{E8B76518-974F-4959-B382-89BB5FCDBC0F}" dt="2024-04-18T11:32:45.162" v="346" actId="478"/>
           <ac:cxnSpMkLst>
             <pc:docMk/>
             <pc:sldMk cId="1248446067" sldId="256"/>
             <ac:cxnSpMk id="79" creationId="{62131ACB-CE58-E616-9EB8-0ACE41766BFF}"/>
           </ac:cxnSpMkLst>
         </pc:cxnChg>
-        <pc:cxnChg chg="add mod">
-          <ac:chgData name="John Bennedick Quijano" userId="edb3d445-3dba-4f62-8077-bafdc7822d72" providerId="ADAL" clId="{E8B76518-974F-4959-B382-89BB5FCDBC0F}" dt="2024-04-17T11:58:04.872" v="171" actId="14100"/>
+        <pc:cxnChg chg="add del mod">
+          <ac:chgData name="John Bennedick Quijano" userId="edb3d445-3dba-4f62-8077-bafdc7822d72" providerId="ADAL" clId="{E8B76518-974F-4959-B382-89BB5FCDBC0F}" dt="2024-04-18T11:32:45.162" v="346" actId="478"/>
+          <ac:cxnSpMkLst>
+            <pc:docMk/>
+            <pc:sldMk cId="1248446067" sldId="256"/>
+            <ac:cxnSpMk id="80" creationId="{0D36AC0A-5D54-C2AD-1273-B701C8694591}"/>
+          </ac:cxnSpMkLst>
+        </pc:cxnChg>
+        <pc:cxnChg chg="add del mod">
+          <ac:chgData name="John Bennedick Quijano" userId="edb3d445-3dba-4f62-8077-bafdc7822d72" providerId="ADAL" clId="{E8B76518-974F-4959-B382-89BB5FCDBC0F}" dt="2024-04-18T11:32:45.162" v="346" actId="478"/>
           <ac:cxnSpMkLst>
             <pc:docMk/>
             <pc:sldMk cId="1248446067" sldId="256"/>
             <ac:cxnSpMk id="82" creationId="{847147A9-4837-8893-DBDA-DE8DCADAFEAB}"/>
           </ac:cxnSpMkLst>
         </pc:cxnChg>
-        <pc:cxnChg chg="add mod">
-          <ac:chgData name="John Bennedick Quijano" userId="edb3d445-3dba-4f62-8077-bafdc7822d72" providerId="ADAL" clId="{E8B76518-974F-4959-B382-89BB5FCDBC0F}" dt="2024-04-17T11:58:14.411" v="173" actId="14100"/>
+        <pc:cxnChg chg="add del mod">
+          <ac:chgData name="John Bennedick Quijano" userId="edb3d445-3dba-4f62-8077-bafdc7822d72" providerId="ADAL" clId="{E8B76518-974F-4959-B382-89BB5FCDBC0F}" dt="2024-04-18T11:32:45.162" v="346" actId="478"/>
+          <ac:cxnSpMkLst>
+            <pc:docMk/>
+            <pc:sldMk cId="1248446067" sldId="256"/>
+            <ac:cxnSpMk id="83" creationId="{FB0861D1-EAB7-1AAF-2A43-F04F180F0F8E}"/>
+          </ac:cxnSpMkLst>
+        </pc:cxnChg>
+        <pc:cxnChg chg="add del mod">
+          <ac:chgData name="John Bennedick Quijano" userId="edb3d445-3dba-4f62-8077-bafdc7822d72" providerId="ADAL" clId="{E8B76518-974F-4959-B382-89BB5FCDBC0F}" dt="2024-04-18T11:32:45.162" v="346" actId="478"/>
           <ac:cxnSpMkLst>
             <pc:docMk/>
             <pc:sldMk cId="1248446067" sldId="256"/>
             <ac:cxnSpMk id="84" creationId="{FAFDC438-A7B7-2A37-258E-D451C36EBCEC}"/>
           </ac:cxnSpMkLst>
         </pc:cxnChg>
+        <pc:cxnChg chg="add del mod">
+          <ac:chgData name="John Bennedick Quijano" userId="edb3d445-3dba-4f62-8077-bafdc7822d72" providerId="ADAL" clId="{E8B76518-974F-4959-B382-89BB5FCDBC0F}" dt="2024-04-18T11:32:45.162" v="346" actId="478"/>
+          <ac:cxnSpMkLst>
+            <pc:docMk/>
+            <pc:sldMk cId="1248446067" sldId="256"/>
+            <ac:cxnSpMk id="86" creationId="{425ED1B7-E6AD-4C60-110D-4B59890FF8DD}"/>
+          </ac:cxnSpMkLst>
+        </pc:cxnChg>
+        <pc:cxnChg chg="add del mod">
+          <ac:chgData name="John Bennedick Quijano" userId="edb3d445-3dba-4f62-8077-bafdc7822d72" providerId="ADAL" clId="{E8B76518-974F-4959-B382-89BB5FCDBC0F}" dt="2024-04-18T11:32:45.162" v="346" actId="478"/>
+          <ac:cxnSpMkLst>
+            <pc:docMk/>
+            <pc:sldMk cId="1248446067" sldId="256"/>
+            <ac:cxnSpMk id="88" creationId="{09809FDE-1443-9188-DE75-909C5C74D583}"/>
+          </ac:cxnSpMkLst>
+        </pc:cxnChg>
+        <pc:cxnChg chg="add del mod">
+          <ac:chgData name="John Bennedick Quijano" userId="edb3d445-3dba-4f62-8077-bafdc7822d72" providerId="ADAL" clId="{E8B76518-974F-4959-B382-89BB5FCDBC0F}" dt="2024-04-18T11:32:45.162" v="346" actId="478"/>
+          <ac:cxnSpMkLst>
+            <pc:docMk/>
+            <pc:sldMk cId="1248446067" sldId="256"/>
+            <ac:cxnSpMk id="90" creationId="{5361E462-6810-3BA0-BD0C-C1D0CAAB70E8}"/>
+          </ac:cxnSpMkLst>
+        </pc:cxnChg>
+        <pc:cxnChg chg="add del mod">
+          <ac:chgData name="John Bennedick Quijano" userId="edb3d445-3dba-4f62-8077-bafdc7822d72" providerId="ADAL" clId="{E8B76518-974F-4959-B382-89BB5FCDBC0F}" dt="2024-04-18T11:32:45.162" v="346" actId="478"/>
+          <ac:cxnSpMkLst>
+            <pc:docMk/>
+            <pc:sldMk cId="1248446067" sldId="256"/>
+            <ac:cxnSpMk id="92" creationId="{842505CF-B9EF-443D-D4B5-A0D4FA36FDBF}"/>
+          </ac:cxnSpMkLst>
+        </pc:cxnChg>
+        <pc:cxnChg chg="add del mod">
+          <ac:chgData name="John Bennedick Quijano" userId="edb3d445-3dba-4f62-8077-bafdc7822d72" providerId="ADAL" clId="{E8B76518-974F-4959-B382-89BB5FCDBC0F}" dt="2024-04-18T11:32:45.162" v="346" actId="478"/>
+          <ac:cxnSpMkLst>
+            <pc:docMk/>
+            <pc:sldMk cId="1248446067" sldId="256"/>
+            <ac:cxnSpMk id="94" creationId="{321E3786-B013-9934-50BD-63C9D1CF2708}"/>
+          </ac:cxnSpMkLst>
+        </pc:cxnChg>
+        <pc:cxnChg chg="add del mod">
+          <ac:chgData name="John Bennedick Quijano" userId="edb3d445-3dba-4f62-8077-bafdc7822d72" providerId="ADAL" clId="{E8B76518-974F-4959-B382-89BB5FCDBC0F}" dt="2024-04-18T11:32:45.162" v="346" actId="478"/>
+          <ac:cxnSpMkLst>
+            <pc:docMk/>
+            <pc:sldMk cId="1248446067" sldId="256"/>
+            <ac:cxnSpMk id="95" creationId="{A8AB8A3C-D2B4-D469-786A-16C07716EBB3}"/>
+          </ac:cxnSpMkLst>
+        </pc:cxnChg>
+        <pc:cxnChg chg="add del mod">
+          <ac:chgData name="John Bennedick Quijano" userId="edb3d445-3dba-4f62-8077-bafdc7822d72" providerId="ADAL" clId="{E8B76518-974F-4959-B382-89BB5FCDBC0F}" dt="2024-04-18T11:32:45.162" v="346" actId="478"/>
+          <ac:cxnSpMkLst>
+            <pc:docMk/>
+            <pc:sldMk cId="1248446067" sldId="256"/>
+            <ac:cxnSpMk id="96" creationId="{BA277A43-2EFA-57AE-25BC-C28B6511E12C}"/>
+          </ac:cxnSpMkLst>
+        </pc:cxnChg>
+        <pc:cxnChg chg="add del mod">
+          <ac:chgData name="John Bennedick Quijano" userId="edb3d445-3dba-4f62-8077-bafdc7822d72" providerId="ADAL" clId="{E8B76518-974F-4959-B382-89BB5FCDBC0F}" dt="2024-04-18T11:32:45.162" v="346" actId="478"/>
+          <ac:cxnSpMkLst>
+            <pc:docMk/>
+            <pc:sldMk cId="1248446067" sldId="256"/>
+            <ac:cxnSpMk id="98" creationId="{D4F0AC64-F63C-5B58-FA9A-C7D10DDDCAB9}"/>
+          </ac:cxnSpMkLst>
+        </pc:cxnChg>
+        <pc:cxnChg chg="add del mod">
+          <ac:chgData name="John Bennedick Quijano" userId="edb3d445-3dba-4f62-8077-bafdc7822d72" providerId="ADAL" clId="{E8B76518-974F-4959-B382-89BB5FCDBC0F}" dt="2024-04-18T11:32:45.162" v="346" actId="478"/>
+          <ac:cxnSpMkLst>
+            <pc:docMk/>
+            <pc:sldMk cId="1248446067" sldId="256"/>
+            <ac:cxnSpMk id="100" creationId="{9AB96801-7A7E-53E6-9165-526DF90A8938}"/>
+          </ac:cxnSpMkLst>
+        </pc:cxnChg>
+        <pc:cxnChg chg="add del mod">
+          <ac:chgData name="John Bennedick Quijano" userId="edb3d445-3dba-4f62-8077-bafdc7822d72" providerId="ADAL" clId="{E8B76518-974F-4959-B382-89BB5FCDBC0F}" dt="2024-04-18T11:32:45.162" v="346" actId="478"/>
+          <ac:cxnSpMkLst>
+            <pc:docMk/>
+            <pc:sldMk cId="1248446067" sldId="256"/>
+            <ac:cxnSpMk id="102" creationId="{A52FEEBA-2669-5E50-C935-85DC3BC9357E}"/>
+          </ac:cxnSpMkLst>
+        </pc:cxnChg>
+        <pc:cxnChg chg="add del mod">
+          <ac:chgData name="John Bennedick Quijano" userId="edb3d445-3dba-4f62-8077-bafdc7822d72" providerId="ADAL" clId="{E8B76518-974F-4959-B382-89BB5FCDBC0F}" dt="2024-04-18T11:32:45.162" v="346" actId="478"/>
+          <ac:cxnSpMkLst>
+            <pc:docMk/>
+            <pc:sldMk cId="1248446067" sldId="256"/>
+            <ac:cxnSpMk id="104" creationId="{6B7DA1E3-C135-2FD4-7C91-F7AD1F6A65B4}"/>
+          </ac:cxnSpMkLst>
+        </pc:cxnChg>
+        <pc:cxnChg chg="add del mod">
+          <ac:chgData name="John Bennedick Quijano" userId="edb3d445-3dba-4f62-8077-bafdc7822d72" providerId="ADAL" clId="{E8B76518-974F-4959-B382-89BB5FCDBC0F}" dt="2024-04-18T11:32:45.162" v="346" actId="478"/>
+          <ac:cxnSpMkLst>
+            <pc:docMk/>
+            <pc:sldMk cId="1248446067" sldId="256"/>
+            <ac:cxnSpMk id="106" creationId="{D5D8CF8B-F1F4-CD3A-2085-995FCAEC3208}"/>
+          </ac:cxnSpMkLst>
+        </pc:cxnChg>
+        <pc:cxnChg chg="add del mod">
+          <ac:chgData name="John Bennedick Quijano" userId="edb3d445-3dba-4f62-8077-bafdc7822d72" providerId="ADAL" clId="{E8B76518-974F-4959-B382-89BB5FCDBC0F}" dt="2024-04-18T11:32:45.162" v="346" actId="478"/>
+          <ac:cxnSpMkLst>
+            <pc:docMk/>
+            <pc:sldMk cId="1248446067" sldId="256"/>
+            <ac:cxnSpMk id="107" creationId="{4DF58E7B-AF91-D667-0F5E-FE20938C9CAE}"/>
+          </ac:cxnSpMkLst>
+        </pc:cxnChg>
+        <pc:cxnChg chg="add del mod">
+          <ac:chgData name="John Bennedick Quijano" userId="edb3d445-3dba-4f62-8077-bafdc7822d72" providerId="ADAL" clId="{E8B76518-974F-4959-B382-89BB5FCDBC0F}" dt="2024-04-18T11:32:45.162" v="346" actId="478"/>
+          <ac:cxnSpMkLst>
+            <pc:docMk/>
+            <pc:sldMk cId="1248446067" sldId="256"/>
+            <ac:cxnSpMk id="108" creationId="{C3076DD5-24D2-94FC-CC44-3EC168EE51A9}"/>
+          </ac:cxnSpMkLst>
+        </pc:cxnChg>
+        <pc:cxnChg chg="add del mod">
+          <ac:chgData name="John Bennedick Quijano" userId="edb3d445-3dba-4f62-8077-bafdc7822d72" providerId="ADAL" clId="{E8B76518-974F-4959-B382-89BB5FCDBC0F}" dt="2024-04-18T11:32:45.162" v="346" actId="478"/>
+          <ac:cxnSpMkLst>
+            <pc:docMk/>
+            <pc:sldMk cId="1248446067" sldId="256"/>
+            <ac:cxnSpMk id="110" creationId="{0B564BFF-60C8-6D6D-AD99-293577297514}"/>
+          </ac:cxnSpMkLst>
+        </pc:cxnChg>
+        <pc:cxnChg chg="add del mod">
+          <ac:chgData name="John Bennedick Quijano" userId="edb3d445-3dba-4f62-8077-bafdc7822d72" providerId="ADAL" clId="{E8B76518-974F-4959-B382-89BB5FCDBC0F}" dt="2024-04-18T11:32:45.162" v="346" actId="478"/>
+          <ac:cxnSpMkLst>
+            <pc:docMk/>
+            <pc:sldMk cId="1248446067" sldId="256"/>
+            <ac:cxnSpMk id="112" creationId="{5E5597C1-854A-704D-EF3E-28EDD6CEEFC3}"/>
+          </ac:cxnSpMkLst>
+        </pc:cxnChg>
+        <pc:cxnChg chg="add del mod">
+          <ac:chgData name="John Bennedick Quijano" userId="edb3d445-3dba-4f62-8077-bafdc7822d72" providerId="ADAL" clId="{E8B76518-974F-4959-B382-89BB5FCDBC0F}" dt="2024-04-18T11:32:45.162" v="346" actId="478"/>
+          <ac:cxnSpMkLst>
+            <pc:docMk/>
+            <pc:sldMk cId="1248446067" sldId="256"/>
+            <ac:cxnSpMk id="113" creationId="{BAC8172E-FC63-F0F4-5E02-5A23C95D1F76}"/>
+          </ac:cxnSpMkLst>
+        </pc:cxnChg>
+        <pc:cxnChg chg="add del mod">
+          <ac:chgData name="John Bennedick Quijano" userId="edb3d445-3dba-4f62-8077-bafdc7822d72" providerId="ADAL" clId="{E8B76518-974F-4959-B382-89BB5FCDBC0F}" dt="2024-04-18T11:32:45.162" v="346" actId="478"/>
+          <ac:cxnSpMkLst>
+            <pc:docMk/>
+            <pc:sldMk cId="1248446067" sldId="256"/>
+            <ac:cxnSpMk id="115" creationId="{E480FCB0-4E8B-1436-D1DE-26091595D715}"/>
+          </ac:cxnSpMkLst>
+        </pc:cxnChg>
+        <pc:cxnChg chg="add del mod">
+          <ac:chgData name="John Bennedick Quijano" userId="edb3d445-3dba-4f62-8077-bafdc7822d72" providerId="ADAL" clId="{E8B76518-974F-4959-B382-89BB5FCDBC0F}" dt="2024-04-18T11:32:45.162" v="346" actId="478"/>
+          <ac:cxnSpMkLst>
+            <pc:docMk/>
+            <pc:sldMk cId="1248446067" sldId="256"/>
+            <ac:cxnSpMk id="119" creationId="{DA18BBF9-5974-75BF-C157-2DAA987C2888}"/>
+          </ac:cxnSpMkLst>
+        </pc:cxnChg>
+        <pc:cxnChg chg="add del mod">
+          <ac:chgData name="John Bennedick Quijano" userId="edb3d445-3dba-4f62-8077-bafdc7822d72" providerId="ADAL" clId="{E8B76518-974F-4959-B382-89BB5FCDBC0F}" dt="2024-04-18T11:32:45.162" v="346" actId="478"/>
+          <ac:cxnSpMkLst>
+            <pc:docMk/>
+            <pc:sldMk cId="1248446067" sldId="256"/>
+            <ac:cxnSpMk id="120" creationId="{5C69C1C0-2493-6433-3C03-454F1EEE40EF}"/>
+          </ac:cxnSpMkLst>
+        </pc:cxnChg>
+        <pc:cxnChg chg="add del mod">
+          <ac:chgData name="John Bennedick Quijano" userId="edb3d445-3dba-4f62-8077-bafdc7822d72" providerId="ADAL" clId="{E8B76518-974F-4959-B382-89BB5FCDBC0F}" dt="2024-04-18T11:32:45.162" v="346" actId="478"/>
+          <ac:cxnSpMkLst>
+            <pc:docMk/>
+            <pc:sldMk cId="1248446067" sldId="256"/>
+            <ac:cxnSpMk id="122" creationId="{C4B4FAF5-FD02-5BDA-EBD0-ABC2C45B1509}"/>
+          </ac:cxnSpMkLst>
+        </pc:cxnChg>
+        <pc:cxnChg chg="add del mod">
+          <ac:chgData name="John Bennedick Quijano" userId="edb3d445-3dba-4f62-8077-bafdc7822d72" providerId="ADAL" clId="{E8B76518-974F-4959-B382-89BB5FCDBC0F}" dt="2024-04-18T11:32:45.162" v="346" actId="478"/>
+          <ac:cxnSpMkLst>
+            <pc:docMk/>
+            <pc:sldMk cId="1248446067" sldId="256"/>
+            <ac:cxnSpMk id="124" creationId="{70FDC8ED-BAAC-F6D3-7DA1-FF36D6C73438}"/>
+          </ac:cxnSpMkLst>
+        </pc:cxnChg>
+        <pc:cxnChg chg="add del mod">
+          <ac:chgData name="John Bennedick Quijano" userId="edb3d445-3dba-4f62-8077-bafdc7822d72" providerId="ADAL" clId="{E8B76518-974F-4959-B382-89BB5FCDBC0F}" dt="2024-04-18T11:24:13.176" v="301" actId="478"/>
+          <ac:cxnSpMkLst>
+            <pc:docMk/>
+            <pc:sldMk cId="1248446067" sldId="256"/>
+            <ac:cxnSpMk id="126" creationId="{0934301F-FC23-524E-CE2F-685D32D8B4CE}"/>
+          </ac:cxnSpMkLst>
+        </pc:cxnChg>
+        <pc:cxnChg chg="add del mod">
+          <ac:chgData name="John Bennedick Quijano" userId="edb3d445-3dba-4f62-8077-bafdc7822d72" providerId="ADAL" clId="{E8B76518-974F-4959-B382-89BB5FCDBC0F}" dt="2024-04-18T11:32:45.162" v="346" actId="478"/>
+          <ac:cxnSpMkLst>
+            <pc:docMk/>
+            <pc:sldMk cId="1248446067" sldId="256"/>
+            <ac:cxnSpMk id="131" creationId="{826EF5F4-FBB7-5131-5840-2C13450FF2A3}"/>
+          </ac:cxnSpMkLst>
+        </pc:cxnChg>
+        <pc:cxnChg chg="add del mod">
+          <ac:chgData name="John Bennedick Quijano" userId="edb3d445-3dba-4f62-8077-bafdc7822d72" providerId="ADAL" clId="{E8B76518-974F-4959-B382-89BB5FCDBC0F}" dt="2024-04-18T11:32:45.162" v="346" actId="478"/>
+          <ac:cxnSpMkLst>
+            <pc:docMk/>
+            <pc:sldMk cId="1248446067" sldId="256"/>
+            <ac:cxnSpMk id="133" creationId="{F9E99D2B-AC48-A143-D859-3F57BB9DBABA}"/>
+          </ac:cxnSpMkLst>
+        </pc:cxnChg>
+        <pc:cxnChg chg="add del mod">
+          <ac:chgData name="John Bennedick Quijano" userId="edb3d445-3dba-4f62-8077-bafdc7822d72" providerId="ADAL" clId="{E8B76518-974F-4959-B382-89BB5FCDBC0F}" dt="2024-04-18T11:32:45.162" v="346" actId="478"/>
+          <ac:cxnSpMkLst>
+            <pc:docMk/>
+            <pc:sldMk cId="1248446067" sldId="256"/>
+            <ac:cxnSpMk id="135" creationId="{B2BE185C-E5AC-B4FA-8F3D-FA5780279065}"/>
+          </ac:cxnSpMkLst>
+        </pc:cxnChg>
+        <pc:cxnChg chg="add del mod">
+          <ac:chgData name="John Bennedick Quijano" userId="edb3d445-3dba-4f62-8077-bafdc7822d72" providerId="ADAL" clId="{E8B76518-974F-4959-B382-89BB5FCDBC0F}" dt="2024-04-18T11:32:45.162" v="346" actId="478"/>
+          <ac:cxnSpMkLst>
+            <pc:docMk/>
+            <pc:sldMk cId="1248446067" sldId="256"/>
+            <ac:cxnSpMk id="138" creationId="{611033ED-91FF-86FE-918A-3B1030ED299C}"/>
+          </ac:cxnSpMkLst>
+        </pc:cxnChg>
+        <pc:cxnChg chg="add del mod">
+          <ac:chgData name="John Bennedick Quijano" userId="edb3d445-3dba-4f62-8077-bafdc7822d72" providerId="ADAL" clId="{E8B76518-974F-4959-B382-89BB5FCDBC0F}" dt="2024-04-18T11:32:45.162" v="346" actId="478"/>
+          <ac:cxnSpMkLst>
+            <pc:docMk/>
+            <pc:sldMk cId="1248446067" sldId="256"/>
+            <ac:cxnSpMk id="140" creationId="{C6EF4E2F-CAA1-DFF7-7484-7ABA35D9C70C}"/>
+          </ac:cxnSpMkLst>
+        </pc:cxnChg>
+        <pc:cxnChg chg="add del mod">
+          <ac:chgData name="John Bennedick Quijano" userId="edb3d445-3dba-4f62-8077-bafdc7822d72" providerId="ADAL" clId="{E8B76518-974F-4959-B382-89BB5FCDBC0F}" dt="2024-04-18T11:32:45.162" v="346" actId="478"/>
+          <ac:cxnSpMkLst>
+            <pc:docMk/>
+            <pc:sldMk cId="1248446067" sldId="256"/>
+            <ac:cxnSpMk id="142" creationId="{D36A5C82-31BD-3476-95B2-0F6F59C7C0F1}"/>
+          </ac:cxnSpMkLst>
+        </pc:cxnChg>
+        <pc:cxnChg chg="add del mod">
+          <ac:chgData name="John Bennedick Quijano" userId="edb3d445-3dba-4f62-8077-bafdc7822d72" providerId="ADAL" clId="{E8B76518-974F-4959-B382-89BB5FCDBC0F}" dt="2024-04-18T11:32:45.162" v="346" actId="478"/>
+          <ac:cxnSpMkLst>
+            <pc:docMk/>
+            <pc:sldMk cId="1248446067" sldId="256"/>
+            <ac:cxnSpMk id="144" creationId="{E0547A90-EF7F-F828-6DD6-3D8417E2B4D0}"/>
+          </ac:cxnSpMkLst>
+        </pc:cxnChg>
+        <pc:cxnChg chg="add del mod">
+          <ac:chgData name="John Bennedick Quijano" userId="edb3d445-3dba-4f62-8077-bafdc7822d72" providerId="ADAL" clId="{E8B76518-974F-4959-B382-89BB5FCDBC0F}" dt="2024-04-18T11:32:45.162" v="346" actId="478"/>
+          <ac:cxnSpMkLst>
+            <pc:docMk/>
+            <pc:sldMk cId="1248446067" sldId="256"/>
+            <ac:cxnSpMk id="146" creationId="{0B3611E3-2C8E-7295-5304-7D736B3BD4A3}"/>
+          </ac:cxnSpMkLst>
+        </pc:cxnChg>
+        <pc:cxnChg chg="add del mod">
+          <ac:chgData name="John Bennedick Quijano" userId="edb3d445-3dba-4f62-8077-bafdc7822d72" providerId="ADAL" clId="{E8B76518-974F-4959-B382-89BB5FCDBC0F}" dt="2024-04-18T11:32:45.162" v="346" actId="478"/>
+          <ac:cxnSpMkLst>
+            <pc:docMk/>
+            <pc:sldMk cId="1248446067" sldId="256"/>
+            <ac:cxnSpMk id="148" creationId="{7DEF0106-4606-BFF8-4DB5-909C32CC741D}"/>
+          </ac:cxnSpMkLst>
+        </pc:cxnChg>
+        <pc:cxnChg chg="add del mod">
+          <ac:chgData name="John Bennedick Quijano" userId="edb3d445-3dba-4f62-8077-bafdc7822d72" providerId="ADAL" clId="{E8B76518-974F-4959-B382-89BB5FCDBC0F}" dt="2024-04-18T11:32:45.162" v="346" actId="478"/>
+          <ac:cxnSpMkLst>
+            <pc:docMk/>
+            <pc:sldMk cId="1248446067" sldId="256"/>
+            <ac:cxnSpMk id="150" creationId="{E7F5479D-4C8A-CE9F-F51C-A37B278DDAB0}"/>
+          </ac:cxnSpMkLst>
+        </pc:cxnChg>
+        <pc:cxnChg chg="add del mod">
+          <ac:chgData name="John Bennedick Quijano" userId="edb3d445-3dba-4f62-8077-bafdc7822d72" providerId="ADAL" clId="{E8B76518-974F-4959-B382-89BB5FCDBC0F}" dt="2024-04-18T11:32:45.162" v="346" actId="478"/>
+          <ac:cxnSpMkLst>
+            <pc:docMk/>
+            <pc:sldMk cId="1248446067" sldId="256"/>
+            <ac:cxnSpMk id="153" creationId="{C473F2B6-D9A3-0247-98F4-6ED26DAAB810}"/>
+          </ac:cxnSpMkLst>
+        </pc:cxnChg>
+        <pc:cxnChg chg="add del mod">
+          <ac:chgData name="John Bennedick Quijano" userId="edb3d445-3dba-4f62-8077-bafdc7822d72" providerId="ADAL" clId="{E8B76518-974F-4959-B382-89BB5FCDBC0F}" dt="2024-04-18T11:32:45.162" v="346" actId="478"/>
+          <ac:cxnSpMkLst>
+            <pc:docMk/>
+            <pc:sldMk cId="1248446067" sldId="256"/>
+            <ac:cxnSpMk id="155" creationId="{85634ECB-174C-FF8A-8B96-92E366DF61C6}"/>
+          </ac:cxnSpMkLst>
+        </pc:cxnChg>
+        <pc:cxnChg chg="add del mod">
+          <ac:chgData name="John Bennedick Quijano" userId="edb3d445-3dba-4f62-8077-bafdc7822d72" providerId="ADAL" clId="{E8B76518-974F-4959-B382-89BB5FCDBC0F}" dt="2024-04-18T11:32:45.162" v="346" actId="478"/>
+          <ac:cxnSpMkLst>
+            <pc:docMk/>
+            <pc:sldMk cId="1248446067" sldId="256"/>
+            <ac:cxnSpMk id="157" creationId="{0F9526DF-6AAA-110D-16EF-EE7357CABE36}"/>
+          </ac:cxnSpMkLst>
+        </pc:cxnChg>
+        <pc:cxnChg chg="add del mod">
+          <ac:chgData name="John Bennedick Quijano" userId="edb3d445-3dba-4f62-8077-bafdc7822d72" providerId="ADAL" clId="{E8B76518-974F-4959-B382-89BB5FCDBC0F}" dt="2024-04-18T11:32:45.162" v="346" actId="478"/>
+          <ac:cxnSpMkLst>
+            <pc:docMk/>
+            <pc:sldMk cId="1248446067" sldId="256"/>
+            <ac:cxnSpMk id="159" creationId="{C0850F30-C47F-65F2-A191-7FB95A2AA458}"/>
+          </ac:cxnSpMkLst>
+        </pc:cxnChg>
+        <pc:cxnChg chg="add del mod">
+          <ac:chgData name="John Bennedick Quijano" userId="edb3d445-3dba-4f62-8077-bafdc7822d72" providerId="ADAL" clId="{E8B76518-974F-4959-B382-89BB5FCDBC0F}" dt="2024-04-18T11:32:45.162" v="346" actId="478"/>
+          <ac:cxnSpMkLst>
+            <pc:docMk/>
+            <pc:sldMk cId="1248446067" sldId="256"/>
+            <ac:cxnSpMk id="161" creationId="{15FE2E7C-E36A-0B6E-47A2-CE08E5CDEB37}"/>
+          </ac:cxnSpMkLst>
+        </pc:cxnChg>
+        <pc:cxnChg chg="add del mod">
+          <ac:chgData name="John Bennedick Quijano" userId="edb3d445-3dba-4f62-8077-bafdc7822d72" providerId="ADAL" clId="{E8B76518-974F-4959-B382-89BB5FCDBC0F}" dt="2024-04-18T11:32:45.162" v="346" actId="478"/>
+          <ac:cxnSpMkLst>
+            <pc:docMk/>
+            <pc:sldMk cId="1248446067" sldId="256"/>
+            <ac:cxnSpMk id="163" creationId="{15C6884E-4516-5911-5C1D-0C49C701EA97}"/>
+          </ac:cxnSpMkLst>
+        </pc:cxnChg>
+        <pc:cxnChg chg="add del mod">
+          <ac:chgData name="John Bennedick Quijano" userId="edb3d445-3dba-4f62-8077-bafdc7822d72" providerId="ADAL" clId="{E8B76518-974F-4959-B382-89BB5FCDBC0F}" dt="2024-04-18T11:32:45.162" v="346" actId="478"/>
+          <ac:cxnSpMkLst>
+            <pc:docMk/>
+            <pc:sldMk cId="1248446067" sldId="256"/>
+            <ac:cxnSpMk id="166" creationId="{D3959CAA-92AE-5517-C839-A7884CC9A0B4}"/>
+          </ac:cxnSpMkLst>
+        </pc:cxnChg>
+        <pc:cxnChg chg="add del mod">
+          <ac:chgData name="John Bennedick Quijano" userId="edb3d445-3dba-4f62-8077-bafdc7822d72" providerId="ADAL" clId="{E8B76518-974F-4959-B382-89BB5FCDBC0F}" dt="2024-04-18T11:32:45.162" v="346" actId="478"/>
+          <ac:cxnSpMkLst>
+            <pc:docMk/>
+            <pc:sldMk cId="1248446067" sldId="256"/>
+            <ac:cxnSpMk id="168" creationId="{BF637FE9-DA3F-FE9B-6E67-AEA4F918EC37}"/>
+          </ac:cxnSpMkLst>
+        </pc:cxnChg>
+        <pc:cxnChg chg="add del mod">
+          <ac:chgData name="John Bennedick Quijano" userId="edb3d445-3dba-4f62-8077-bafdc7822d72" providerId="ADAL" clId="{E8B76518-974F-4959-B382-89BB5FCDBC0F}" dt="2024-04-18T11:32:45.162" v="346" actId="478"/>
+          <ac:cxnSpMkLst>
+            <pc:docMk/>
+            <pc:sldMk cId="1248446067" sldId="256"/>
+            <ac:cxnSpMk id="170" creationId="{8D5F8FF6-1989-C340-88E5-6AE04097A7A8}"/>
+          </ac:cxnSpMkLst>
+        </pc:cxnChg>
+        <pc:cxnChg chg="add del mod">
+          <ac:chgData name="John Bennedick Quijano" userId="edb3d445-3dba-4f62-8077-bafdc7822d72" providerId="ADAL" clId="{E8B76518-974F-4959-B382-89BB5FCDBC0F}" dt="2024-04-20T11:10:46.185" v="520" actId="478"/>
+          <ac:cxnSpMkLst>
+            <pc:docMk/>
+            <pc:sldMk cId="1248446067" sldId="256"/>
+            <ac:cxnSpMk id="179" creationId="{E0229909-F4F7-90AC-412F-5CD9BECC24AC}"/>
+          </ac:cxnSpMkLst>
+        </pc:cxnChg>
+        <pc:cxnChg chg="add del mod">
+          <ac:chgData name="John Bennedick Quijano" userId="edb3d445-3dba-4f62-8077-bafdc7822d72" providerId="ADAL" clId="{E8B76518-974F-4959-B382-89BB5FCDBC0F}" dt="2024-04-20T11:10:46.185" v="520" actId="478"/>
+          <ac:cxnSpMkLst>
+            <pc:docMk/>
+            <pc:sldMk cId="1248446067" sldId="256"/>
+            <ac:cxnSpMk id="180" creationId="{8BB1F76A-5D01-1DDE-5C3A-E73C553C7FA6}"/>
+          </ac:cxnSpMkLst>
+        </pc:cxnChg>
+        <pc:cxnChg chg="add del mod">
+          <ac:chgData name="John Bennedick Quijano" userId="edb3d445-3dba-4f62-8077-bafdc7822d72" providerId="ADAL" clId="{E8B76518-974F-4959-B382-89BB5FCDBC0F}" dt="2024-04-20T11:10:46.185" v="520" actId="478"/>
+          <ac:cxnSpMkLst>
+            <pc:docMk/>
+            <pc:sldMk cId="1248446067" sldId="256"/>
+            <ac:cxnSpMk id="182" creationId="{56935C28-A103-F138-7E43-F1339A52046A}"/>
+          </ac:cxnSpMkLst>
+        </pc:cxnChg>
+        <pc:cxnChg chg="add del mod">
+          <ac:chgData name="John Bennedick Quijano" userId="edb3d445-3dba-4f62-8077-bafdc7822d72" providerId="ADAL" clId="{E8B76518-974F-4959-B382-89BB5FCDBC0F}" dt="2024-04-20T11:10:46.185" v="520" actId="478"/>
+          <ac:cxnSpMkLst>
+            <pc:docMk/>
+            <pc:sldMk cId="1248446067" sldId="256"/>
+            <ac:cxnSpMk id="185" creationId="{2B32AA5C-7865-EC06-A502-56AE76BCB982}"/>
+          </ac:cxnSpMkLst>
+        </pc:cxnChg>
+        <pc:cxnChg chg="add del mod">
+          <ac:chgData name="John Bennedick Quijano" userId="edb3d445-3dba-4f62-8077-bafdc7822d72" providerId="ADAL" clId="{E8B76518-974F-4959-B382-89BB5FCDBC0F}" dt="2024-04-20T11:10:46.185" v="520" actId="478"/>
+          <ac:cxnSpMkLst>
+            <pc:docMk/>
+            <pc:sldMk cId="1248446067" sldId="256"/>
+            <ac:cxnSpMk id="188" creationId="{2692C761-8E28-7051-1C64-C9CF201F5475}"/>
+          </ac:cxnSpMkLst>
+        </pc:cxnChg>
+        <pc:cxnChg chg="add del mod">
+          <ac:chgData name="John Bennedick Quijano" userId="edb3d445-3dba-4f62-8077-bafdc7822d72" providerId="ADAL" clId="{E8B76518-974F-4959-B382-89BB5FCDBC0F}" dt="2024-04-20T11:10:46.185" v="520" actId="478"/>
+          <ac:cxnSpMkLst>
+            <pc:docMk/>
+            <pc:sldMk cId="1248446067" sldId="256"/>
+            <ac:cxnSpMk id="190" creationId="{93D2EAF2-5089-790A-36EB-644277B4D4E8}"/>
+          </ac:cxnSpMkLst>
+        </pc:cxnChg>
+        <pc:cxnChg chg="add del mod">
+          <ac:chgData name="John Bennedick Quijano" userId="edb3d445-3dba-4f62-8077-bafdc7822d72" providerId="ADAL" clId="{E8B76518-974F-4959-B382-89BB5FCDBC0F}" dt="2024-04-20T11:10:46.185" v="520" actId="478"/>
+          <ac:cxnSpMkLst>
+            <pc:docMk/>
+            <pc:sldMk cId="1248446067" sldId="256"/>
+            <ac:cxnSpMk id="192" creationId="{B8E8F00D-BB66-EF20-BEF2-4E7B7169E72F}"/>
+          </ac:cxnSpMkLst>
+        </pc:cxnChg>
+        <pc:cxnChg chg="add del mod">
+          <ac:chgData name="John Bennedick Quijano" userId="edb3d445-3dba-4f62-8077-bafdc7822d72" providerId="ADAL" clId="{E8B76518-974F-4959-B382-89BB5FCDBC0F}" dt="2024-04-20T11:10:46.185" v="520" actId="478"/>
+          <ac:cxnSpMkLst>
+            <pc:docMk/>
+            <pc:sldMk cId="1248446067" sldId="256"/>
+            <ac:cxnSpMk id="194" creationId="{8FE16AE9-A67C-0AE9-2472-DA9A4528AC78}"/>
+          </ac:cxnSpMkLst>
+        </pc:cxnChg>
+        <pc:cxnChg chg="add del mod">
+          <ac:chgData name="John Bennedick Quijano" userId="edb3d445-3dba-4f62-8077-bafdc7822d72" providerId="ADAL" clId="{E8B76518-974F-4959-B382-89BB5FCDBC0F}" dt="2024-04-20T11:10:46.185" v="520" actId="478"/>
+          <ac:cxnSpMkLst>
+            <pc:docMk/>
+            <pc:sldMk cId="1248446067" sldId="256"/>
+            <ac:cxnSpMk id="197" creationId="{69FA6F32-BD12-6EC3-B3DC-1407B414B3D6}"/>
+          </ac:cxnSpMkLst>
+        </pc:cxnChg>
+        <pc:cxnChg chg="add del mod">
+          <ac:chgData name="John Bennedick Quijano" userId="edb3d445-3dba-4f62-8077-bafdc7822d72" providerId="ADAL" clId="{E8B76518-974F-4959-B382-89BB5FCDBC0F}" dt="2024-04-20T11:10:46.185" v="520" actId="478"/>
+          <ac:cxnSpMkLst>
+            <pc:docMk/>
+            <pc:sldMk cId="1248446067" sldId="256"/>
+            <ac:cxnSpMk id="199" creationId="{3AD9BFD9-85B8-BFE3-8165-0B284D8AE9C3}"/>
+          </ac:cxnSpMkLst>
+        </pc:cxnChg>
+        <pc:cxnChg chg="add del mod">
+          <ac:chgData name="John Bennedick Quijano" userId="edb3d445-3dba-4f62-8077-bafdc7822d72" providerId="ADAL" clId="{E8B76518-974F-4959-B382-89BB5FCDBC0F}" dt="2024-04-20T11:10:46.185" v="520" actId="478"/>
+          <ac:cxnSpMkLst>
+            <pc:docMk/>
+            <pc:sldMk cId="1248446067" sldId="256"/>
+            <ac:cxnSpMk id="201" creationId="{C487AB6C-8460-B2E1-2FE6-0ABCD15898BF}"/>
+          </ac:cxnSpMkLst>
+        </pc:cxnChg>
+        <pc:cxnChg chg="add del mod">
+          <ac:chgData name="John Bennedick Quijano" userId="edb3d445-3dba-4f62-8077-bafdc7822d72" providerId="ADAL" clId="{E8B76518-974F-4959-B382-89BB5FCDBC0F}" dt="2024-04-20T11:10:46.185" v="520" actId="478"/>
+          <ac:cxnSpMkLst>
+            <pc:docMk/>
+            <pc:sldMk cId="1248446067" sldId="256"/>
+            <ac:cxnSpMk id="204" creationId="{93017231-0E51-1A69-D5E1-3E784C8DB32F}"/>
+          </ac:cxnSpMkLst>
+        </pc:cxnChg>
+        <pc:cxnChg chg="add del mod">
+          <ac:chgData name="John Bennedick Quijano" userId="edb3d445-3dba-4f62-8077-bafdc7822d72" providerId="ADAL" clId="{E8B76518-974F-4959-B382-89BB5FCDBC0F}" dt="2024-04-20T11:10:46.185" v="520" actId="478"/>
+          <ac:cxnSpMkLst>
+            <pc:docMk/>
+            <pc:sldMk cId="1248446067" sldId="256"/>
+            <ac:cxnSpMk id="206" creationId="{E9A77D66-506A-315F-2FE7-84CC29AE24FB}"/>
+          </ac:cxnSpMkLst>
+        </pc:cxnChg>
+        <pc:cxnChg chg="add del mod">
+          <ac:chgData name="John Bennedick Quijano" userId="edb3d445-3dba-4f62-8077-bafdc7822d72" providerId="ADAL" clId="{E8B76518-974F-4959-B382-89BB5FCDBC0F}" dt="2024-04-20T11:10:46.185" v="520" actId="478"/>
+          <ac:cxnSpMkLst>
+            <pc:docMk/>
+            <pc:sldMk cId="1248446067" sldId="256"/>
+            <ac:cxnSpMk id="210" creationId="{5D5D835E-DFC4-AD5E-5225-C0A4C3729553}"/>
+          </ac:cxnSpMkLst>
+        </pc:cxnChg>
+        <pc:cxnChg chg="add del mod">
+          <ac:chgData name="John Bennedick Quijano" userId="edb3d445-3dba-4f62-8077-bafdc7822d72" providerId="ADAL" clId="{E8B76518-974F-4959-B382-89BB5FCDBC0F}" dt="2024-04-20T11:10:46.185" v="520" actId="478"/>
+          <ac:cxnSpMkLst>
+            <pc:docMk/>
+            <pc:sldMk cId="1248446067" sldId="256"/>
+            <ac:cxnSpMk id="212" creationId="{2B6F05D7-641F-2B77-B830-DD8EBA4536D2}"/>
+          </ac:cxnSpMkLst>
+        </pc:cxnChg>
+        <pc:cxnChg chg="add del mod">
+          <ac:chgData name="John Bennedick Quijano" userId="edb3d445-3dba-4f62-8077-bafdc7822d72" providerId="ADAL" clId="{E8B76518-974F-4959-B382-89BB5FCDBC0F}" dt="2024-04-20T11:10:46.185" v="520" actId="478"/>
+          <ac:cxnSpMkLst>
+            <pc:docMk/>
+            <pc:sldMk cId="1248446067" sldId="256"/>
+            <ac:cxnSpMk id="214" creationId="{F916C6ED-F214-42C8-920B-F75B8DD9711C}"/>
+          </ac:cxnSpMkLst>
+        </pc:cxnChg>
+        <pc:cxnChg chg="add del mod">
+          <ac:chgData name="John Bennedick Quijano" userId="edb3d445-3dba-4f62-8077-bafdc7822d72" providerId="ADAL" clId="{E8B76518-974F-4959-B382-89BB5FCDBC0F}" dt="2024-04-20T11:10:46.185" v="520" actId="478"/>
+          <ac:cxnSpMkLst>
+            <pc:docMk/>
+            <pc:sldMk cId="1248446067" sldId="256"/>
+            <ac:cxnSpMk id="217" creationId="{B7281FC0-E33A-FD4C-3B31-B645594AC027}"/>
+          </ac:cxnSpMkLst>
+        </pc:cxnChg>
+        <pc:cxnChg chg="add del mod">
+          <ac:chgData name="John Bennedick Quijano" userId="edb3d445-3dba-4f62-8077-bafdc7822d72" providerId="ADAL" clId="{E8B76518-974F-4959-B382-89BB5FCDBC0F}" dt="2024-04-20T11:10:46.185" v="520" actId="478"/>
+          <ac:cxnSpMkLst>
+            <pc:docMk/>
+            <pc:sldMk cId="1248446067" sldId="256"/>
+            <ac:cxnSpMk id="219" creationId="{60F9931A-8C33-789A-8A73-F0F6ECDC3328}"/>
+          </ac:cxnSpMkLst>
+        </pc:cxnChg>
+        <pc:cxnChg chg="add del mod">
+          <ac:chgData name="John Bennedick Quijano" userId="edb3d445-3dba-4f62-8077-bafdc7822d72" providerId="ADAL" clId="{E8B76518-974F-4959-B382-89BB5FCDBC0F}" dt="2024-04-20T11:10:46.185" v="520" actId="478"/>
+          <ac:cxnSpMkLst>
+            <pc:docMk/>
+            <pc:sldMk cId="1248446067" sldId="256"/>
+            <ac:cxnSpMk id="223" creationId="{49E457BF-0EF9-00F1-CEC0-4963ED490DC6}"/>
+          </ac:cxnSpMkLst>
+        </pc:cxnChg>
+        <pc:cxnChg chg="add del mod">
+          <ac:chgData name="John Bennedick Quijano" userId="edb3d445-3dba-4f62-8077-bafdc7822d72" providerId="ADAL" clId="{E8B76518-974F-4959-B382-89BB5FCDBC0F}" dt="2024-04-20T11:10:46.185" v="520" actId="478"/>
+          <ac:cxnSpMkLst>
+            <pc:docMk/>
+            <pc:sldMk cId="1248446067" sldId="256"/>
+            <ac:cxnSpMk id="226" creationId="{5E4F1CBF-2395-262B-FFD4-C7C18BB2FC05}"/>
+          </ac:cxnSpMkLst>
+        </pc:cxnChg>
+        <pc:cxnChg chg="add del mod">
+          <ac:chgData name="John Bennedick Quijano" userId="edb3d445-3dba-4f62-8077-bafdc7822d72" providerId="ADAL" clId="{E8B76518-974F-4959-B382-89BB5FCDBC0F}" dt="2024-04-20T11:10:46.185" v="520" actId="478"/>
+          <ac:cxnSpMkLst>
+            <pc:docMk/>
+            <pc:sldMk cId="1248446067" sldId="256"/>
+            <ac:cxnSpMk id="229" creationId="{22B20C45-94C7-07C2-8188-4FA4998ADEEE}"/>
+          </ac:cxnSpMkLst>
+        </pc:cxnChg>
+        <pc:cxnChg chg="add del mod">
+          <ac:chgData name="John Bennedick Quijano" userId="edb3d445-3dba-4f62-8077-bafdc7822d72" providerId="ADAL" clId="{E8B76518-974F-4959-B382-89BB5FCDBC0F}" dt="2024-04-20T11:10:46.185" v="520" actId="478"/>
+          <ac:cxnSpMkLst>
+            <pc:docMk/>
+            <pc:sldMk cId="1248446067" sldId="256"/>
+            <ac:cxnSpMk id="231" creationId="{F960DDE4-8536-ECD3-6F73-480931CAE8A0}"/>
+          </ac:cxnSpMkLst>
+        </pc:cxnChg>
+        <pc:cxnChg chg="add del mod">
+          <ac:chgData name="John Bennedick Quijano" userId="edb3d445-3dba-4f62-8077-bafdc7822d72" providerId="ADAL" clId="{E8B76518-974F-4959-B382-89BB5FCDBC0F}" dt="2024-04-20T11:10:46.185" v="520" actId="478"/>
+          <ac:cxnSpMkLst>
+            <pc:docMk/>
+            <pc:sldMk cId="1248446067" sldId="256"/>
+            <ac:cxnSpMk id="233" creationId="{CDFEDCBE-37F4-2CA3-7B61-E582D15BD8F4}"/>
+          </ac:cxnSpMkLst>
+        </pc:cxnChg>
+        <pc:cxnChg chg="add del mod">
+          <ac:chgData name="John Bennedick Quijano" userId="edb3d445-3dba-4f62-8077-bafdc7822d72" providerId="ADAL" clId="{E8B76518-974F-4959-B382-89BB5FCDBC0F}" dt="2024-04-20T11:10:46.185" v="520" actId="478"/>
+          <ac:cxnSpMkLst>
+            <pc:docMk/>
+            <pc:sldMk cId="1248446067" sldId="256"/>
+            <ac:cxnSpMk id="236" creationId="{AFF99B36-5A3B-0899-BB3E-07149F7C62CA}"/>
+          </ac:cxnSpMkLst>
+        </pc:cxnChg>
+        <pc:cxnChg chg="add del mod">
+          <ac:chgData name="John Bennedick Quijano" userId="edb3d445-3dba-4f62-8077-bafdc7822d72" providerId="ADAL" clId="{E8B76518-974F-4959-B382-89BB5FCDBC0F}" dt="2024-04-20T11:10:46.185" v="520" actId="478"/>
+          <ac:cxnSpMkLst>
+            <pc:docMk/>
+            <pc:sldMk cId="1248446067" sldId="256"/>
+            <ac:cxnSpMk id="239" creationId="{4811428D-2191-B6B9-E0CD-216B56C5C8A6}"/>
+          </ac:cxnSpMkLst>
+        </pc:cxnChg>
+        <pc:cxnChg chg="add del mod">
+          <ac:chgData name="John Bennedick Quijano" userId="edb3d445-3dba-4f62-8077-bafdc7822d72" providerId="ADAL" clId="{E8B76518-974F-4959-B382-89BB5FCDBC0F}" dt="2024-04-20T11:10:46.185" v="520" actId="478"/>
+          <ac:cxnSpMkLst>
+            <pc:docMk/>
+            <pc:sldMk cId="1248446067" sldId="256"/>
+            <ac:cxnSpMk id="241" creationId="{43CFB84C-3A45-F41D-BAA0-57E7A72B1FF1}"/>
+          </ac:cxnSpMkLst>
+        </pc:cxnChg>
+        <pc:cxnChg chg="add del mod">
+          <ac:chgData name="John Bennedick Quijano" userId="edb3d445-3dba-4f62-8077-bafdc7822d72" providerId="ADAL" clId="{E8B76518-974F-4959-B382-89BB5FCDBC0F}" dt="2024-04-20T11:10:46.185" v="520" actId="478"/>
+          <ac:cxnSpMkLst>
+            <pc:docMk/>
+            <pc:sldMk cId="1248446067" sldId="256"/>
+            <ac:cxnSpMk id="243" creationId="{CE983E59-EC28-CF0E-BF65-67A10C66F2F3}"/>
+          </ac:cxnSpMkLst>
+        </pc:cxnChg>
+        <pc:cxnChg chg="add del mod">
+          <ac:chgData name="John Bennedick Quijano" userId="edb3d445-3dba-4f62-8077-bafdc7822d72" providerId="ADAL" clId="{E8B76518-974F-4959-B382-89BB5FCDBC0F}" dt="2024-04-20T11:10:46.185" v="520" actId="478"/>
+          <ac:cxnSpMkLst>
+            <pc:docMk/>
+            <pc:sldMk cId="1248446067" sldId="256"/>
+            <ac:cxnSpMk id="245" creationId="{2C2F4F7C-6C13-E32A-76F9-2A10DB00A3BC}"/>
+          </ac:cxnSpMkLst>
+        </pc:cxnChg>
+        <pc:cxnChg chg="add del mod">
+          <ac:chgData name="John Bennedick Quijano" userId="edb3d445-3dba-4f62-8077-bafdc7822d72" providerId="ADAL" clId="{E8B76518-974F-4959-B382-89BB5FCDBC0F}" dt="2024-04-20T11:10:46.185" v="520" actId="478"/>
+          <ac:cxnSpMkLst>
+            <pc:docMk/>
+            <pc:sldMk cId="1248446067" sldId="256"/>
+            <ac:cxnSpMk id="246" creationId="{67CB28F4-2029-45BC-21FA-603A59B670C2}"/>
+          </ac:cxnSpMkLst>
+        </pc:cxnChg>
+        <pc:cxnChg chg="add del mod">
+          <ac:chgData name="John Bennedick Quijano" userId="edb3d445-3dba-4f62-8077-bafdc7822d72" providerId="ADAL" clId="{E8B76518-974F-4959-B382-89BB5FCDBC0F}" dt="2024-04-20T11:10:46.185" v="520" actId="478"/>
+          <ac:cxnSpMkLst>
+            <pc:docMk/>
+            <pc:sldMk cId="1248446067" sldId="256"/>
+            <ac:cxnSpMk id="249" creationId="{1A28BB7C-E268-DD74-F333-62381B30E31C}"/>
+          </ac:cxnSpMkLst>
+        </pc:cxnChg>
+        <pc:cxnChg chg="add del mod">
+          <ac:chgData name="John Bennedick Quijano" userId="edb3d445-3dba-4f62-8077-bafdc7822d72" providerId="ADAL" clId="{E8B76518-974F-4959-B382-89BB5FCDBC0F}" dt="2024-04-20T11:10:46.185" v="520" actId="478"/>
+          <ac:cxnSpMkLst>
+            <pc:docMk/>
+            <pc:sldMk cId="1248446067" sldId="256"/>
+            <ac:cxnSpMk id="251" creationId="{081B52CD-DB4B-71C5-13E0-D8FB0D98F825}"/>
+          </ac:cxnSpMkLst>
+        </pc:cxnChg>
+        <pc:cxnChg chg="add del mod">
+          <ac:chgData name="John Bennedick Quijano" userId="edb3d445-3dba-4f62-8077-bafdc7822d72" providerId="ADAL" clId="{E8B76518-974F-4959-B382-89BB5FCDBC0F}" dt="2024-04-20T11:10:46.185" v="520" actId="478"/>
+          <ac:cxnSpMkLst>
+            <pc:docMk/>
+            <pc:sldMk cId="1248446067" sldId="256"/>
+            <ac:cxnSpMk id="253" creationId="{632AADB9-240E-379F-A9D8-588134A18266}"/>
+          </ac:cxnSpMkLst>
+        </pc:cxnChg>
+        <pc:cxnChg chg="add del mod">
+          <ac:chgData name="John Bennedick Quijano" userId="edb3d445-3dba-4f62-8077-bafdc7822d72" providerId="ADAL" clId="{E8B76518-974F-4959-B382-89BB5FCDBC0F}" dt="2024-04-20T11:10:46.185" v="520" actId="478"/>
+          <ac:cxnSpMkLst>
+            <pc:docMk/>
+            <pc:sldMk cId="1248446067" sldId="256"/>
+            <ac:cxnSpMk id="255" creationId="{7636F1DE-B0B8-0894-B50D-0503A6FB3ED6}"/>
+          </ac:cxnSpMkLst>
+        </pc:cxnChg>
+        <pc:cxnChg chg="add del mod">
+          <ac:chgData name="John Bennedick Quijano" userId="edb3d445-3dba-4f62-8077-bafdc7822d72" providerId="ADAL" clId="{E8B76518-974F-4959-B382-89BB5FCDBC0F}" dt="2024-04-20T11:10:46.185" v="520" actId="478"/>
+          <ac:cxnSpMkLst>
+            <pc:docMk/>
+            <pc:sldMk cId="1248446067" sldId="256"/>
+            <ac:cxnSpMk id="256" creationId="{C87A1BCE-8D5F-DA5D-5B49-DCD89D4486C6}"/>
+          </ac:cxnSpMkLst>
+        </pc:cxnChg>
+        <pc:cxnChg chg="add del mod">
+          <ac:chgData name="John Bennedick Quijano" userId="edb3d445-3dba-4f62-8077-bafdc7822d72" providerId="ADAL" clId="{E8B76518-974F-4959-B382-89BB5FCDBC0F}" dt="2024-04-20T11:10:46.185" v="520" actId="478"/>
+          <ac:cxnSpMkLst>
+            <pc:docMk/>
+            <pc:sldMk cId="1248446067" sldId="256"/>
+            <ac:cxnSpMk id="258" creationId="{ECA14D99-8F2B-D29A-AAF6-EE80B6D80292}"/>
+          </ac:cxnSpMkLst>
+        </pc:cxnChg>
+        <pc:cxnChg chg="add del mod">
+          <ac:chgData name="John Bennedick Quijano" userId="edb3d445-3dba-4f62-8077-bafdc7822d72" providerId="ADAL" clId="{E8B76518-974F-4959-B382-89BB5FCDBC0F}" dt="2024-04-20T11:10:46.185" v="520" actId="478"/>
+          <ac:cxnSpMkLst>
+            <pc:docMk/>
+            <pc:sldMk cId="1248446067" sldId="256"/>
+            <ac:cxnSpMk id="260" creationId="{A73C740B-7B40-FFCE-6D2F-2816D3BBA45E}"/>
+          </ac:cxnSpMkLst>
+        </pc:cxnChg>
+        <pc:cxnChg chg="add del mod">
+          <ac:chgData name="John Bennedick Quijano" userId="edb3d445-3dba-4f62-8077-bafdc7822d72" providerId="ADAL" clId="{E8B76518-974F-4959-B382-89BB5FCDBC0F}" dt="2024-04-20T11:10:46.185" v="520" actId="478"/>
+          <ac:cxnSpMkLst>
+            <pc:docMk/>
+            <pc:sldMk cId="1248446067" sldId="256"/>
+            <ac:cxnSpMk id="262" creationId="{FF5DFBC6-EBD0-EAC4-460D-FD31F88DB674}"/>
+          </ac:cxnSpMkLst>
+        </pc:cxnChg>
+        <pc:cxnChg chg="add del mod">
+          <ac:chgData name="John Bennedick Quijano" userId="edb3d445-3dba-4f62-8077-bafdc7822d72" providerId="ADAL" clId="{E8B76518-974F-4959-B382-89BB5FCDBC0F}" dt="2024-04-20T11:10:46.185" v="520" actId="478"/>
+          <ac:cxnSpMkLst>
+            <pc:docMk/>
+            <pc:sldMk cId="1248446067" sldId="256"/>
+            <ac:cxnSpMk id="263" creationId="{F4750758-7158-2CD3-2776-2FAC3ECEAD3E}"/>
+          </ac:cxnSpMkLst>
+        </pc:cxnChg>
+        <pc:cxnChg chg="add del mod">
+          <ac:chgData name="John Bennedick Quijano" userId="edb3d445-3dba-4f62-8077-bafdc7822d72" providerId="ADAL" clId="{E8B76518-974F-4959-B382-89BB5FCDBC0F}" dt="2024-04-20T11:10:46.185" v="520" actId="478"/>
+          <ac:cxnSpMkLst>
+            <pc:docMk/>
+            <pc:sldMk cId="1248446067" sldId="256"/>
+            <ac:cxnSpMk id="265" creationId="{12829794-2498-3342-AA3F-16534813C7A6}"/>
+          </ac:cxnSpMkLst>
+        </pc:cxnChg>
+        <pc:cxnChg chg="add del mod">
+          <ac:chgData name="John Bennedick Quijano" userId="edb3d445-3dba-4f62-8077-bafdc7822d72" providerId="ADAL" clId="{E8B76518-974F-4959-B382-89BB5FCDBC0F}" dt="2024-04-20T11:10:46.185" v="520" actId="478"/>
+          <ac:cxnSpMkLst>
+            <pc:docMk/>
+            <pc:sldMk cId="1248446067" sldId="256"/>
+            <ac:cxnSpMk id="267" creationId="{2797CCD2-7FCA-7BE2-71AD-14799DB48C09}"/>
+          </ac:cxnSpMkLst>
+        </pc:cxnChg>
+        <pc:cxnChg chg="add del mod">
+          <ac:chgData name="John Bennedick Quijano" userId="edb3d445-3dba-4f62-8077-bafdc7822d72" providerId="ADAL" clId="{E8B76518-974F-4959-B382-89BB5FCDBC0F}" dt="2024-04-20T11:10:46.185" v="520" actId="478"/>
+          <ac:cxnSpMkLst>
+            <pc:docMk/>
+            <pc:sldMk cId="1248446067" sldId="256"/>
+            <ac:cxnSpMk id="269" creationId="{D8AE92F2-D733-57CE-BFD8-34DD42F99B3A}"/>
+          </ac:cxnSpMkLst>
+        </pc:cxnChg>
+        <pc:cxnChg chg="add del mod">
+          <ac:chgData name="John Bennedick Quijano" userId="edb3d445-3dba-4f62-8077-bafdc7822d72" providerId="ADAL" clId="{E8B76518-974F-4959-B382-89BB5FCDBC0F}" dt="2024-04-20T11:10:46.185" v="520" actId="478"/>
+          <ac:cxnSpMkLst>
+            <pc:docMk/>
+            <pc:sldMk cId="1248446067" sldId="256"/>
+            <ac:cxnSpMk id="270" creationId="{74DAAF46-BB0A-6C54-F12D-863C9FB685C3}"/>
+          </ac:cxnSpMkLst>
+        </pc:cxnChg>
+      </pc:sldChg>
+      <pc:sldChg chg="addSp delSp modSp new mod">
+        <pc:chgData name="John Bennedick Quijano" userId="edb3d445-3dba-4f62-8077-bafdc7822d72" providerId="ADAL" clId="{E8B76518-974F-4959-B382-89BB5FCDBC0F}" dt="2024-04-22T15:02:44.667" v="758" actId="478"/>
+        <pc:sldMkLst>
+          <pc:docMk/>
+          <pc:sldMk cId="4059126054" sldId="257"/>
+        </pc:sldMkLst>
+        <pc:spChg chg="add del mod">
+          <ac:chgData name="John Bennedick Quijano" userId="edb3d445-3dba-4f62-8077-bafdc7822d72" providerId="ADAL" clId="{E8B76518-974F-4959-B382-89BB5FCDBC0F}" dt="2024-04-22T15:02:44.667" v="758" actId="478"/>
+          <ac:spMkLst>
+            <pc:docMk/>
+            <pc:sldMk cId="4059126054" sldId="257"/>
+            <ac:spMk id="2" creationId="{1AD89A48-9B15-B9B5-ECFA-999E62384ED3}"/>
+          </ac:spMkLst>
+        </pc:spChg>
+        <pc:spChg chg="del">
+          <ac:chgData name="John Bennedick Quijano" userId="edb3d445-3dba-4f62-8077-bafdc7822d72" providerId="ADAL" clId="{E8B76518-974F-4959-B382-89BB5FCDBC0F}" dt="2024-04-21T15:00:32.249" v="522" actId="478"/>
+          <ac:spMkLst>
+            <pc:docMk/>
+            <pc:sldMk cId="4059126054" sldId="257"/>
+            <ac:spMk id="2" creationId="{3DFA6359-6D7D-31C5-0596-387F4E550486}"/>
+          </ac:spMkLst>
+        </pc:spChg>
+        <pc:spChg chg="del">
+          <ac:chgData name="John Bennedick Quijano" userId="edb3d445-3dba-4f62-8077-bafdc7822d72" providerId="ADAL" clId="{E8B76518-974F-4959-B382-89BB5FCDBC0F}" dt="2024-04-21T15:00:32.249" v="522" actId="478"/>
+          <ac:spMkLst>
+            <pc:docMk/>
+            <pc:sldMk cId="4059126054" sldId="257"/>
+            <ac:spMk id="3" creationId="{E571735B-12BA-93ED-6272-12B1957753BE}"/>
+          </ac:spMkLst>
+        </pc:spChg>
+        <pc:spChg chg="add mod">
+          <ac:chgData name="John Bennedick Quijano" userId="edb3d445-3dba-4f62-8077-bafdc7822d72" providerId="ADAL" clId="{E8B76518-974F-4959-B382-89BB5FCDBC0F}" dt="2024-04-21T15:03:47.938" v="667" actId="1076"/>
+          <ac:spMkLst>
+            <pc:docMk/>
+            <pc:sldMk cId="4059126054" sldId="257"/>
+            <ac:spMk id="8" creationId="{DF829FD8-419F-6BDC-DC7F-71198C44C231}"/>
+          </ac:spMkLst>
+        </pc:spChg>
+        <pc:spChg chg="add mod">
+          <ac:chgData name="John Bennedick Quijano" userId="edb3d445-3dba-4f62-8077-bafdc7822d72" providerId="ADAL" clId="{E8B76518-974F-4959-B382-89BB5FCDBC0F}" dt="2024-04-22T14:50:55.709" v="725" actId="1076"/>
+          <ac:spMkLst>
+            <pc:docMk/>
+            <pc:sldMk cId="4059126054" sldId="257"/>
+            <ac:spMk id="9" creationId="{95717E28-B5F9-2C55-515C-7DCCF6853F44}"/>
+          </ac:spMkLst>
+        </pc:spChg>
+        <pc:picChg chg="add mod">
+          <ac:chgData name="John Bennedick Quijano" userId="edb3d445-3dba-4f62-8077-bafdc7822d72" providerId="ADAL" clId="{E8B76518-974F-4959-B382-89BB5FCDBC0F}" dt="2024-04-22T14:50:07.609" v="708" actId="1076"/>
+          <ac:picMkLst>
+            <pc:docMk/>
+            <pc:sldMk cId="4059126054" sldId="257"/>
+            <ac:picMk id="5" creationId="{3362A985-0FD2-1297-29E5-BDA50329D3CC}"/>
+          </ac:picMkLst>
+        </pc:picChg>
+        <pc:picChg chg="add mod">
+          <ac:chgData name="John Bennedick Quijano" userId="edb3d445-3dba-4f62-8077-bafdc7822d72" providerId="ADAL" clId="{E8B76518-974F-4959-B382-89BB5FCDBC0F}" dt="2024-04-22T14:49:34.578" v="697" actId="962"/>
+          <ac:picMkLst>
+            <pc:docMk/>
+            <pc:sldMk cId="4059126054" sldId="257"/>
+            <ac:picMk id="7" creationId="{FDF22149-9F98-D28D-D3ED-F5865DBB87EC}"/>
+          </ac:picMkLst>
+        </pc:picChg>
+      </pc:sldChg>
+      <pc:sldChg chg="addSp delSp modSp new mod">
+        <pc:chgData name="John Bennedick Quijano" userId="edb3d445-3dba-4f62-8077-bafdc7822d72" providerId="ADAL" clId="{E8B76518-974F-4959-B382-89BB5FCDBC0F}" dt="2024-04-22T14:51:05.806" v="727" actId="1076"/>
+        <pc:sldMkLst>
+          <pc:docMk/>
+          <pc:sldMk cId="3840582914" sldId="258"/>
+        </pc:sldMkLst>
+        <pc:spChg chg="del">
+          <ac:chgData name="John Bennedick Quijano" userId="edb3d445-3dba-4f62-8077-bafdc7822d72" providerId="ADAL" clId="{E8B76518-974F-4959-B382-89BB5FCDBC0F}" dt="2024-04-22T14:40:22.277" v="675" actId="478"/>
+          <ac:spMkLst>
+            <pc:docMk/>
+            <pc:sldMk cId="3840582914" sldId="258"/>
+            <ac:spMk id="2" creationId="{BF3B67C0-9B3D-1E02-9D0B-61D9D124240B}"/>
+          </ac:spMkLst>
+        </pc:spChg>
+        <pc:spChg chg="del">
+          <ac:chgData name="John Bennedick Quijano" userId="edb3d445-3dba-4f62-8077-bafdc7822d72" providerId="ADAL" clId="{E8B76518-974F-4959-B382-89BB5FCDBC0F}" dt="2024-04-22T14:40:22.277" v="675" actId="478"/>
+          <ac:spMkLst>
+            <pc:docMk/>
+            <pc:sldMk cId="3840582914" sldId="258"/>
+            <ac:spMk id="3" creationId="{14DC56BA-1D10-9741-1742-F49117F8775C}"/>
+          </ac:spMkLst>
+        </pc:spChg>
+        <pc:spChg chg="add mod">
+          <ac:chgData name="John Bennedick Quijano" userId="edb3d445-3dba-4f62-8077-bafdc7822d72" providerId="ADAL" clId="{E8B76518-974F-4959-B382-89BB5FCDBC0F}" dt="2024-04-22T14:48:17.679" v="689" actId="20577"/>
+          <ac:spMkLst>
+            <pc:docMk/>
+            <pc:sldMk cId="3840582914" sldId="258"/>
+            <ac:spMk id="4" creationId="{A5775436-B7A2-6C28-2950-AA83B4CE3AFD}"/>
+          </ac:spMkLst>
+        </pc:spChg>
+        <pc:spChg chg="add del mod">
+          <ac:chgData name="John Bennedick Quijano" userId="edb3d445-3dba-4f62-8077-bafdc7822d72" providerId="ADAL" clId="{E8B76518-974F-4959-B382-89BB5FCDBC0F}" dt="2024-04-22T14:50:42.232" v="721" actId="478"/>
+          <ac:spMkLst>
+            <pc:docMk/>
+            <pc:sldMk cId="3840582914" sldId="258"/>
+            <ac:spMk id="9" creationId="{E4582C24-84E6-12C9-2F69-26158D2CEDFC}"/>
+          </ac:spMkLst>
+        </pc:spChg>
+        <pc:spChg chg="add mod">
+          <ac:chgData name="John Bennedick Quijano" userId="edb3d445-3dba-4f62-8077-bafdc7822d72" providerId="ADAL" clId="{E8B76518-974F-4959-B382-89BB5FCDBC0F}" dt="2024-04-22T14:51:05.806" v="727" actId="1076"/>
+          <ac:spMkLst>
+            <pc:docMk/>
+            <pc:sldMk cId="3840582914" sldId="258"/>
+            <ac:spMk id="10" creationId="{E3AC516B-6CB2-ED3D-B011-D23629B8C585}"/>
+          </ac:spMkLst>
+        </pc:spChg>
+        <pc:picChg chg="add mod">
+          <ac:chgData name="John Bennedick Quijano" userId="edb3d445-3dba-4f62-8077-bafdc7822d72" providerId="ADAL" clId="{E8B76518-974F-4959-B382-89BB5FCDBC0F}" dt="2024-04-22T14:51:05.806" v="727" actId="1076"/>
+          <ac:picMkLst>
+            <pc:docMk/>
+            <pc:sldMk cId="3840582914" sldId="258"/>
+            <ac:picMk id="6" creationId="{21F0CB5B-30DF-629A-17AE-72D3ED9117D3}"/>
+          </ac:picMkLst>
+        </pc:picChg>
+        <pc:picChg chg="add mod">
+          <ac:chgData name="John Bennedick Quijano" userId="edb3d445-3dba-4f62-8077-bafdc7822d72" providerId="ADAL" clId="{E8B76518-974F-4959-B382-89BB5FCDBC0F}" dt="2024-04-22T14:51:05.806" v="727" actId="1076"/>
+          <ac:picMkLst>
+            <pc:docMk/>
+            <pc:sldMk cId="3840582914" sldId="258"/>
+            <ac:picMk id="8" creationId="{DF39A4E0-B7B7-7DA9-B3F5-D60CFA51703A}"/>
+          </ac:picMkLst>
+        </pc:picChg>
+      </pc:sldChg>
+      <pc:sldChg chg="addSp delSp modSp add mod">
+        <pc:chgData name="John Bennedick Quijano" userId="edb3d445-3dba-4f62-8077-bafdc7822d72" providerId="ADAL" clId="{E8B76518-974F-4959-B382-89BB5FCDBC0F}" dt="2024-04-22T15:02:41.896" v="757" actId="20577"/>
+        <pc:sldMkLst>
+          <pc:docMk/>
+          <pc:sldMk cId="434308514" sldId="259"/>
+        </pc:sldMkLst>
+        <pc:spChg chg="mod">
+          <ac:chgData name="John Bennedick Quijano" userId="edb3d445-3dba-4f62-8077-bafdc7822d72" providerId="ADAL" clId="{E8B76518-974F-4959-B382-89BB5FCDBC0F}" dt="2024-04-22T15:02:41.896" v="757" actId="20577"/>
+          <ac:spMkLst>
+            <pc:docMk/>
+            <pc:sldMk cId="434308514" sldId="259"/>
+            <ac:spMk id="4" creationId="{A5775436-B7A2-6C28-2950-AA83B4CE3AFD}"/>
+          </ac:spMkLst>
+        </pc:spChg>
+        <pc:spChg chg="add del mod">
+          <ac:chgData name="John Bennedick Quijano" userId="edb3d445-3dba-4f62-8077-bafdc7822d72" providerId="ADAL" clId="{E8B76518-974F-4959-B382-89BB5FCDBC0F}" dt="2024-04-22T15:02:19.822" v="747" actId="478"/>
+          <ac:spMkLst>
+            <pc:docMk/>
+            <pc:sldMk cId="434308514" sldId="259"/>
+            <ac:spMk id="9" creationId="{0C3E8B9E-D30E-455F-157E-C6F89F504892}"/>
+          </ac:spMkLst>
+        </pc:spChg>
+        <pc:spChg chg="del">
+          <ac:chgData name="John Bennedick Quijano" userId="edb3d445-3dba-4f62-8077-bafdc7822d72" providerId="ADAL" clId="{E8B76518-974F-4959-B382-89BB5FCDBC0F}" dt="2024-04-22T15:01:27.206" v="729" actId="478"/>
+          <ac:spMkLst>
+            <pc:docMk/>
+            <pc:sldMk cId="434308514" sldId="259"/>
+            <ac:spMk id="10" creationId="{E3AC516B-6CB2-ED3D-B011-D23629B8C585}"/>
+          </ac:spMkLst>
+        </pc:spChg>
+        <pc:spChg chg="add mod">
+          <ac:chgData name="John Bennedick Quijano" userId="edb3d445-3dba-4f62-8077-bafdc7822d72" providerId="ADAL" clId="{E8B76518-974F-4959-B382-89BB5FCDBC0F}" dt="2024-04-22T15:02:37.278" v="751" actId="1076"/>
+          <ac:spMkLst>
+            <pc:docMk/>
+            <pc:sldMk cId="434308514" sldId="259"/>
+            <ac:spMk id="11" creationId="{083338C4-1E93-BE3B-EF82-AE6F6D5EBCEF}"/>
+          </ac:spMkLst>
+        </pc:spChg>
+        <pc:picChg chg="add mod">
+          <ac:chgData name="John Bennedick Quijano" userId="edb3d445-3dba-4f62-8077-bafdc7822d72" providerId="ADAL" clId="{E8B76518-974F-4959-B382-89BB5FCDBC0F}" dt="2024-04-22T15:02:06.961" v="740" actId="14100"/>
+          <ac:picMkLst>
+            <pc:docMk/>
+            <pc:sldMk cId="434308514" sldId="259"/>
+            <ac:picMk id="3" creationId="{128C732D-630A-FAF1-0D50-978E573D4581}"/>
+          </ac:picMkLst>
+        </pc:picChg>
+        <pc:picChg chg="del">
+          <ac:chgData name="John Bennedick Quijano" userId="edb3d445-3dba-4f62-8077-bafdc7822d72" providerId="ADAL" clId="{E8B76518-974F-4959-B382-89BB5FCDBC0F}" dt="2024-04-22T15:01:27.913" v="730" actId="478"/>
+          <ac:picMkLst>
+            <pc:docMk/>
+            <pc:sldMk cId="434308514" sldId="259"/>
+            <ac:picMk id="6" creationId="{21F0CB5B-30DF-629A-17AE-72D3ED9117D3}"/>
+          </ac:picMkLst>
+        </pc:picChg>
+        <pc:picChg chg="add mod">
+          <ac:chgData name="John Bennedick Quijano" userId="edb3d445-3dba-4f62-8077-bafdc7822d72" providerId="ADAL" clId="{E8B76518-974F-4959-B382-89BB5FCDBC0F}" dt="2024-04-22T15:02:18.811" v="746" actId="1076"/>
+          <ac:picMkLst>
+            <pc:docMk/>
+            <pc:sldMk cId="434308514" sldId="259"/>
+            <ac:picMk id="7" creationId="{5523E484-639A-478B-975F-8D682051639D}"/>
+          </ac:picMkLst>
+        </pc:picChg>
+        <pc:picChg chg="del">
+          <ac:chgData name="John Bennedick Quijano" userId="edb3d445-3dba-4f62-8077-bafdc7822d72" providerId="ADAL" clId="{E8B76518-974F-4959-B382-89BB5FCDBC0F}" dt="2024-04-22T15:01:27.206" v="729" actId="478"/>
+          <ac:picMkLst>
+            <pc:docMk/>
+            <pc:sldMk cId="434308514" sldId="259"/>
+            <ac:picMk id="8" creationId="{DF39A4E0-B7B7-7DA9-B3F5-D60CFA51703A}"/>
+          </ac:picMkLst>
+        </pc:picChg>
       </pc:sldChg>
     </pc:docChg>
   </pc:docChgLst>
@@ -605,7 +1746,7 @@
           <a:p>
             <a:fld id="{BF2F7397-66FA-40DB-9737-59F4F5822D63}" type="datetimeFigureOut">
               <a:rPr lang="en-PH" smtClean="0"/>
-              <a:t>17/04/2024</a:t>
+              <a:t>22/04/2024</a:t>
             </a:fld>
             <a:endParaRPr lang="en-PH"/>
           </a:p>
@@ -805,7 +1946,7 @@
           <a:p>
             <a:fld id="{BF2F7397-66FA-40DB-9737-59F4F5822D63}" type="datetimeFigureOut">
               <a:rPr lang="en-PH" smtClean="0"/>
-              <a:t>17/04/2024</a:t>
+              <a:t>22/04/2024</a:t>
             </a:fld>
             <a:endParaRPr lang="en-PH"/>
           </a:p>
@@ -1015,7 +2156,7 @@
           <a:p>
             <a:fld id="{BF2F7397-66FA-40DB-9737-59F4F5822D63}" type="datetimeFigureOut">
               <a:rPr lang="en-PH" smtClean="0"/>
-              <a:t>17/04/2024</a:t>
+              <a:t>22/04/2024</a:t>
             </a:fld>
             <a:endParaRPr lang="en-PH"/>
           </a:p>
@@ -1215,7 +2356,7 @@
           <a:p>
             <a:fld id="{BF2F7397-66FA-40DB-9737-59F4F5822D63}" type="datetimeFigureOut">
               <a:rPr lang="en-PH" smtClean="0"/>
-              <a:t>17/04/2024</a:t>
+              <a:t>22/04/2024</a:t>
             </a:fld>
             <a:endParaRPr lang="en-PH"/>
           </a:p>
@@ -1491,7 +2632,7 @@
           <a:p>
             <a:fld id="{BF2F7397-66FA-40DB-9737-59F4F5822D63}" type="datetimeFigureOut">
               <a:rPr lang="en-PH" smtClean="0"/>
-              <a:t>17/04/2024</a:t>
+              <a:t>22/04/2024</a:t>
             </a:fld>
             <a:endParaRPr lang="en-PH"/>
           </a:p>
@@ -1759,7 +2900,7 @@
           <a:p>
             <a:fld id="{BF2F7397-66FA-40DB-9737-59F4F5822D63}" type="datetimeFigureOut">
               <a:rPr lang="en-PH" smtClean="0"/>
-              <a:t>17/04/2024</a:t>
+              <a:t>22/04/2024</a:t>
             </a:fld>
             <a:endParaRPr lang="en-PH"/>
           </a:p>
@@ -2174,7 +3315,7 @@
           <a:p>
             <a:fld id="{BF2F7397-66FA-40DB-9737-59F4F5822D63}" type="datetimeFigureOut">
               <a:rPr lang="en-PH" smtClean="0"/>
-              <a:t>17/04/2024</a:t>
+              <a:t>22/04/2024</a:t>
             </a:fld>
             <a:endParaRPr lang="en-PH"/>
           </a:p>
@@ -2316,7 +3457,7 @@
           <a:p>
             <a:fld id="{BF2F7397-66FA-40DB-9737-59F4F5822D63}" type="datetimeFigureOut">
               <a:rPr lang="en-PH" smtClean="0"/>
-              <a:t>17/04/2024</a:t>
+              <a:t>22/04/2024</a:t>
             </a:fld>
             <a:endParaRPr lang="en-PH"/>
           </a:p>
@@ -2429,7 +3570,7 @@
           <a:p>
             <a:fld id="{BF2F7397-66FA-40DB-9737-59F4F5822D63}" type="datetimeFigureOut">
               <a:rPr lang="en-PH" smtClean="0"/>
-              <a:t>17/04/2024</a:t>
+              <a:t>22/04/2024</a:t>
             </a:fld>
             <a:endParaRPr lang="en-PH"/>
           </a:p>
@@ -2742,7 +3883,7 @@
           <a:p>
             <a:fld id="{BF2F7397-66FA-40DB-9737-59F4F5822D63}" type="datetimeFigureOut">
               <a:rPr lang="en-PH" smtClean="0"/>
-              <a:t>17/04/2024</a:t>
+              <a:t>22/04/2024</a:t>
             </a:fld>
             <a:endParaRPr lang="en-PH"/>
           </a:p>
@@ -3031,7 +4172,7 @@
           <a:p>
             <a:fld id="{BF2F7397-66FA-40DB-9737-59F4F5822D63}" type="datetimeFigureOut">
               <a:rPr lang="en-PH" smtClean="0"/>
-              <a:t>17/04/2024</a:t>
+              <a:t>22/04/2024</a:t>
             </a:fld>
             <a:endParaRPr lang="en-PH"/>
           </a:p>
@@ -3274,7 +4415,7 @@
           <a:p>
             <a:fld id="{BF2F7397-66FA-40DB-9737-59F4F5822D63}" type="datetimeFigureOut">
               <a:rPr lang="en-PH" smtClean="0"/>
-              <a:t>17/04/2024</a:t>
+              <a:t>22/04/2024</a:t>
             </a:fld>
             <a:endParaRPr lang="en-PH"/>
           </a:p>
@@ -3693,10 +4834,45 @@
       </p:grpSpPr>
       <p:pic>
         <p:nvPicPr>
-          <p:cNvPr id="11" name="Picture 10" descr="A screenshot of a graph&#10;&#10;Description automatically generated">
-            <a:extLst>
-              <a:ext uri="{FF2B5EF4-FFF2-40B4-BE49-F238E27FC236}">
-                <a16:creationId xmlns:a16="http://schemas.microsoft.com/office/drawing/2014/main" id="{034B4DC6-C64A-FBF3-7ADE-A10F3F638676}"/>
+          <p:cNvPr id="173" name="Picture 172" descr="A screenshot of a computer screen&#10;&#10;Description automatically generated">
+            <a:extLst>
+              <a:ext uri="{FF2B5EF4-FFF2-40B4-BE49-F238E27FC236}">
+                <a16:creationId xmlns:a16="http://schemas.microsoft.com/office/drawing/2014/main" id="{BC47A5D9-6650-0555-DADC-EDDEAD0AE6BA}"/>
+              </a:ext>
+            </a:extLst>
+          </p:cNvPr>
+          <p:cNvPicPr>
+            <a:picLocks noChangeAspect="1"/>
+          </p:cNvPicPr>
+          <p:nvPr/>
+        </p:nvPicPr>
+        <p:blipFill rotWithShape="1">
+          <a:blip r:embed="rId2">
+            <a:extLst>
+              <a:ext uri="{28A0092B-C50C-407E-A947-70E740481C1C}">
+                <a14:useLocalDpi xmlns:a14="http://schemas.microsoft.com/office/drawing/2010/main" val="0"/>
+              </a:ext>
+            </a:extLst>
+          </a:blip>
+          <a:srcRect r="68457"/>
+          <a:stretch/>
+        </p:blipFill>
+        <p:spPr>
+          <a:xfrm>
+            <a:off x="3524250" y="0"/>
+            <a:ext cx="1622425" cy="6858000"/>
+          </a:xfrm>
+          <a:prstGeom prst="rect">
+            <a:avLst/>
+          </a:prstGeom>
+        </p:spPr>
+      </p:pic>
+      <p:pic>
+        <p:nvPicPr>
+          <p:cNvPr id="174" name="Picture 173" descr="A screenshot of a computer screen&#10;&#10;Description automatically generated">
+            <a:extLst>
+              <a:ext uri="{FF2B5EF4-FFF2-40B4-BE49-F238E27FC236}">
+                <a16:creationId xmlns:a16="http://schemas.microsoft.com/office/drawing/2014/main" id="{873AC0F1-1AE3-D76D-96C9-BE7A074B1749}"/>
               </a:ext>
             </a:extLst>
           </p:cNvPr>
@@ -3719,7 +4895,7 @@
         </p:blipFill>
         <p:spPr>
           <a:xfrm>
-            <a:off x="-1296649" y="0"/>
+            <a:off x="-2674420" y="0"/>
             <a:ext cx="5143500" cy="6858000"/>
           </a:xfrm>
           <a:prstGeom prst="rect">
@@ -3729,10 +4905,10 @@
       </p:pic>
       <p:pic>
         <p:nvPicPr>
-          <p:cNvPr id="14" name="Picture 13" descr="A screenshot of a graph&#10;&#10;Description automatically generated">
-            <a:extLst>
-              <a:ext uri="{FF2B5EF4-FFF2-40B4-BE49-F238E27FC236}">
-                <a16:creationId xmlns:a16="http://schemas.microsoft.com/office/drawing/2014/main" id="{1F505099-E957-9C1E-5B68-06FC074069FC}"/>
+          <p:cNvPr id="175" name="Picture 174" descr="A screenshot of a computer screen&#10;&#10;Description automatically generated">
+            <a:extLst>
+              <a:ext uri="{FF2B5EF4-FFF2-40B4-BE49-F238E27FC236}">
+                <a16:creationId xmlns:a16="http://schemas.microsoft.com/office/drawing/2014/main" id="{5436CA51-27F6-7506-22BD-7A3ED3601650}"/>
               </a:ext>
             </a:extLst>
           </p:cNvPr>
@@ -3749,13 +4925,79 @@
               </a:ext>
             </a:extLst>
           </a:blip>
-          <a:srcRect r="68441"/>
+          <a:srcRect l="53025" r="21131"/>
           <a:stretch/>
         </p:blipFill>
         <p:spPr>
           <a:xfrm>
-            <a:off x="4575207" y="0"/>
-            <a:ext cx="1623226" cy="6858000"/>
+            <a:off x="5287433" y="0"/>
+            <a:ext cx="1329268" cy="6858000"/>
+          </a:xfrm>
+          <a:prstGeom prst="rect">
+            <a:avLst/>
+          </a:prstGeom>
+        </p:spPr>
+      </p:pic>
+    </p:spTree>
+    <p:extLst>
+      <p:ext uri="{BB962C8B-B14F-4D97-AF65-F5344CB8AC3E}">
+        <p14:creationId xmlns:p14="http://schemas.microsoft.com/office/powerpoint/2010/main" val="1248446067"/>
+      </p:ext>
+    </p:extLst>
+  </p:cSld>
+  <p:clrMapOvr>
+    <a:masterClrMapping/>
+  </p:clrMapOvr>
+</p:sld>
+</file>
+
+<file path=ppt/slides/slide2.xml><?xml version="1.0" encoding="utf-8"?>
+<p:sld xmlns:a="http://schemas.openxmlformats.org/drawingml/2006/main" xmlns:r="http://schemas.openxmlformats.org/officeDocument/2006/relationships" xmlns:p="http://schemas.openxmlformats.org/presentationml/2006/main">
+  <p:cSld>
+    <p:spTree>
+      <p:nvGrpSpPr>
+        <p:cNvPr id="1" name=""/>
+        <p:cNvGrpSpPr/>
+        <p:nvPr/>
+      </p:nvGrpSpPr>
+      <p:grpSpPr>
+        <a:xfrm>
+          <a:off x="0" y="0"/>
+          <a:ext cx="0" cy="0"/>
+          <a:chOff x="0" y="0"/>
+          <a:chExt cx="0" cy="0"/>
+        </a:xfrm>
+      </p:grpSpPr>
+      <p:pic>
+        <p:nvPicPr>
+          <p:cNvPr id="5" name="Picture 4" descr="A graph of a diagram&#10;&#10;Description automatically generated with medium confidence">
+            <a:extLst>
+              <a:ext uri="{FF2B5EF4-FFF2-40B4-BE49-F238E27FC236}">
+                <a16:creationId xmlns:a16="http://schemas.microsoft.com/office/drawing/2014/main" id="{3362A985-0FD2-1297-29E5-BDA50329D3CC}"/>
+              </a:ext>
+            </a:extLst>
+          </p:cNvPr>
+          <p:cNvPicPr>
+            <a:picLocks noChangeAspect="1"/>
+          </p:cNvPicPr>
+          <p:nvPr/>
+        </p:nvPicPr>
+        <p:blipFill>
+          <a:blip r:embed="rId2">
+            <a:extLst>
+              <a:ext uri="{28A0092B-C50C-407E-A947-70E740481C1C}">
+                <a14:useLocalDpi xmlns:a14="http://schemas.microsoft.com/office/drawing/2010/main" val="0"/>
+              </a:ext>
+            </a:extLst>
+          </a:blip>
+          <a:stretch>
+            <a:fillRect/>
+          </a:stretch>
+        </p:blipFill>
+        <p:spPr>
+          <a:xfrm>
+            <a:off x="1337046" y="1873197"/>
+            <a:ext cx="3465783" cy="3465783"/>
           </a:xfrm>
           <a:prstGeom prst="rect">
             <a:avLst/>
@@ -3764,10 +5006,10 @@
       </p:pic>
       <p:pic>
         <p:nvPicPr>
-          <p:cNvPr id="15" name="Picture 14" descr="A screenshot of a graph&#10;&#10;Description automatically generated">
-            <a:extLst>
-              <a:ext uri="{FF2B5EF4-FFF2-40B4-BE49-F238E27FC236}">
-                <a16:creationId xmlns:a16="http://schemas.microsoft.com/office/drawing/2014/main" id="{0B5E0F06-4A10-05EE-9C5A-D2905DE39CCB}"/>
+          <p:cNvPr id="7" name="Picture 6" descr="A graph of a graph&#10;&#10;Description automatically generated with medium confidence">
+            <a:extLst>
+              <a:ext uri="{FF2B5EF4-FFF2-40B4-BE49-F238E27FC236}">
+                <a16:creationId xmlns:a16="http://schemas.microsoft.com/office/drawing/2014/main" id="{FDF22149-9F98-D28D-D3ED-F5865DBB87EC}"/>
               </a:ext>
             </a:extLst>
           </p:cNvPr>
@@ -3776,1321 +5018,502 @@
           </p:cNvPicPr>
           <p:nvPr/>
         </p:nvPicPr>
-        <p:blipFill rotWithShape="1">
-          <a:blip r:embed="rId2">
+        <p:blipFill>
+          <a:blip r:embed="rId3">
             <a:extLst>
               <a:ext uri="{28A0092B-C50C-407E-A947-70E740481C1C}">
                 <a14:useLocalDpi xmlns:a14="http://schemas.microsoft.com/office/drawing/2010/main" val="0"/>
               </a:ext>
             </a:extLst>
           </a:blip>
-          <a:srcRect l="53187" r="19708"/>
-          <a:stretch/>
+          <a:stretch>
+            <a:fillRect/>
+          </a:stretch>
         </p:blipFill>
         <p:spPr>
           <a:xfrm>
-            <a:off x="6483246" y="0"/>
-            <a:ext cx="1394085" cy="6858000"/>
+            <a:off x="5014971" y="2468575"/>
+            <a:ext cx="6066739" cy="2275028"/>
           </a:xfrm>
           <a:prstGeom prst="rect">
             <a:avLst/>
           </a:prstGeom>
         </p:spPr>
       </p:pic>
-      <p:cxnSp>
-        <p:nvCxnSpPr>
-          <p:cNvPr id="17" name="Straight Connector 16">
-            <a:extLst>
-              <a:ext uri="{FF2B5EF4-FFF2-40B4-BE49-F238E27FC236}">
-                <a16:creationId xmlns:a16="http://schemas.microsoft.com/office/drawing/2014/main" id="{E6373361-AE73-E793-57A1-ABA8D69DCD88}"/>
-              </a:ext>
-            </a:extLst>
-          </p:cNvPr>
-          <p:cNvCxnSpPr>
-            <a:cxnSpLocks/>
-          </p:cNvCxnSpPr>
+      <p:sp>
+        <p:nvSpPr>
+          <p:cNvPr id="8" name="TextBox 7">
+            <a:extLst>
+              <a:ext uri="{FF2B5EF4-FFF2-40B4-BE49-F238E27FC236}">
+                <a16:creationId xmlns:a16="http://schemas.microsoft.com/office/drawing/2014/main" id="{DF829FD8-419F-6BDC-DC7F-71198C44C231}"/>
+              </a:ext>
+            </a:extLst>
+          </p:cNvPr>
+          <p:cNvSpPr txBox="1"/>
           <p:nvPr/>
-        </p:nvCxnSpPr>
+        </p:nvSpPr>
         <p:spPr>
           <a:xfrm>
-            <a:off x="6198433" y="84138"/>
-            <a:ext cx="270630" cy="180975"/>
+            <a:off x="121102" y="251255"/>
+            <a:ext cx="1080745" cy="307777"/>
           </a:xfrm>
-          <a:prstGeom prst="line">
+          <a:prstGeom prst="rect">
             <a:avLst/>
           </a:prstGeom>
-          <a:ln w="3175">
-            <a:solidFill>
-              <a:srgbClr val="294557"/>
-            </a:solidFill>
-          </a:ln>
+          <a:noFill/>
         </p:spPr>
-        <p:style>
-          <a:lnRef idx="2">
-            <a:schemeClr val="accent1"/>
-          </a:lnRef>
-          <a:fillRef idx="0">
-            <a:schemeClr val="accent1"/>
-          </a:fillRef>
-          <a:effectRef idx="1">
-            <a:schemeClr val="accent1"/>
-          </a:effectRef>
-          <a:fontRef idx="minor">
-            <a:schemeClr val="tx1"/>
-          </a:fontRef>
-        </p:style>
-      </p:cxnSp>
-      <p:cxnSp>
-        <p:nvCxnSpPr>
-          <p:cNvPr id="19" name="Straight Connector 18">
-            <a:extLst>
-              <a:ext uri="{FF2B5EF4-FFF2-40B4-BE49-F238E27FC236}">
-                <a16:creationId xmlns:a16="http://schemas.microsoft.com/office/drawing/2014/main" id="{709099D4-36D2-B377-9B65-6F1331203871}"/>
-              </a:ext>
-            </a:extLst>
-          </p:cNvPr>
-          <p:cNvCxnSpPr>
-            <a:cxnSpLocks/>
-          </p:cNvCxnSpPr>
+        <p:txBody>
+          <a:bodyPr wrap="none" rtlCol="0">
+            <a:spAutoFit/>
+          </a:bodyPr>
+          <a:lstStyle/>
+          <a:p>
+            <a:r>
+              <a:rPr lang="en-US" sz="1400" i="1" dirty="0">
+                <a:latin typeface="Arial" panose="020B0604020202020204" pitchFamily="34" charset="0"/>
+                <a:cs typeface="Arial" panose="020B0604020202020204" pitchFamily="34" charset="0"/>
+              </a:rPr>
+              <a:t>A. </a:t>
+            </a:r>
+            <a:r>
+              <a:rPr lang="en-US" sz="1400" i="1" dirty="0" err="1">
+                <a:latin typeface="Arial" panose="020B0604020202020204" pitchFamily="34" charset="0"/>
+                <a:cs typeface="Arial" panose="020B0604020202020204" pitchFamily="34" charset="0"/>
+              </a:rPr>
+              <a:t>digitifera</a:t>
+            </a:r>
+            <a:endParaRPr lang="en-PH" sz="1400" i="1" dirty="0">
+              <a:latin typeface="Arial" panose="020B0604020202020204" pitchFamily="34" charset="0"/>
+              <a:cs typeface="Arial" panose="020B0604020202020204" pitchFamily="34" charset="0"/>
+            </a:endParaRPr>
+          </a:p>
+        </p:txBody>
+      </p:sp>
+      <p:sp>
+        <p:nvSpPr>
+          <p:cNvPr id="9" name="TextBox 8">
+            <a:extLst>
+              <a:ext uri="{FF2B5EF4-FFF2-40B4-BE49-F238E27FC236}">
+                <a16:creationId xmlns:a16="http://schemas.microsoft.com/office/drawing/2014/main" id="{95717E28-B5F9-2C55-515C-7DCCF6853F44}"/>
+              </a:ext>
+            </a:extLst>
+          </p:cNvPr>
+          <p:cNvSpPr txBox="1"/>
           <p:nvPr/>
-        </p:nvCxnSpPr>
+        </p:nvSpPr>
         <p:spPr>
           <a:xfrm>
-            <a:off x="6198433" y="142875"/>
-            <a:ext cx="270630" cy="1466850"/>
+            <a:off x="6832302" y="2213444"/>
+            <a:ext cx="2432076" cy="307777"/>
           </a:xfrm>
-          <a:prstGeom prst="line">
+          <a:prstGeom prst="rect">
             <a:avLst/>
           </a:prstGeom>
-          <a:ln w="3175">
-            <a:solidFill>
-              <a:srgbClr val="294557"/>
-            </a:solidFill>
-          </a:ln>
+          <a:noFill/>
         </p:spPr>
-        <p:style>
-          <a:lnRef idx="2">
-            <a:schemeClr val="accent1"/>
-          </a:lnRef>
-          <a:fillRef idx="0">
-            <a:schemeClr val="accent1"/>
-          </a:fillRef>
-          <a:effectRef idx="1">
-            <a:schemeClr val="accent1"/>
-          </a:effectRef>
-          <a:fontRef idx="minor">
-            <a:schemeClr val="tx1"/>
-          </a:fontRef>
-        </p:style>
-      </p:cxnSp>
-      <p:cxnSp>
-        <p:nvCxnSpPr>
-          <p:cNvPr id="23" name="Straight Connector 22">
-            <a:extLst>
-              <a:ext uri="{FF2B5EF4-FFF2-40B4-BE49-F238E27FC236}">
-                <a16:creationId xmlns:a16="http://schemas.microsoft.com/office/drawing/2014/main" id="{07626A05-7659-BA8B-19DE-7D39538EA266}"/>
-              </a:ext>
-            </a:extLst>
-          </p:cNvPr>
-          <p:cNvCxnSpPr>
-            <a:cxnSpLocks/>
-          </p:cNvCxnSpPr>
-          <p:nvPr/>
-        </p:nvCxnSpPr>
-        <p:spPr>
-          <a:xfrm>
-            <a:off x="6198433" y="203994"/>
-            <a:ext cx="270630" cy="1331119"/>
-          </a:xfrm>
-          <a:prstGeom prst="line">
-            <a:avLst/>
-          </a:prstGeom>
-          <a:ln w="3175">
-            <a:solidFill>
-              <a:srgbClr val="294557"/>
-            </a:solidFill>
-          </a:ln>
-        </p:spPr>
-        <p:style>
-          <a:lnRef idx="2">
-            <a:schemeClr val="accent1"/>
-          </a:lnRef>
-          <a:fillRef idx="0">
-            <a:schemeClr val="accent1"/>
-          </a:fillRef>
-          <a:effectRef idx="1">
-            <a:schemeClr val="accent1"/>
-          </a:effectRef>
-          <a:fontRef idx="minor">
-            <a:schemeClr val="tx1"/>
-          </a:fontRef>
-        </p:style>
-      </p:cxnSp>
-      <p:cxnSp>
-        <p:nvCxnSpPr>
-          <p:cNvPr id="25" name="Straight Connector 24">
-            <a:extLst>
-              <a:ext uri="{FF2B5EF4-FFF2-40B4-BE49-F238E27FC236}">
-                <a16:creationId xmlns:a16="http://schemas.microsoft.com/office/drawing/2014/main" id="{A13A6554-2B58-602F-EA6A-FA44636A3283}"/>
-              </a:ext>
-            </a:extLst>
-          </p:cNvPr>
-          <p:cNvCxnSpPr>
-            <a:cxnSpLocks/>
-          </p:cNvCxnSpPr>
-          <p:nvPr/>
-        </p:nvCxnSpPr>
-        <p:spPr>
-          <a:xfrm>
-            <a:off x="6198433" y="269875"/>
-            <a:ext cx="270630" cy="707231"/>
-          </a:xfrm>
-          <a:prstGeom prst="line">
-            <a:avLst/>
-          </a:prstGeom>
-          <a:ln w="3175">
-            <a:solidFill>
-              <a:srgbClr val="294557"/>
-            </a:solidFill>
-          </a:ln>
-        </p:spPr>
-        <p:style>
-          <a:lnRef idx="2">
-            <a:schemeClr val="accent1"/>
-          </a:lnRef>
-          <a:fillRef idx="0">
-            <a:schemeClr val="accent1"/>
-          </a:fillRef>
-          <a:effectRef idx="1">
-            <a:schemeClr val="accent1"/>
-          </a:effectRef>
-          <a:fontRef idx="minor">
-            <a:schemeClr val="tx1"/>
-          </a:fontRef>
-        </p:style>
-      </p:cxnSp>
-      <p:cxnSp>
-        <p:nvCxnSpPr>
-          <p:cNvPr id="27" name="Straight Connector 26">
-            <a:extLst>
-              <a:ext uri="{FF2B5EF4-FFF2-40B4-BE49-F238E27FC236}">
-                <a16:creationId xmlns:a16="http://schemas.microsoft.com/office/drawing/2014/main" id="{7C2F0747-DF7C-0FAE-3862-C39AC839636B}"/>
-              </a:ext>
-            </a:extLst>
-          </p:cNvPr>
-          <p:cNvCxnSpPr>
-            <a:cxnSpLocks/>
-          </p:cNvCxnSpPr>
-          <p:nvPr/>
-        </p:nvCxnSpPr>
-        <p:spPr>
-          <a:xfrm>
-            <a:off x="6198433" y="349251"/>
-            <a:ext cx="270630" cy="49212"/>
-          </a:xfrm>
-          <a:prstGeom prst="line">
-            <a:avLst/>
-          </a:prstGeom>
-          <a:ln w="3175">
-            <a:solidFill>
-              <a:srgbClr val="294557"/>
-            </a:solidFill>
-          </a:ln>
-        </p:spPr>
-        <p:style>
-          <a:lnRef idx="2">
-            <a:schemeClr val="accent1"/>
-          </a:lnRef>
-          <a:fillRef idx="0">
-            <a:schemeClr val="accent1"/>
-          </a:fillRef>
-          <a:effectRef idx="1">
-            <a:schemeClr val="accent1"/>
-          </a:effectRef>
-          <a:fontRef idx="minor">
-            <a:schemeClr val="tx1"/>
-          </a:fontRef>
-        </p:style>
-      </p:cxnSp>
-      <p:cxnSp>
-        <p:nvCxnSpPr>
-          <p:cNvPr id="29" name="Straight Connector 28">
-            <a:extLst>
-              <a:ext uri="{FF2B5EF4-FFF2-40B4-BE49-F238E27FC236}">
-                <a16:creationId xmlns:a16="http://schemas.microsoft.com/office/drawing/2014/main" id="{310855F2-15D0-8CC8-141E-09EC40BF0770}"/>
-              </a:ext>
-            </a:extLst>
-          </p:cNvPr>
-          <p:cNvCxnSpPr>
-            <a:cxnSpLocks/>
-          </p:cNvCxnSpPr>
-          <p:nvPr/>
-        </p:nvCxnSpPr>
-        <p:spPr>
-          <a:xfrm>
-            <a:off x="6198433" y="407988"/>
-            <a:ext cx="270630" cy="1339850"/>
-          </a:xfrm>
-          <a:prstGeom prst="line">
-            <a:avLst/>
-          </a:prstGeom>
-          <a:ln w="3175">
-            <a:solidFill>
-              <a:srgbClr val="294557"/>
-            </a:solidFill>
-          </a:ln>
-        </p:spPr>
-        <p:style>
-          <a:lnRef idx="2">
-            <a:schemeClr val="accent1"/>
-          </a:lnRef>
-          <a:fillRef idx="0">
-            <a:schemeClr val="accent1"/>
-          </a:fillRef>
-          <a:effectRef idx="1">
-            <a:schemeClr val="accent1"/>
-          </a:effectRef>
-          <a:fontRef idx="minor">
-            <a:schemeClr val="tx1"/>
-          </a:fontRef>
-        </p:style>
-      </p:cxnSp>
-      <p:cxnSp>
-        <p:nvCxnSpPr>
-          <p:cNvPr id="33" name="Straight Connector 32">
-            <a:extLst>
-              <a:ext uri="{FF2B5EF4-FFF2-40B4-BE49-F238E27FC236}">
-                <a16:creationId xmlns:a16="http://schemas.microsoft.com/office/drawing/2014/main" id="{79820573-E394-7371-ED7B-333392CB9D57}"/>
-              </a:ext>
-            </a:extLst>
-          </p:cNvPr>
-          <p:cNvCxnSpPr>
-            <a:cxnSpLocks/>
-          </p:cNvCxnSpPr>
-          <p:nvPr/>
-        </p:nvCxnSpPr>
-        <p:spPr>
-          <a:xfrm>
-            <a:off x="6198433" y="474267"/>
-            <a:ext cx="270630" cy="443308"/>
-          </a:xfrm>
-          <a:prstGeom prst="line">
-            <a:avLst/>
-          </a:prstGeom>
-          <a:ln w="3175">
-            <a:solidFill>
-              <a:srgbClr val="294557"/>
-            </a:solidFill>
-          </a:ln>
-        </p:spPr>
-        <p:style>
-          <a:lnRef idx="2">
-            <a:schemeClr val="accent1"/>
-          </a:lnRef>
-          <a:fillRef idx="0">
-            <a:schemeClr val="accent1"/>
-          </a:fillRef>
-          <a:effectRef idx="1">
-            <a:schemeClr val="accent1"/>
-          </a:effectRef>
-          <a:fontRef idx="minor">
-            <a:schemeClr val="tx1"/>
-          </a:fontRef>
-        </p:style>
-      </p:cxnSp>
-      <p:cxnSp>
-        <p:nvCxnSpPr>
-          <p:cNvPr id="35" name="Straight Connector 34">
-            <a:extLst>
-              <a:ext uri="{FF2B5EF4-FFF2-40B4-BE49-F238E27FC236}">
-                <a16:creationId xmlns:a16="http://schemas.microsoft.com/office/drawing/2014/main" id="{6C7019B4-4A1B-001D-23FD-1327B7A0B205}"/>
-              </a:ext>
-            </a:extLst>
-          </p:cNvPr>
-          <p:cNvCxnSpPr>
-            <a:cxnSpLocks/>
-          </p:cNvCxnSpPr>
-          <p:nvPr/>
-        </p:nvCxnSpPr>
-        <p:spPr>
-          <a:xfrm>
-            <a:off x="6198433" y="531616"/>
-            <a:ext cx="270630" cy="312934"/>
-          </a:xfrm>
-          <a:prstGeom prst="line">
-            <a:avLst/>
-          </a:prstGeom>
-          <a:ln w="3175">
-            <a:solidFill>
-              <a:srgbClr val="294557"/>
-            </a:solidFill>
-          </a:ln>
-        </p:spPr>
-        <p:style>
-          <a:lnRef idx="2">
-            <a:schemeClr val="accent1"/>
-          </a:lnRef>
-          <a:fillRef idx="0">
-            <a:schemeClr val="accent1"/>
-          </a:fillRef>
-          <a:effectRef idx="1">
-            <a:schemeClr val="accent1"/>
-          </a:effectRef>
-          <a:fontRef idx="minor">
-            <a:schemeClr val="tx1"/>
-          </a:fontRef>
-        </p:style>
-      </p:cxnSp>
-      <p:cxnSp>
-        <p:nvCxnSpPr>
-          <p:cNvPr id="37" name="Straight Connector 36">
-            <a:extLst>
-              <a:ext uri="{FF2B5EF4-FFF2-40B4-BE49-F238E27FC236}">
-                <a16:creationId xmlns:a16="http://schemas.microsoft.com/office/drawing/2014/main" id="{D7613F2B-F7A5-5EC2-9CDD-7EB0A5841E0A}"/>
-              </a:ext>
-            </a:extLst>
-          </p:cNvPr>
-          <p:cNvCxnSpPr>
-            <a:cxnSpLocks/>
-          </p:cNvCxnSpPr>
-          <p:nvPr/>
-        </p:nvCxnSpPr>
-        <p:spPr>
-          <a:xfrm>
-            <a:off x="6198433" y="597399"/>
-            <a:ext cx="270630" cy="764676"/>
-          </a:xfrm>
-          <a:prstGeom prst="line">
-            <a:avLst/>
-          </a:prstGeom>
-          <a:ln w="3175">
-            <a:solidFill>
-              <a:srgbClr val="294557"/>
-            </a:solidFill>
-          </a:ln>
-        </p:spPr>
-        <p:style>
-          <a:lnRef idx="2">
-            <a:schemeClr val="accent1"/>
-          </a:lnRef>
-          <a:fillRef idx="0">
-            <a:schemeClr val="accent1"/>
-          </a:fillRef>
-          <a:effectRef idx="1">
-            <a:schemeClr val="accent1"/>
-          </a:effectRef>
-          <a:fontRef idx="minor">
-            <a:schemeClr val="tx1"/>
-          </a:fontRef>
-        </p:style>
-      </p:cxnSp>
-      <p:cxnSp>
-        <p:nvCxnSpPr>
-          <p:cNvPr id="39" name="Straight Connector 38">
-            <a:extLst>
-              <a:ext uri="{FF2B5EF4-FFF2-40B4-BE49-F238E27FC236}">
-                <a16:creationId xmlns:a16="http://schemas.microsoft.com/office/drawing/2014/main" id="{366E9286-40F2-7C58-4B53-C68B966FAF87}"/>
-              </a:ext>
-            </a:extLst>
-          </p:cNvPr>
-          <p:cNvCxnSpPr>
-            <a:cxnSpLocks/>
-          </p:cNvCxnSpPr>
-          <p:nvPr/>
-        </p:nvCxnSpPr>
-        <p:spPr>
-          <a:xfrm>
-            <a:off x="6198433" y="655196"/>
-            <a:ext cx="270630" cy="641248"/>
-          </a:xfrm>
-          <a:prstGeom prst="line">
-            <a:avLst/>
-          </a:prstGeom>
-          <a:ln w="3175">
-            <a:solidFill>
-              <a:srgbClr val="294557"/>
-            </a:solidFill>
-          </a:ln>
-        </p:spPr>
-        <p:style>
-          <a:lnRef idx="2">
-            <a:schemeClr val="accent1"/>
-          </a:lnRef>
-          <a:fillRef idx="0">
-            <a:schemeClr val="accent1"/>
-          </a:fillRef>
-          <a:effectRef idx="1">
-            <a:schemeClr val="accent1"/>
-          </a:effectRef>
-          <a:fontRef idx="minor">
-            <a:schemeClr val="tx1"/>
-          </a:fontRef>
-        </p:style>
-      </p:cxnSp>
-      <p:cxnSp>
-        <p:nvCxnSpPr>
-          <p:cNvPr id="41" name="Straight Connector 40">
-            <a:extLst>
-              <a:ext uri="{FF2B5EF4-FFF2-40B4-BE49-F238E27FC236}">
-                <a16:creationId xmlns:a16="http://schemas.microsoft.com/office/drawing/2014/main" id="{0E72F47C-3AD0-0FAC-CD1C-8EC91BEFE08F}"/>
-              </a:ext>
-            </a:extLst>
-          </p:cNvPr>
-          <p:cNvCxnSpPr>
-            <a:cxnSpLocks/>
-          </p:cNvCxnSpPr>
-          <p:nvPr/>
-        </p:nvCxnSpPr>
-        <p:spPr>
-          <a:xfrm flipV="1">
-            <a:off x="6198433" y="148529"/>
-            <a:ext cx="270630" cy="570762"/>
-          </a:xfrm>
-          <a:prstGeom prst="line">
-            <a:avLst/>
-          </a:prstGeom>
-          <a:ln w="3175">
-            <a:solidFill>
-              <a:srgbClr val="294557"/>
-            </a:solidFill>
-          </a:ln>
-        </p:spPr>
-        <p:style>
-          <a:lnRef idx="2">
-            <a:schemeClr val="accent1"/>
-          </a:lnRef>
-          <a:fillRef idx="0">
-            <a:schemeClr val="accent1"/>
-          </a:fillRef>
-          <a:effectRef idx="1">
-            <a:schemeClr val="accent1"/>
-          </a:effectRef>
-          <a:fontRef idx="minor">
-            <a:schemeClr val="tx1"/>
-          </a:fontRef>
-        </p:style>
-      </p:cxnSp>
-      <p:cxnSp>
-        <p:nvCxnSpPr>
-          <p:cNvPr id="44" name="Straight Connector 43">
-            <a:extLst>
-              <a:ext uri="{FF2B5EF4-FFF2-40B4-BE49-F238E27FC236}">
-                <a16:creationId xmlns:a16="http://schemas.microsoft.com/office/drawing/2014/main" id="{5353C924-C89B-10AD-115C-FC5DA57A1FCF}"/>
-              </a:ext>
-            </a:extLst>
-          </p:cNvPr>
-          <p:cNvCxnSpPr>
-            <a:cxnSpLocks/>
-          </p:cNvCxnSpPr>
-          <p:nvPr/>
-        </p:nvCxnSpPr>
-        <p:spPr>
-          <a:xfrm>
-            <a:off x="6198433" y="793424"/>
-            <a:ext cx="270630" cy="249465"/>
-          </a:xfrm>
-          <a:prstGeom prst="line">
-            <a:avLst/>
-          </a:prstGeom>
-          <a:ln w="3175">
-            <a:solidFill>
-              <a:srgbClr val="294557"/>
-            </a:solidFill>
-          </a:ln>
-        </p:spPr>
-        <p:style>
-          <a:lnRef idx="2">
-            <a:schemeClr val="accent1"/>
-          </a:lnRef>
-          <a:fillRef idx="0">
-            <a:schemeClr val="accent1"/>
-          </a:fillRef>
-          <a:effectRef idx="1">
-            <a:schemeClr val="accent1"/>
-          </a:effectRef>
-          <a:fontRef idx="minor">
-            <a:schemeClr val="tx1"/>
-          </a:fontRef>
-        </p:style>
-      </p:cxnSp>
-      <p:cxnSp>
-        <p:nvCxnSpPr>
-          <p:cNvPr id="46" name="Straight Connector 45">
-            <a:extLst>
-              <a:ext uri="{FF2B5EF4-FFF2-40B4-BE49-F238E27FC236}">
-                <a16:creationId xmlns:a16="http://schemas.microsoft.com/office/drawing/2014/main" id="{FE44E624-1F48-EB96-C703-142B857ADA70}"/>
-              </a:ext>
-            </a:extLst>
-          </p:cNvPr>
-          <p:cNvCxnSpPr>
-            <a:cxnSpLocks/>
-          </p:cNvCxnSpPr>
-          <p:nvPr/>
-        </p:nvCxnSpPr>
-        <p:spPr>
-          <a:xfrm>
-            <a:off x="6198433" y="860413"/>
-            <a:ext cx="284813" cy="380355"/>
-          </a:xfrm>
-          <a:prstGeom prst="line">
-            <a:avLst/>
-          </a:prstGeom>
-          <a:ln w="3175">
-            <a:solidFill>
-              <a:srgbClr val="294557"/>
-            </a:solidFill>
-          </a:ln>
-        </p:spPr>
-        <p:style>
-          <a:lnRef idx="2">
-            <a:schemeClr val="accent1"/>
-          </a:lnRef>
-          <a:fillRef idx="0">
-            <a:schemeClr val="accent1"/>
-          </a:fillRef>
-          <a:effectRef idx="1">
-            <a:schemeClr val="accent1"/>
-          </a:effectRef>
-          <a:fontRef idx="minor">
-            <a:schemeClr val="tx1"/>
-          </a:fontRef>
-        </p:style>
-      </p:cxnSp>
-      <p:cxnSp>
-        <p:nvCxnSpPr>
-          <p:cNvPr id="49" name="Straight Connector 48">
-            <a:extLst>
-              <a:ext uri="{FF2B5EF4-FFF2-40B4-BE49-F238E27FC236}">
-                <a16:creationId xmlns:a16="http://schemas.microsoft.com/office/drawing/2014/main" id="{6A8BD7C8-C02B-7E75-DB71-E7E254E25355}"/>
-              </a:ext>
-            </a:extLst>
-          </p:cNvPr>
-          <p:cNvCxnSpPr>
-            <a:cxnSpLocks/>
-          </p:cNvCxnSpPr>
-          <p:nvPr/>
-        </p:nvCxnSpPr>
-        <p:spPr>
-          <a:xfrm>
-            <a:off x="6198433" y="907907"/>
-            <a:ext cx="270630" cy="516403"/>
-          </a:xfrm>
-          <a:prstGeom prst="line">
-            <a:avLst/>
-          </a:prstGeom>
-          <a:ln w="3175">
-            <a:solidFill>
-              <a:srgbClr val="294557"/>
-            </a:solidFill>
-          </a:ln>
-        </p:spPr>
-        <p:style>
-          <a:lnRef idx="2">
-            <a:schemeClr val="accent1"/>
-          </a:lnRef>
-          <a:fillRef idx="0">
-            <a:schemeClr val="accent1"/>
-          </a:fillRef>
-          <a:effectRef idx="1">
-            <a:schemeClr val="accent1"/>
-          </a:effectRef>
-          <a:fontRef idx="minor">
-            <a:schemeClr val="tx1"/>
-          </a:fontRef>
-        </p:style>
-      </p:cxnSp>
-      <p:cxnSp>
-        <p:nvCxnSpPr>
-          <p:cNvPr id="51" name="Straight Connector 50">
-            <a:extLst>
-              <a:ext uri="{FF2B5EF4-FFF2-40B4-BE49-F238E27FC236}">
-                <a16:creationId xmlns:a16="http://schemas.microsoft.com/office/drawing/2014/main" id="{9434F352-07FD-B94F-AFAA-9681BF913298}"/>
-              </a:ext>
-            </a:extLst>
-          </p:cNvPr>
-          <p:cNvCxnSpPr>
-            <a:cxnSpLocks/>
-          </p:cNvCxnSpPr>
-          <p:nvPr/>
-        </p:nvCxnSpPr>
-        <p:spPr>
-          <a:xfrm>
-            <a:off x="6198433" y="981918"/>
-            <a:ext cx="270630" cy="516403"/>
-          </a:xfrm>
-          <a:prstGeom prst="line">
-            <a:avLst/>
-          </a:prstGeom>
-          <a:ln w="3175">
-            <a:solidFill>
-              <a:srgbClr val="294557"/>
-            </a:solidFill>
-          </a:ln>
-        </p:spPr>
-        <p:style>
-          <a:lnRef idx="2">
-            <a:schemeClr val="accent1"/>
-          </a:lnRef>
-          <a:fillRef idx="0">
-            <a:schemeClr val="accent1"/>
-          </a:fillRef>
-          <a:effectRef idx="1">
-            <a:schemeClr val="accent1"/>
-          </a:effectRef>
-          <a:fontRef idx="minor">
-            <a:schemeClr val="tx1"/>
-          </a:fontRef>
-        </p:style>
-      </p:cxnSp>
-      <p:cxnSp>
-        <p:nvCxnSpPr>
-          <p:cNvPr id="52" name="Straight Connector 51">
-            <a:extLst>
-              <a:ext uri="{FF2B5EF4-FFF2-40B4-BE49-F238E27FC236}">
-                <a16:creationId xmlns:a16="http://schemas.microsoft.com/office/drawing/2014/main" id="{E308BADC-CA30-0713-5B4D-DAC16860F345}"/>
-              </a:ext>
-            </a:extLst>
-          </p:cNvPr>
-          <p:cNvCxnSpPr>
-            <a:cxnSpLocks/>
-          </p:cNvCxnSpPr>
-          <p:nvPr/>
-        </p:nvCxnSpPr>
-        <p:spPr>
-          <a:xfrm>
-            <a:off x="6198433" y="1050889"/>
-            <a:ext cx="270630" cy="821850"/>
-          </a:xfrm>
-          <a:prstGeom prst="line">
-            <a:avLst/>
-          </a:prstGeom>
-          <a:ln w="3175">
-            <a:solidFill>
-              <a:srgbClr val="294557"/>
-            </a:solidFill>
-          </a:ln>
-        </p:spPr>
-        <p:style>
-          <a:lnRef idx="2">
-            <a:schemeClr val="accent1"/>
-          </a:lnRef>
-          <a:fillRef idx="0">
-            <a:schemeClr val="accent1"/>
-          </a:fillRef>
-          <a:effectRef idx="1">
-            <a:schemeClr val="accent1"/>
-          </a:effectRef>
-          <a:fontRef idx="minor">
-            <a:schemeClr val="tx1"/>
-          </a:fontRef>
-        </p:style>
-      </p:cxnSp>
-      <p:cxnSp>
-        <p:nvCxnSpPr>
-          <p:cNvPr id="54" name="Straight Connector 53">
-            <a:extLst>
-              <a:ext uri="{FF2B5EF4-FFF2-40B4-BE49-F238E27FC236}">
-                <a16:creationId xmlns:a16="http://schemas.microsoft.com/office/drawing/2014/main" id="{D6FCFA72-EF72-C1EE-03F9-0133F8FDEB32}"/>
-              </a:ext>
-            </a:extLst>
-          </p:cNvPr>
-          <p:cNvCxnSpPr>
-            <a:cxnSpLocks/>
-          </p:cNvCxnSpPr>
-          <p:nvPr/>
-        </p:nvCxnSpPr>
-        <p:spPr>
-          <a:xfrm flipV="1">
-            <a:off x="6198433" y="595947"/>
-            <a:ext cx="270630" cy="520054"/>
-          </a:xfrm>
-          <a:prstGeom prst="line">
-            <a:avLst/>
-          </a:prstGeom>
-          <a:ln w="3175">
-            <a:solidFill>
-              <a:srgbClr val="294557"/>
-            </a:solidFill>
-          </a:ln>
-        </p:spPr>
-        <p:style>
-          <a:lnRef idx="2">
-            <a:schemeClr val="accent1"/>
-          </a:lnRef>
-          <a:fillRef idx="0">
-            <a:schemeClr val="accent1"/>
-          </a:fillRef>
-          <a:effectRef idx="1">
-            <a:schemeClr val="accent1"/>
-          </a:effectRef>
-          <a:fontRef idx="minor">
-            <a:schemeClr val="tx1"/>
-          </a:fontRef>
-        </p:style>
-      </p:cxnSp>
-      <p:cxnSp>
-        <p:nvCxnSpPr>
-          <p:cNvPr id="56" name="Straight Connector 55">
-            <a:extLst>
-              <a:ext uri="{FF2B5EF4-FFF2-40B4-BE49-F238E27FC236}">
-                <a16:creationId xmlns:a16="http://schemas.microsoft.com/office/drawing/2014/main" id="{169820B9-A207-438A-4892-F9F8CB3DBDA3}"/>
-              </a:ext>
-            </a:extLst>
-          </p:cNvPr>
-          <p:cNvCxnSpPr>
-            <a:cxnSpLocks/>
-          </p:cNvCxnSpPr>
-          <p:nvPr/>
-        </p:nvCxnSpPr>
-        <p:spPr>
-          <a:xfrm>
-            <a:off x="6198433" y="1192353"/>
-            <a:ext cx="270630" cy="743599"/>
-          </a:xfrm>
-          <a:prstGeom prst="line">
-            <a:avLst/>
-          </a:prstGeom>
-          <a:ln w="3175">
-            <a:solidFill>
-              <a:srgbClr val="294557"/>
-            </a:solidFill>
-          </a:ln>
-        </p:spPr>
-        <p:style>
-          <a:lnRef idx="2">
-            <a:schemeClr val="accent1"/>
-          </a:lnRef>
-          <a:fillRef idx="0">
-            <a:schemeClr val="accent1"/>
-          </a:fillRef>
-          <a:effectRef idx="1">
-            <a:schemeClr val="accent1"/>
-          </a:effectRef>
-          <a:fontRef idx="minor">
-            <a:schemeClr val="tx1"/>
-          </a:fontRef>
-        </p:style>
-      </p:cxnSp>
-      <p:cxnSp>
-        <p:nvCxnSpPr>
-          <p:cNvPr id="58" name="Straight Connector 57">
-            <a:extLst>
-              <a:ext uri="{FF2B5EF4-FFF2-40B4-BE49-F238E27FC236}">
-                <a16:creationId xmlns:a16="http://schemas.microsoft.com/office/drawing/2014/main" id="{5FCD0BAF-3530-BA23-C2B9-03948F281815}"/>
-              </a:ext>
-            </a:extLst>
-          </p:cNvPr>
-          <p:cNvCxnSpPr>
-            <a:cxnSpLocks/>
-          </p:cNvCxnSpPr>
-          <p:nvPr/>
-        </p:nvCxnSpPr>
-        <p:spPr>
-          <a:xfrm flipV="1">
-            <a:off x="6198433" y="1178180"/>
-            <a:ext cx="270630" cy="67745"/>
-          </a:xfrm>
-          <a:prstGeom prst="line">
-            <a:avLst/>
-          </a:prstGeom>
-          <a:ln w="3175">
-            <a:solidFill>
-              <a:srgbClr val="294557"/>
-            </a:solidFill>
-          </a:ln>
-        </p:spPr>
-        <p:style>
-          <a:lnRef idx="2">
-            <a:schemeClr val="accent1"/>
-          </a:lnRef>
-          <a:fillRef idx="0">
-            <a:schemeClr val="accent1"/>
-          </a:fillRef>
-          <a:effectRef idx="1">
-            <a:schemeClr val="accent1"/>
-          </a:effectRef>
-          <a:fontRef idx="minor">
-            <a:schemeClr val="tx1"/>
-          </a:fontRef>
-        </p:style>
-      </p:cxnSp>
-      <p:cxnSp>
-        <p:nvCxnSpPr>
-          <p:cNvPr id="60" name="Straight Connector 59">
-            <a:extLst>
-              <a:ext uri="{FF2B5EF4-FFF2-40B4-BE49-F238E27FC236}">
-                <a16:creationId xmlns:a16="http://schemas.microsoft.com/office/drawing/2014/main" id="{B0C8C860-6E5C-D61D-DEB3-AAC24C6F3828}"/>
-              </a:ext>
-            </a:extLst>
-          </p:cNvPr>
-          <p:cNvCxnSpPr>
-            <a:cxnSpLocks/>
-          </p:cNvCxnSpPr>
-          <p:nvPr/>
-        </p:nvCxnSpPr>
-        <p:spPr>
-          <a:xfrm flipV="1">
-            <a:off x="6198433" y="216714"/>
-            <a:ext cx="270630" cy="1086233"/>
-          </a:xfrm>
-          <a:prstGeom prst="line">
-            <a:avLst/>
-          </a:prstGeom>
-          <a:ln w="3175">
-            <a:solidFill>
-              <a:srgbClr val="294557"/>
-            </a:solidFill>
-          </a:ln>
-        </p:spPr>
-        <p:style>
-          <a:lnRef idx="2">
-            <a:schemeClr val="accent1"/>
-          </a:lnRef>
-          <a:fillRef idx="0">
-            <a:schemeClr val="accent1"/>
-          </a:fillRef>
-          <a:effectRef idx="1">
-            <a:schemeClr val="accent1"/>
-          </a:effectRef>
-          <a:fontRef idx="minor">
-            <a:schemeClr val="tx1"/>
-          </a:fontRef>
-        </p:style>
-      </p:cxnSp>
-      <p:cxnSp>
-        <p:nvCxnSpPr>
-          <p:cNvPr id="62" name="Straight Connector 61">
-            <a:extLst>
-              <a:ext uri="{FF2B5EF4-FFF2-40B4-BE49-F238E27FC236}">
-                <a16:creationId xmlns:a16="http://schemas.microsoft.com/office/drawing/2014/main" id="{DD4B06E9-27A5-18D7-3EAA-B7912E4F8329}"/>
-              </a:ext>
-            </a:extLst>
-          </p:cNvPr>
-          <p:cNvCxnSpPr>
-            <a:cxnSpLocks/>
-          </p:cNvCxnSpPr>
-          <p:nvPr/>
-        </p:nvCxnSpPr>
-        <p:spPr>
-          <a:xfrm flipV="1">
-            <a:off x="6198433" y="725658"/>
-            <a:ext cx="270630" cy="646345"/>
-          </a:xfrm>
-          <a:prstGeom prst="line">
-            <a:avLst/>
-          </a:prstGeom>
-          <a:ln w="3175">
-            <a:solidFill>
-              <a:srgbClr val="294557"/>
-            </a:solidFill>
-          </a:ln>
-        </p:spPr>
-        <p:style>
-          <a:lnRef idx="2">
-            <a:schemeClr val="accent1"/>
-          </a:lnRef>
-          <a:fillRef idx="0">
-            <a:schemeClr val="accent1"/>
-          </a:fillRef>
-          <a:effectRef idx="1">
-            <a:schemeClr val="accent1"/>
-          </a:effectRef>
-          <a:fontRef idx="minor">
-            <a:schemeClr val="tx1"/>
-          </a:fontRef>
-        </p:style>
-      </p:cxnSp>
-      <p:cxnSp>
-        <p:nvCxnSpPr>
-          <p:cNvPr id="65" name="Straight Connector 64">
-            <a:extLst>
-              <a:ext uri="{FF2B5EF4-FFF2-40B4-BE49-F238E27FC236}">
-                <a16:creationId xmlns:a16="http://schemas.microsoft.com/office/drawing/2014/main" id="{4EE9EBE1-EC61-E8C8-479A-29854997CBA6}"/>
-              </a:ext>
-            </a:extLst>
-          </p:cNvPr>
-          <p:cNvCxnSpPr>
-            <a:cxnSpLocks/>
-          </p:cNvCxnSpPr>
-          <p:nvPr/>
-        </p:nvCxnSpPr>
-        <p:spPr>
-          <a:xfrm flipV="1">
-            <a:off x="6198433" y="349251"/>
-            <a:ext cx="270630" cy="1082934"/>
-          </a:xfrm>
-          <a:prstGeom prst="line">
-            <a:avLst/>
-          </a:prstGeom>
-          <a:ln w="3175">
-            <a:solidFill>
-              <a:srgbClr val="294557"/>
-            </a:solidFill>
-          </a:ln>
-        </p:spPr>
-        <p:style>
-          <a:lnRef idx="2">
-            <a:schemeClr val="accent1"/>
-          </a:lnRef>
-          <a:fillRef idx="0">
-            <a:schemeClr val="accent1"/>
-          </a:fillRef>
-          <a:effectRef idx="1">
-            <a:schemeClr val="accent1"/>
-          </a:effectRef>
-          <a:fontRef idx="minor">
-            <a:schemeClr val="tx1"/>
-          </a:fontRef>
-        </p:style>
-      </p:cxnSp>
-      <p:cxnSp>
-        <p:nvCxnSpPr>
-          <p:cNvPr id="67" name="Straight Connector 66">
-            <a:extLst>
-              <a:ext uri="{FF2B5EF4-FFF2-40B4-BE49-F238E27FC236}">
-                <a16:creationId xmlns:a16="http://schemas.microsoft.com/office/drawing/2014/main" id="{2C5784F0-2238-05F8-37E3-23191485825E}"/>
-              </a:ext>
-            </a:extLst>
-          </p:cNvPr>
-          <p:cNvCxnSpPr>
-            <a:cxnSpLocks/>
-          </p:cNvCxnSpPr>
-          <p:nvPr/>
-        </p:nvCxnSpPr>
-        <p:spPr>
-          <a:xfrm flipH="1">
-            <a:off x="6198433" y="1498321"/>
-            <a:ext cx="270630" cy="0"/>
-          </a:xfrm>
-          <a:prstGeom prst="line">
-            <a:avLst/>
-          </a:prstGeom>
-          <a:ln w="3175">
-            <a:solidFill>
-              <a:srgbClr val="294557"/>
-            </a:solidFill>
-          </a:ln>
-        </p:spPr>
-        <p:style>
-          <a:lnRef idx="2">
-            <a:schemeClr val="accent1"/>
-          </a:lnRef>
-          <a:fillRef idx="0">
-            <a:schemeClr val="accent1"/>
-          </a:fillRef>
-          <a:effectRef idx="1">
-            <a:schemeClr val="accent1"/>
-          </a:effectRef>
-          <a:fontRef idx="minor">
-            <a:schemeClr val="tx1"/>
-          </a:fontRef>
-        </p:style>
-      </p:cxnSp>
-      <p:cxnSp>
-        <p:nvCxnSpPr>
-          <p:cNvPr id="70" name="Straight Connector 69">
-            <a:extLst>
-              <a:ext uri="{FF2B5EF4-FFF2-40B4-BE49-F238E27FC236}">
-                <a16:creationId xmlns:a16="http://schemas.microsoft.com/office/drawing/2014/main" id="{621FE3EB-2BCE-B990-3AF7-FE82A1FF00E3}"/>
-              </a:ext>
-            </a:extLst>
-          </p:cNvPr>
-          <p:cNvCxnSpPr>
-            <a:cxnSpLocks/>
-          </p:cNvCxnSpPr>
-          <p:nvPr/>
-        </p:nvCxnSpPr>
-        <p:spPr>
-          <a:xfrm flipH="1">
-            <a:off x="6198433" y="474267"/>
-            <a:ext cx="270630" cy="1089885"/>
-          </a:xfrm>
-          <a:prstGeom prst="line">
-            <a:avLst/>
-          </a:prstGeom>
-          <a:ln w="3175">
-            <a:solidFill>
-              <a:srgbClr val="294557"/>
-            </a:solidFill>
-          </a:ln>
-        </p:spPr>
-        <p:style>
-          <a:lnRef idx="2">
-            <a:schemeClr val="accent1"/>
-          </a:lnRef>
-          <a:fillRef idx="0">
-            <a:schemeClr val="accent1"/>
-          </a:fillRef>
-          <a:effectRef idx="1">
-            <a:schemeClr val="accent1"/>
-          </a:effectRef>
-          <a:fontRef idx="minor">
-            <a:schemeClr val="tx1"/>
-          </a:fontRef>
-        </p:style>
-      </p:cxnSp>
-      <p:cxnSp>
-        <p:nvCxnSpPr>
-          <p:cNvPr id="74" name="Straight Connector 73">
-            <a:extLst>
-              <a:ext uri="{FF2B5EF4-FFF2-40B4-BE49-F238E27FC236}">
-                <a16:creationId xmlns:a16="http://schemas.microsoft.com/office/drawing/2014/main" id="{96E1C318-1615-1A0B-14AE-E826C5271B80}"/>
-              </a:ext>
-            </a:extLst>
-          </p:cNvPr>
-          <p:cNvCxnSpPr>
-            <a:cxnSpLocks/>
-          </p:cNvCxnSpPr>
-          <p:nvPr/>
-        </p:nvCxnSpPr>
-        <p:spPr>
-          <a:xfrm flipH="1">
-            <a:off x="6198433" y="542626"/>
-            <a:ext cx="270630" cy="1089885"/>
-          </a:xfrm>
-          <a:prstGeom prst="line">
-            <a:avLst/>
-          </a:prstGeom>
-          <a:ln w="3175">
-            <a:solidFill>
-              <a:srgbClr val="294557"/>
-            </a:solidFill>
-          </a:ln>
-        </p:spPr>
-        <p:style>
-          <a:lnRef idx="2">
-            <a:schemeClr val="accent1"/>
-          </a:lnRef>
-          <a:fillRef idx="0">
-            <a:schemeClr val="accent1"/>
-          </a:fillRef>
-          <a:effectRef idx="1">
-            <a:schemeClr val="accent1"/>
-          </a:effectRef>
-          <a:fontRef idx="minor">
-            <a:schemeClr val="tx1"/>
-          </a:fontRef>
-        </p:style>
-      </p:cxnSp>
-      <p:cxnSp>
-        <p:nvCxnSpPr>
-          <p:cNvPr id="75" name="Straight Connector 74">
-            <a:extLst>
-              <a:ext uri="{FF2B5EF4-FFF2-40B4-BE49-F238E27FC236}">
-                <a16:creationId xmlns:a16="http://schemas.microsoft.com/office/drawing/2014/main" id="{C2AC8A50-103B-518D-A0C9-AC37BAA730DA}"/>
-              </a:ext>
-            </a:extLst>
-          </p:cNvPr>
-          <p:cNvCxnSpPr>
-            <a:cxnSpLocks/>
-          </p:cNvCxnSpPr>
-          <p:nvPr/>
-        </p:nvCxnSpPr>
-        <p:spPr>
-          <a:xfrm flipH="1">
-            <a:off x="6198433" y="1682471"/>
-            <a:ext cx="270630" cy="0"/>
-          </a:xfrm>
-          <a:prstGeom prst="line">
-            <a:avLst/>
-          </a:prstGeom>
-          <a:ln w="3175">
-            <a:solidFill>
-              <a:srgbClr val="294557"/>
-            </a:solidFill>
-          </a:ln>
-        </p:spPr>
-        <p:style>
-          <a:lnRef idx="2">
-            <a:schemeClr val="accent1"/>
-          </a:lnRef>
-          <a:fillRef idx="0">
-            <a:schemeClr val="accent1"/>
-          </a:fillRef>
-          <a:effectRef idx="1">
-            <a:schemeClr val="accent1"/>
-          </a:effectRef>
-          <a:fontRef idx="minor">
-            <a:schemeClr val="tx1"/>
-          </a:fontRef>
-        </p:style>
-      </p:cxnSp>
-      <p:cxnSp>
-        <p:nvCxnSpPr>
-          <p:cNvPr id="76" name="Straight Connector 75">
-            <a:extLst>
-              <a:ext uri="{FF2B5EF4-FFF2-40B4-BE49-F238E27FC236}">
-                <a16:creationId xmlns:a16="http://schemas.microsoft.com/office/drawing/2014/main" id="{384E317A-4666-FED7-18E9-45D23F881B4E}"/>
-              </a:ext>
-            </a:extLst>
-          </p:cNvPr>
-          <p:cNvCxnSpPr>
-            <a:cxnSpLocks/>
-          </p:cNvCxnSpPr>
-          <p:nvPr/>
-        </p:nvCxnSpPr>
-        <p:spPr>
-          <a:xfrm flipH="1">
-            <a:off x="6198433" y="83344"/>
-            <a:ext cx="270630" cy="1664494"/>
-          </a:xfrm>
-          <a:prstGeom prst="line">
-            <a:avLst/>
-          </a:prstGeom>
-          <a:ln w="3175">
-            <a:solidFill>
-              <a:srgbClr val="294557"/>
-            </a:solidFill>
-          </a:ln>
-        </p:spPr>
-        <p:style>
-          <a:lnRef idx="2">
-            <a:schemeClr val="accent1"/>
-          </a:lnRef>
-          <a:fillRef idx="0">
-            <a:schemeClr val="accent1"/>
-          </a:fillRef>
-          <a:effectRef idx="1">
-            <a:schemeClr val="accent1"/>
-          </a:effectRef>
-          <a:fontRef idx="minor">
-            <a:schemeClr val="tx1"/>
-          </a:fontRef>
-        </p:style>
-      </p:cxnSp>
-      <p:cxnSp>
-        <p:nvCxnSpPr>
-          <p:cNvPr id="79" name="Straight Connector 78">
-            <a:extLst>
-              <a:ext uri="{FF2B5EF4-FFF2-40B4-BE49-F238E27FC236}">
-                <a16:creationId xmlns:a16="http://schemas.microsoft.com/office/drawing/2014/main" id="{62131ACB-CE58-E616-9EB8-0ACE41766BFF}"/>
-              </a:ext>
-            </a:extLst>
-          </p:cNvPr>
-          <p:cNvCxnSpPr>
-            <a:cxnSpLocks/>
-          </p:cNvCxnSpPr>
-          <p:nvPr/>
-        </p:nvCxnSpPr>
-        <p:spPr>
-          <a:xfrm flipH="1">
-            <a:off x="6198433" y="788871"/>
-            <a:ext cx="270630" cy="1031052"/>
-          </a:xfrm>
-          <a:prstGeom prst="line">
-            <a:avLst/>
-          </a:prstGeom>
-          <a:ln w="3175">
-            <a:solidFill>
-              <a:srgbClr val="294557"/>
-            </a:solidFill>
-          </a:ln>
-        </p:spPr>
-        <p:style>
-          <a:lnRef idx="2">
-            <a:schemeClr val="accent1"/>
-          </a:lnRef>
-          <a:fillRef idx="0">
-            <a:schemeClr val="accent1"/>
-          </a:fillRef>
-          <a:effectRef idx="1">
-            <a:schemeClr val="accent1"/>
-          </a:effectRef>
-          <a:fontRef idx="minor">
-            <a:schemeClr val="tx1"/>
-          </a:fontRef>
-        </p:style>
-      </p:cxnSp>
-      <p:cxnSp>
-        <p:nvCxnSpPr>
-          <p:cNvPr id="82" name="Straight Connector 81">
-            <a:extLst>
-              <a:ext uri="{FF2B5EF4-FFF2-40B4-BE49-F238E27FC236}">
-                <a16:creationId xmlns:a16="http://schemas.microsoft.com/office/drawing/2014/main" id="{847147A9-4837-8893-DBDA-DE8DCADAFEAB}"/>
-              </a:ext>
-            </a:extLst>
-          </p:cNvPr>
-          <p:cNvCxnSpPr>
-            <a:cxnSpLocks/>
-          </p:cNvCxnSpPr>
-          <p:nvPr/>
-        </p:nvCxnSpPr>
-        <p:spPr>
-          <a:xfrm flipH="1">
-            <a:off x="6198433" y="1105592"/>
-            <a:ext cx="270630" cy="770678"/>
-          </a:xfrm>
-          <a:prstGeom prst="line">
-            <a:avLst/>
-          </a:prstGeom>
-          <a:ln w="3175">
-            <a:solidFill>
-              <a:srgbClr val="294557"/>
-            </a:solidFill>
-          </a:ln>
-        </p:spPr>
-        <p:style>
-          <a:lnRef idx="2">
-            <a:schemeClr val="accent1"/>
-          </a:lnRef>
-          <a:fillRef idx="0">
-            <a:schemeClr val="accent1"/>
-          </a:fillRef>
-          <a:effectRef idx="1">
-            <a:schemeClr val="accent1"/>
-          </a:effectRef>
-          <a:fontRef idx="minor">
-            <a:schemeClr val="tx1"/>
-          </a:fontRef>
-        </p:style>
-      </p:cxnSp>
-      <p:cxnSp>
-        <p:nvCxnSpPr>
-          <p:cNvPr id="84" name="Straight Connector 83">
-            <a:extLst>
-              <a:ext uri="{FF2B5EF4-FFF2-40B4-BE49-F238E27FC236}">
-                <a16:creationId xmlns:a16="http://schemas.microsoft.com/office/drawing/2014/main" id="{FAFDC438-A7B7-2A37-258E-D451C36EBCEC}"/>
-              </a:ext>
-            </a:extLst>
-          </p:cNvPr>
-          <p:cNvCxnSpPr>
-            <a:cxnSpLocks/>
-          </p:cNvCxnSpPr>
-          <p:nvPr/>
-        </p:nvCxnSpPr>
-        <p:spPr>
-          <a:xfrm flipH="1" flipV="1">
-            <a:off x="6198433" y="1953055"/>
-            <a:ext cx="270630" cy="177358"/>
-          </a:xfrm>
-          <a:prstGeom prst="line">
-            <a:avLst/>
-          </a:prstGeom>
-          <a:ln w="3175">
-            <a:solidFill>
-              <a:srgbClr val="294557"/>
-            </a:solidFill>
-          </a:ln>
-        </p:spPr>
-        <p:style>
-          <a:lnRef idx="2">
-            <a:schemeClr val="accent1"/>
-          </a:lnRef>
-          <a:fillRef idx="0">
-            <a:schemeClr val="accent1"/>
-          </a:fillRef>
-          <a:effectRef idx="1">
-            <a:schemeClr val="accent1"/>
-          </a:effectRef>
-          <a:fontRef idx="minor">
-            <a:schemeClr val="tx1"/>
-          </a:fontRef>
-        </p:style>
-      </p:cxnSp>
+        <p:txBody>
+          <a:bodyPr wrap="none" rtlCol="0">
+            <a:spAutoFit/>
+          </a:bodyPr>
+          <a:lstStyle/>
+          <a:p>
+            <a:r>
+              <a:rPr lang="en-US" sz="1400" dirty="0">
+                <a:latin typeface="Arial" panose="020B0604020202020204" pitchFamily="34" charset="0"/>
+                <a:cs typeface="Arial" panose="020B0604020202020204" pitchFamily="34" charset="0"/>
+              </a:rPr>
+              <a:t>Optimum number of clusters</a:t>
+            </a:r>
+            <a:endParaRPr lang="en-PH" sz="1400" dirty="0">
+              <a:latin typeface="Arial" panose="020B0604020202020204" pitchFamily="34" charset="0"/>
+              <a:cs typeface="Arial" panose="020B0604020202020204" pitchFamily="34" charset="0"/>
+            </a:endParaRPr>
+          </a:p>
+        </p:txBody>
+      </p:sp>
     </p:spTree>
     <p:extLst>
       <p:ext uri="{BB962C8B-B14F-4D97-AF65-F5344CB8AC3E}">
-        <p14:creationId xmlns:p14="http://schemas.microsoft.com/office/powerpoint/2010/main" val="1248446067"/>
+        <p14:creationId xmlns:p14="http://schemas.microsoft.com/office/powerpoint/2010/main" val="4059126054"/>
+      </p:ext>
+    </p:extLst>
+  </p:cSld>
+  <p:clrMapOvr>
+    <a:masterClrMapping/>
+  </p:clrMapOvr>
+</p:sld>
+</file>
+
+<file path=ppt/slides/slide3.xml><?xml version="1.0" encoding="utf-8"?>
+<p:sld xmlns:a="http://schemas.openxmlformats.org/drawingml/2006/main" xmlns:r="http://schemas.openxmlformats.org/officeDocument/2006/relationships" xmlns:p="http://schemas.openxmlformats.org/presentationml/2006/main">
+  <p:cSld>
+    <p:spTree>
+      <p:nvGrpSpPr>
+        <p:cNvPr id="1" name=""/>
+        <p:cNvGrpSpPr/>
+        <p:nvPr/>
+      </p:nvGrpSpPr>
+      <p:grpSpPr>
+        <a:xfrm>
+          <a:off x="0" y="0"/>
+          <a:ext cx="0" cy="0"/>
+          <a:chOff x="0" y="0"/>
+          <a:chExt cx="0" cy="0"/>
+        </a:xfrm>
+      </p:grpSpPr>
+      <p:sp>
+        <p:nvSpPr>
+          <p:cNvPr id="4" name="TextBox 3">
+            <a:extLst>
+              <a:ext uri="{FF2B5EF4-FFF2-40B4-BE49-F238E27FC236}">
+                <a16:creationId xmlns:a16="http://schemas.microsoft.com/office/drawing/2014/main" id="{A5775436-B7A2-6C28-2950-AA83B4CE3AFD}"/>
+              </a:ext>
+            </a:extLst>
+          </p:cNvPr>
+          <p:cNvSpPr txBox="1"/>
+          <p:nvPr/>
+        </p:nvSpPr>
+        <p:spPr>
+          <a:xfrm>
+            <a:off x="121102" y="251255"/>
+            <a:ext cx="1130438" cy="307777"/>
+          </a:xfrm>
+          <a:prstGeom prst="rect">
+            <a:avLst/>
+          </a:prstGeom>
+          <a:noFill/>
+        </p:spPr>
+        <p:txBody>
+          <a:bodyPr wrap="none" rtlCol="0">
+            <a:spAutoFit/>
+          </a:bodyPr>
+          <a:lstStyle/>
+          <a:p>
+            <a:r>
+              <a:rPr lang="en-US" sz="1400" i="1" dirty="0">
+                <a:latin typeface="Arial" panose="020B0604020202020204" pitchFamily="34" charset="0"/>
+                <a:cs typeface="Arial" panose="020B0604020202020204" pitchFamily="34" charset="0"/>
+              </a:rPr>
+              <a:t>A. </a:t>
+            </a:r>
+            <a:r>
+              <a:rPr lang="en-US" sz="1400" i="1" dirty="0" err="1">
+                <a:latin typeface="Arial" panose="020B0604020202020204" pitchFamily="34" charset="0"/>
+                <a:cs typeface="Arial" panose="020B0604020202020204" pitchFamily="34" charset="0"/>
+              </a:rPr>
+              <a:t>millepora</a:t>
+            </a:r>
+            <a:endParaRPr lang="en-PH" sz="1400" i="1" dirty="0">
+              <a:latin typeface="Arial" panose="020B0604020202020204" pitchFamily="34" charset="0"/>
+              <a:cs typeface="Arial" panose="020B0604020202020204" pitchFamily="34" charset="0"/>
+            </a:endParaRPr>
+          </a:p>
+        </p:txBody>
+      </p:sp>
+      <p:pic>
+        <p:nvPicPr>
+          <p:cNvPr id="6" name="Picture 5" descr="A diagram of a triangle with red triangles and black text&#10;&#10;Description automatically generated">
+            <a:extLst>
+              <a:ext uri="{FF2B5EF4-FFF2-40B4-BE49-F238E27FC236}">
+                <a16:creationId xmlns:a16="http://schemas.microsoft.com/office/drawing/2014/main" id="{21F0CB5B-30DF-629A-17AE-72D3ED9117D3}"/>
+              </a:ext>
+            </a:extLst>
+          </p:cNvPr>
+          <p:cNvPicPr>
+            <a:picLocks noChangeAspect="1"/>
+          </p:cNvPicPr>
+          <p:nvPr/>
+        </p:nvPicPr>
+        <p:blipFill>
+          <a:blip r:embed="rId2">
+            <a:extLst>
+              <a:ext uri="{28A0092B-C50C-407E-A947-70E740481C1C}">
+                <a14:useLocalDpi xmlns:a14="http://schemas.microsoft.com/office/drawing/2010/main" val="0"/>
+              </a:ext>
+            </a:extLst>
+          </a:blip>
+          <a:stretch>
+            <a:fillRect/>
+          </a:stretch>
+        </p:blipFill>
+        <p:spPr>
+          <a:xfrm>
+            <a:off x="1137916" y="1695600"/>
+            <a:ext cx="3466800" cy="3466800"/>
+          </a:xfrm>
+          <a:prstGeom prst="rect">
+            <a:avLst/>
+          </a:prstGeom>
+        </p:spPr>
+      </p:pic>
+      <p:pic>
+        <p:nvPicPr>
+          <p:cNvPr id="8" name="Picture 7" descr="A graph of a number of numbers&#10;&#10;Description automatically generated with medium confidence">
+            <a:extLst>
+              <a:ext uri="{FF2B5EF4-FFF2-40B4-BE49-F238E27FC236}">
+                <a16:creationId xmlns:a16="http://schemas.microsoft.com/office/drawing/2014/main" id="{DF39A4E0-B7B7-7DA9-B3F5-D60CFA51703A}"/>
+              </a:ext>
+            </a:extLst>
+          </p:cNvPr>
+          <p:cNvPicPr>
+            <a:picLocks noChangeAspect="1"/>
+          </p:cNvPicPr>
+          <p:nvPr/>
+        </p:nvPicPr>
+        <p:blipFill>
+          <a:blip r:embed="rId3">
+            <a:extLst>
+              <a:ext uri="{28A0092B-C50C-407E-A947-70E740481C1C}">
+                <a14:useLocalDpi xmlns:a14="http://schemas.microsoft.com/office/drawing/2010/main" val="0"/>
+              </a:ext>
+            </a:extLst>
+          </a:blip>
+          <a:stretch>
+            <a:fillRect/>
+          </a:stretch>
+        </p:blipFill>
+        <p:spPr>
+          <a:xfrm>
+            <a:off x="4503117" y="2291400"/>
+            <a:ext cx="6067200" cy="2275200"/>
+          </a:xfrm>
+          <a:prstGeom prst="rect">
+            <a:avLst/>
+          </a:prstGeom>
+        </p:spPr>
+      </p:pic>
+      <p:sp>
+        <p:nvSpPr>
+          <p:cNvPr id="10" name="TextBox 9">
+            <a:extLst>
+              <a:ext uri="{FF2B5EF4-FFF2-40B4-BE49-F238E27FC236}">
+                <a16:creationId xmlns:a16="http://schemas.microsoft.com/office/drawing/2014/main" id="{E3AC516B-6CB2-ED3D-B011-D23629B8C585}"/>
+              </a:ext>
+            </a:extLst>
+          </p:cNvPr>
+          <p:cNvSpPr txBox="1"/>
+          <p:nvPr/>
+        </p:nvSpPr>
+        <p:spPr>
+          <a:xfrm>
+            <a:off x="6320679" y="1983623"/>
+            <a:ext cx="2432076" cy="307777"/>
+          </a:xfrm>
+          <a:prstGeom prst="rect">
+            <a:avLst/>
+          </a:prstGeom>
+          <a:noFill/>
+        </p:spPr>
+        <p:txBody>
+          <a:bodyPr wrap="none" rtlCol="0">
+            <a:spAutoFit/>
+          </a:bodyPr>
+          <a:lstStyle/>
+          <a:p>
+            <a:r>
+              <a:rPr lang="en-US" sz="1400" dirty="0">
+                <a:latin typeface="Arial" panose="020B0604020202020204" pitchFamily="34" charset="0"/>
+                <a:cs typeface="Arial" panose="020B0604020202020204" pitchFamily="34" charset="0"/>
+              </a:rPr>
+              <a:t>Optimum number of clusters</a:t>
+            </a:r>
+            <a:endParaRPr lang="en-PH" sz="1400" dirty="0">
+              <a:latin typeface="Arial" panose="020B0604020202020204" pitchFamily="34" charset="0"/>
+              <a:cs typeface="Arial" panose="020B0604020202020204" pitchFamily="34" charset="0"/>
+            </a:endParaRPr>
+          </a:p>
+        </p:txBody>
+      </p:sp>
+    </p:spTree>
+    <p:extLst>
+      <p:ext uri="{BB962C8B-B14F-4D97-AF65-F5344CB8AC3E}">
+        <p14:creationId xmlns:p14="http://schemas.microsoft.com/office/powerpoint/2010/main" val="3840582914"/>
+      </p:ext>
+    </p:extLst>
+  </p:cSld>
+  <p:clrMapOvr>
+    <a:masterClrMapping/>
+  </p:clrMapOvr>
+</p:sld>
+</file>
+
+<file path=ppt/slides/slide4.xml><?xml version="1.0" encoding="utf-8"?>
+<p:sld xmlns:a="http://schemas.openxmlformats.org/drawingml/2006/main" xmlns:r="http://schemas.openxmlformats.org/officeDocument/2006/relationships" xmlns:p="http://schemas.openxmlformats.org/presentationml/2006/main">
+  <p:cSld>
+    <p:spTree>
+      <p:nvGrpSpPr>
+        <p:cNvPr id="1" name=""/>
+        <p:cNvGrpSpPr/>
+        <p:nvPr/>
+      </p:nvGrpSpPr>
+      <p:grpSpPr>
+        <a:xfrm>
+          <a:off x="0" y="0"/>
+          <a:ext cx="0" cy="0"/>
+          <a:chOff x="0" y="0"/>
+          <a:chExt cx="0" cy="0"/>
+        </a:xfrm>
+      </p:grpSpPr>
+      <p:sp>
+        <p:nvSpPr>
+          <p:cNvPr id="4" name="TextBox 3">
+            <a:extLst>
+              <a:ext uri="{FF2B5EF4-FFF2-40B4-BE49-F238E27FC236}">
+                <a16:creationId xmlns:a16="http://schemas.microsoft.com/office/drawing/2014/main" id="{A5775436-B7A2-6C28-2950-AA83B4CE3AFD}"/>
+              </a:ext>
+            </a:extLst>
+          </p:cNvPr>
+          <p:cNvSpPr txBox="1"/>
+          <p:nvPr/>
+        </p:nvSpPr>
+        <p:spPr>
+          <a:xfrm>
+            <a:off x="121102" y="251255"/>
+            <a:ext cx="881973" cy="307777"/>
+          </a:xfrm>
+          <a:prstGeom prst="rect">
+            <a:avLst/>
+          </a:prstGeom>
+          <a:noFill/>
+        </p:spPr>
+        <p:txBody>
+          <a:bodyPr wrap="none" rtlCol="0">
+            <a:spAutoFit/>
+          </a:bodyPr>
+          <a:lstStyle/>
+          <a:p>
+            <a:r>
+              <a:rPr lang="en-US" sz="1400" i="1" dirty="0">
+                <a:latin typeface="Arial" panose="020B0604020202020204" pitchFamily="34" charset="0"/>
+                <a:cs typeface="Arial" panose="020B0604020202020204" pitchFamily="34" charset="0"/>
+              </a:rPr>
+              <a:t>A. tenuis</a:t>
+            </a:r>
+            <a:endParaRPr lang="en-PH" sz="1400" i="1" dirty="0">
+              <a:latin typeface="Arial" panose="020B0604020202020204" pitchFamily="34" charset="0"/>
+              <a:cs typeface="Arial" panose="020B0604020202020204" pitchFamily="34" charset="0"/>
+            </a:endParaRPr>
+          </a:p>
+        </p:txBody>
+      </p:sp>
+      <p:pic>
+        <p:nvPicPr>
+          <p:cNvPr id="3" name="Picture 2" descr="A diagram of a graph&#10;&#10;Description automatically generated">
+            <a:extLst>
+              <a:ext uri="{FF2B5EF4-FFF2-40B4-BE49-F238E27FC236}">
+                <a16:creationId xmlns:a16="http://schemas.microsoft.com/office/drawing/2014/main" id="{128C732D-630A-FAF1-0D50-978E573D4581}"/>
+              </a:ext>
+            </a:extLst>
+          </p:cNvPr>
+          <p:cNvPicPr>
+            <a:picLocks noChangeAspect="1"/>
+          </p:cNvPicPr>
+          <p:nvPr/>
+        </p:nvPicPr>
+        <p:blipFill>
+          <a:blip r:embed="rId2">
+            <a:extLst>
+              <a:ext uri="{28A0092B-C50C-407E-A947-70E740481C1C}">
+                <a14:useLocalDpi xmlns:a14="http://schemas.microsoft.com/office/drawing/2010/main" val="0"/>
+              </a:ext>
+            </a:extLst>
+          </a:blip>
+          <a:stretch>
+            <a:fillRect/>
+          </a:stretch>
+        </p:blipFill>
+        <p:spPr>
+          <a:xfrm>
+            <a:off x="984296" y="1396996"/>
+            <a:ext cx="3466800" cy="3466800"/>
+          </a:xfrm>
+          <a:prstGeom prst="rect">
+            <a:avLst/>
+          </a:prstGeom>
+        </p:spPr>
+      </p:pic>
+      <p:pic>
+        <p:nvPicPr>
+          <p:cNvPr id="7" name="Picture 6" descr="A graph of a number of numbers&#10;&#10;Description automatically generated with medium confidence">
+            <a:extLst>
+              <a:ext uri="{FF2B5EF4-FFF2-40B4-BE49-F238E27FC236}">
+                <a16:creationId xmlns:a16="http://schemas.microsoft.com/office/drawing/2014/main" id="{5523E484-639A-478B-975F-8D682051639D}"/>
+              </a:ext>
+            </a:extLst>
+          </p:cNvPr>
+          <p:cNvPicPr>
+            <a:picLocks noChangeAspect="1"/>
+          </p:cNvPicPr>
+          <p:nvPr/>
+        </p:nvPicPr>
+        <p:blipFill>
+          <a:blip r:embed="rId3">
+            <a:extLst>
+              <a:ext uri="{28A0092B-C50C-407E-A947-70E740481C1C}">
+                <a14:useLocalDpi xmlns:a14="http://schemas.microsoft.com/office/drawing/2010/main" val="0"/>
+              </a:ext>
+            </a:extLst>
+          </a:blip>
+          <a:stretch>
+            <a:fillRect/>
+          </a:stretch>
+        </p:blipFill>
+        <p:spPr>
+          <a:xfrm>
+            <a:off x="4451096" y="1987499"/>
+            <a:ext cx="6067200" cy="2275200"/>
+          </a:xfrm>
+          <a:prstGeom prst="rect">
+            <a:avLst/>
+          </a:prstGeom>
+        </p:spPr>
+      </p:pic>
+      <p:sp>
+        <p:nvSpPr>
+          <p:cNvPr id="11" name="TextBox 10">
+            <a:extLst>
+              <a:ext uri="{FF2B5EF4-FFF2-40B4-BE49-F238E27FC236}">
+                <a16:creationId xmlns:a16="http://schemas.microsoft.com/office/drawing/2014/main" id="{083338C4-1E93-BE3B-EF82-AE6F6D5EBCEF}"/>
+              </a:ext>
+            </a:extLst>
+          </p:cNvPr>
+          <p:cNvSpPr txBox="1"/>
+          <p:nvPr/>
+        </p:nvSpPr>
+        <p:spPr>
+          <a:xfrm>
+            <a:off x="6268658" y="1679722"/>
+            <a:ext cx="2432076" cy="307777"/>
+          </a:xfrm>
+          <a:prstGeom prst="rect">
+            <a:avLst/>
+          </a:prstGeom>
+          <a:noFill/>
+        </p:spPr>
+        <p:txBody>
+          <a:bodyPr wrap="none" rtlCol="0">
+            <a:spAutoFit/>
+          </a:bodyPr>
+          <a:lstStyle/>
+          <a:p>
+            <a:r>
+              <a:rPr lang="en-US" sz="1400" dirty="0">
+                <a:latin typeface="Arial" panose="020B0604020202020204" pitchFamily="34" charset="0"/>
+                <a:cs typeface="Arial" panose="020B0604020202020204" pitchFamily="34" charset="0"/>
+              </a:rPr>
+              <a:t>Optimum number of clusters</a:t>
+            </a:r>
+            <a:endParaRPr lang="en-PH" sz="1400" dirty="0">
+              <a:latin typeface="Arial" panose="020B0604020202020204" pitchFamily="34" charset="0"/>
+              <a:cs typeface="Arial" panose="020B0604020202020204" pitchFamily="34" charset="0"/>
+            </a:endParaRPr>
+          </a:p>
+        </p:txBody>
+      </p:sp>
+    </p:spTree>
+    <p:extLst>
+      <p:ext uri="{BB962C8B-B14F-4D97-AF65-F5344CB8AC3E}">
+        <p14:creationId xmlns:p14="http://schemas.microsoft.com/office/powerpoint/2010/main" val="434308514"/>
       </p:ext>
     </p:extLst>
   </p:cSld>
